--- a/Presentacion CLEI-JAIIO 2017.pptx
+++ b/Presentacion CLEI-JAIIO 2017.pptx
@@ -12,17 +12,18 @@
     <p:sldId id="260" r:id="rId6"/>
     <p:sldId id="261" r:id="rId7"/>
     <p:sldId id="262" r:id="rId8"/>
-    <p:sldId id="263" r:id="rId9"/>
-    <p:sldId id="264" r:id="rId10"/>
-    <p:sldId id="265" r:id="rId11"/>
-    <p:sldId id="266" r:id="rId12"/>
-    <p:sldId id="267" r:id="rId13"/>
-    <p:sldId id="268" r:id="rId14"/>
-    <p:sldId id="269" r:id="rId15"/>
-    <p:sldId id="270" r:id="rId16"/>
-    <p:sldId id="271" r:id="rId17"/>
-    <p:sldId id="272" r:id="rId18"/>
-    <p:sldId id="273" r:id="rId19"/>
+    <p:sldId id="274" r:id="rId9"/>
+    <p:sldId id="263" r:id="rId10"/>
+    <p:sldId id="264" r:id="rId11"/>
+    <p:sldId id="265" r:id="rId12"/>
+    <p:sldId id="266" r:id="rId13"/>
+    <p:sldId id="267" r:id="rId14"/>
+    <p:sldId id="268" r:id="rId15"/>
+    <p:sldId id="269" r:id="rId16"/>
+    <p:sldId id="270" r:id="rId17"/>
+    <p:sldId id="271" r:id="rId18"/>
+    <p:sldId id="272" r:id="rId19"/>
+    <p:sldId id="273" r:id="rId20"/>
   </p:sldIdLst>
   <p:sldSz cx="9144000" cy="6858000" type="screen4x3"/>
   <p:notesSz cx="6858000" cy="9144000"/>
@@ -656,7 +657,7 @@
           <a:p>
             <a:fld id="{216C5678-EE20-4FA5-88E2-6E0BD67A2E26}" type="datetime1">
               <a:rPr lang="en-US" smtClean="0"/>
-              <a:t>01-Sep-17</a:t>
+              <a:t>9/2/2017</a:t>
             </a:fld>
             <a:endParaRPr lang="en-US" dirty="0"/>
           </a:p>
@@ -762,7 +763,7 @@
           </a:ln>
           <a:extLst>
             <a:ext uri="{91240B29-F687-4f45-9708-019B960494DF}">
-              <a14:hiddenLine xmlns:a14="http://schemas.microsoft.com/office/drawing/2010/main" xmlns="" w="9525">
+              <a14:hiddenLine xmlns="" xmlns:a14="http://schemas.microsoft.com/office/drawing/2010/main" w="9525">
                 <a:solidFill>
                   <a:srgbClr val="000000"/>
                 </a:solidFill>
@@ -817,7 +818,7 @@
           </a:ln>
           <a:extLst>
             <a:ext uri="{91240B29-F687-4f45-9708-019B960494DF}">
-              <a14:hiddenLine xmlns:a14="http://schemas.microsoft.com/office/drawing/2010/main" xmlns="" w="9525">
+              <a14:hiddenLine xmlns="" xmlns:a14="http://schemas.microsoft.com/office/drawing/2010/main" w="9525">
                 <a:solidFill>
                   <a:srgbClr val="000000"/>
                 </a:solidFill>
@@ -1072,7 +1073,7 @@
           <a:p>
             <a:fld id="{B0C4986D-6BE9-4264-908F-02DB36FD8D6C}" type="datetime1">
               <a:rPr lang="en-US" smtClean="0"/>
-              <a:t>01-Sep-17</a:t>
+              <a:t>9/2/2017</a:t>
             </a:fld>
             <a:endParaRPr lang="en-US" dirty="0"/>
           </a:p>
@@ -1326,7 +1327,7 @@
           <a:p>
             <a:fld id="{B0C4986D-6BE9-4264-908F-02DB36FD8D6C}" type="datetime1">
               <a:rPr lang="en-US" smtClean="0"/>
-              <a:t>01-Sep-17</a:t>
+              <a:t>9/2/2017</a:t>
             </a:fld>
             <a:endParaRPr lang="en-US" dirty="0"/>
           </a:p>
@@ -1872,7 +1873,7 @@
           <a:p>
             <a:fld id="{B0C4986D-6BE9-4264-908F-02DB36FD8D6C}" type="datetime1">
               <a:rPr lang="en-US" smtClean="0"/>
-              <a:t>01-Sep-17</a:t>
+              <a:t>9/2/2017</a:t>
             </a:fld>
             <a:endParaRPr lang="en-US" dirty="0"/>
           </a:p>
@@ -2126,7 +2127,7 @@
           <a:p>
             <a:fld id="{B0C4986D-6BE9-4264-908F-02DB36FD8D6C}" type="datetime1">
               <a:rPr lang="en-US" smtClean="0"/>
-              <a:t>01-Sep-17</a:t>
+              <a:t>9/2/2017</a:t>
             </a:fld>
             <a:endParaRPr lang="en-US" dirty="0"/>
           </a:p>
@@ -2664,7 +2665,7 @@
           <a:p>
             <a:fld id="{B0C4986D-6BE9-4264-908F-02DB36FD8D6C}" type="datetime1">
               <a:rPr lang="en-US" smtClean="0"/>
-              <a:t>01-Sep-17</a:t>
+              <a:t>9/2/2017</a:t>
             </a:fld>
             <a:endParaRPr lang="en-US" dirty="0"/>
           </a:p>
@@ -2967,7 +2968,7 @@
           <a:p>
             <a:fld id="{B0C4986D-6BE9-4264-908F-02DB36FD8D6C}" type="datetime1">
               <a:rPr lang="en-US" smtClean="0"/>
-              <a:t>01-Sep-17</a:t>
+              <a:t>9/2/2017</a:t>
             </a:fld>
             <a:endParaRPr lang="en-US" dirty="0"/>
           </a:p>
@@ -3147,7 +3148,7 @@
           <a:p>
             <a:fld id="{EA051B39-B140-43FE-96DB-472A2B59CE7C}" type="datetime1">
               <a:rPr lang="en-US" smtClean="0"/>
-              <a:t>01-Sep-17</a:t>
+              <a:t>9/2/2017</a:t>
             </a:fld>
             <a:endParaRPr lang="en-US"/>
           </a:p>
@@ -3332,7 +3333,7 @@
           <a:p>
             <a:fld id="{DA600BB2-27C5-458B-ABCE-839C88CF47CE}" type="datetime1">
               <a:rPr lang="en-US" smtClean="0"/>
-              <a:t>01-Sep-17</a:t>
+              <a:t>9/2/2017</a:t>
             </a:fld>
             <a:endParaRPr lang="en-US"/>
           </a:p>
@@ -3522,7 +3523,7 @@
           <a:p>
             <a:fld id="{B11D738E-8962-435F-8C43-147B8DD7E819}" type="datetime1">
               <a:rPr lang="en-US" smtClean="0"/>
-              <a:t>01-Sep-17</a:t>
+              <a:t>9/2/2017</a:t>
             </a:fld>
             <a:endParaRPr lang="en-US"/>
           </a:p>
@@ -3783,7 +3784,7 @@
           <a:p>
             <a:fld id="{09CAEA93-55E7-4DA9-90C2-089A26EEFEC4}" type="datetime1">
               <a:rPr lang="en-US" smtClean="0"/>
-              <a:t>01-Sep-17</a:t>
+              <a:t>9/2/2017</a:t>
             </a:fld>
             <a:endParaRPr lang="en-US"/>
           </a:p>
@@ -4090,7 +4091,7 @@
           <a:p>
             <a:fld id="{E34CF3C7-6809-4F39-BD67-A75817BDDE0A}" type="datetime1">
               <a:rPr lang="en-US" smtClean="0"/>
-              <a:t>01-Sep-17</a:t>
+              <a:t>9/2/2017</a:t>
             </a:fld>
             <a:endParaRPr lang="en-US"/>
           </a:p>
@@ -4537,7 +4538,7 @@
           <a:p>
             <a:fld id="{F7EAEB24-CE78-465C-A726-91D0868FA48F}" type="datetime1">
               <a:rPr lang="en-US" smtClean="0"/>
-              <a:t>01-Sep-17</a:t>
+              <a:t>9/2/2017</a:t>
             </a:fld>
             <a:endParaRPr lang="en-US"/>
           </a:p>
@@ -4660,7 +4661,7 @@
           <a:p>
             <a:fld id="{B0C4986D-6BE9-4264-908F-02DB36FD8D6C}" type="datetime1">
               <a:rPr lang="en-US" smtClean="0"/>
-              <a:t>01-Sep-17</a:t>
+              <a:t>9/2/2017</a:t>
             </a:fld>
             <a:endParaRPr lang="en-US" dirty="0"/>
           </a:p>
@@ -4761,7 +4762,7 @@
           <a:p>
             <a:fld id="{A8AF628A-A867-4937-BBE5-207DB6F9C51A}" type="datetime1">
               <a:rPr lang="en-US" smtClean="0"/>
-              <a:t>01-Sep-17</a:t>
+              <a:t>9/2/2017</a:t>
             </a:fld>
             <a:endParaRPr lang="en-US"/>
           </a:p>
@@ -5049,7 +5050,7 @@
           <a:p>
             <a:fld id="{118BBB94-68E6-4675-A946-F1C5994EDBD7}" type="datetime1">
               <a:rPr lang="en-US" smtClean="0"/>
-              <a:t>01-Sep-17</a:t>
+              <a:t>9/2/2017</a:t>
             </a:fld>
             <a:endParaRPr lang="en-US"/>
           </a:p>
@@ -5345,7 +5346,7 @@
           <a:p>
             <a:fld id="{DC3B8377-21E3-4835-B75D-4E2847E2750F}" type="datetime1">
               <a:rPr lang="en-US" smtClean="0"/>
-              <a:t>01-Sep-17</a:t>
+              <a:t>9/2/2017</a:t>
             </a:fld>
             <a:endParaRPr lang="en-US"/>
           </a:p>
@@ -5874,7 +5875,7 @@
           <a:p>
             <a:fld id="{B0C4986D-6BE9-4264-908F-02DB36FD8D6C}" type="datetime1">
               <a:rPr lang="en-US" smtClean="0"/>
-              <a:t>01-Sep-17</a:t>
+              <a:t>9/2/2017</a:t>
             </a:fld>
             <a:endParaRPr lang="en-US" dirty="0"/>
           </a:p>
@@ -6780,10 +6781,6 @@
               </a:rPr>
               <a:t>Raúl Benítez</a:t>
             </a:r>
-            <a:endParaRPr lang="es-ES" sz="2400" dirty="0" smtClean="0">
-              <a:latin typeface="Times New Roman" pitchFamily="18" charset="0"/>
-              <a:cs typeface="Times New Roman" pitchFamily="18" charset="0"/>
-            </a:endParaRPr>
           </a:p>
           <a:p>
             <a:pPr marL="0" indent="0" algn="ctr">
@@ -6808,10 +6805,6 @@
               </a:rPr>
               <a:t> </a:t>
             </a:r>
-            <a:endParaRPr lang="es-ES" sz="1800" dirty="0" smtClean="0">
-              <a:latin typeface="Times New Roman" pitchFamily="18" charset="0"/>
-              <a:cs typeface="Times New Roman" pitchFamily="18" charset="0"/>
-            </a:endParaRPr>
           </a:p>
         </p:txBody>
       </p:sp>
@@ -6917,11 +6910,7 @@
             <a:pPr algn="ctr"/>
             <a:r>
               <a:rPr lang="es-ES" b="1" dirty="0" smtClean="0"/>
-              <a:t>UTN-FRC</a:t>
-            </a:r>
-            <a:r>
-              <a:rPr lang="es-ES" b="1" dirty="0" smtClean="0"/>
-              <a:t> </a:t>
+              <a:t>UTN-FRC </a:t>
             </a:r>
             <a:r>
               <a:rPr lang="es-ES" b="1" dirty="0"/>
@@ -7170,6 +7159,548 @@
         </p:nvSpPr>
         <p:spPr>
           <a:xfrm>
+            <a:off x="683568" y="1316106"/>
+            <a:ext cx="8227827" cy="5157192"/>
+          </a:xfrm>
+          <a:prstGeom prst="rect">
+            <a:avLst/>
+          </a:prstGeom>
+        </p:spPr>
+        <p:txBody>
+          <a:bodyPr vert="horz" lIns="91440" tIns="45720" rIns="91440" bIns="45720" rtlCol="0" anchor="t">
+            <a:normAutofit/>
+          </a:bodyPr>
+          <a:lstStyle>
+            <a:lvl1pPr marL="0" indent="0" algn="r" defTabSz="457200" rtl="0" eaLnBrk="1" latinLnBrk="0" hangingPunct="1">
+              <a:spcBef>
+                <a:spcPct val="20000"/>
+              </a:spcBef>
+              <a:spcAft>
+                <a:spcPts val="600"/>
+              </a:spcAft>
+              <a:buClr>
+                <a:schemeClr val="accent1">
+                  <a:lumMod val="75000"/>
+                </a:schemeClr>
+              </a:buClr>
+              <a:buSzPct val="145000"/>
+              <a:buFont typeface="Arial"/>
+              <a:buNone/>
+              <a:defRPr sz="1800" kern="1200" cap="none">
+                <a:solidFill>
+                  <a:schemeClr val="tx1"/>
+                </a:solidFill>
+                <a:effectLst/>
+                <a:latin typeface="+mn-lt"/>
+                <a:ea typeface="+mn-ea"/>
+                <a:cs typeface="+mn-cs"/>
+              </a:defRPr>
+            </a:lvl1pPr>
+            <a:lvl2pPr marL="457200" indent="0" algn="ctr" defTabSz="457200" rtl="0" eaLnBrk="1" latinLnBrk="0" hangingPunct="1">
+              <a:spcBef>
+                <a:spcPct val="20000"/>
+              </a:spcBef>
+              <a:spcAft>
+                <a:spcPts val="600"/>
+              </a:spcAft>
+              <a:buClr>
+                <a:schemeClr val="accent1">
+                  <a:lumMod val="75000"/>
+                </a:schemeClr>
+              </a:buClr>
+              <a:buSzPct val="145000"/>
+              <a:buFont typeface="Arial"/>
+              <a:buNone/>
+              <a:defRPr sz="2000" kern="1200" cap="none">
+                <a:solidFill>
+                  <a:schemeClr val="tx1">
+                    <a:tint val="75000"/>
+                  </a:schemeClr>
+                </a:solidFill>
+                <a:effectLst/>
+                <a:latin typeface="+mn-lt"/>
+                <a:ea typeface="+mn-ea"/>
+                <a:cs typeface="+mn-cs"/>
+              </a:defRPr>
+            </a:lvl2pPr>
+            <a:lvl3pPr marL="914400" indent="0" algn="ctr" defTabSz="457200" rtl="0" eaLnBrk="1" latinLnBrk="0" hangingPunct="1">
+              <a:spcBef>
+                <a:spcPct val="20000"/>
+              </a:spcBef>
+              <a:spcAft>
+                <a:spcPts val="600"/>
+              </a:spcAft>
+              <a:buClr>
+                <a:schemeClr val="accent1">
+                  <a:lumMod val="75000"/>
+                </a:schemeClr>
+              </a:buClr>
+              <a:buSzPct val="145000"/>
+              <a:buFont typeface="Arial"/>
+              <a:buNone/>
+              <a:defRPr sz="1800" kern="1200" cap="none">
+                <a:solidFill>
+                  <a:schemeClr val="tx1">
+                    <a:tint val="75000"/>
+                  </a:schemeClr>
+                </a:solidFill>
+                <a:effectLst/>
+                <a:latin typeface="+mn-lt"/>
+                <a:ea typeface="+mn-ea"/>
+                <a:cs typeface="+mn-cs"/>
+              </a:defRPr>
+            </a:lvl3pPr>
+            <a:lvl4pPr marL="1371600" indent="0" algn="ctr" defTabSz="457200" rtl="0" eaLnBrk="1" latinLnBrk="0" hangingPunct="1">
+              <a:spcBef>
+                <a:spcPct val="20000"/>
+              </a:spcBef>
+              <a:spcAft>
+                <a:spcPts val="600"/>
+              </a:spcAft>
+              <a:buClr>
+                <a:schemeClr val="accent1">
+                  <a:lumMod val="75000"/>
+                </a:schemeClr>
+              </a:buClr>
+              <a:buSzPct val="145000"/>
+              <a:buFont typeface="Arial"/>
+              <a:buNone/>
+              <a:defRPr sz="1600" kern="1200" cap="none">
+                <a:solidFill>
+                  <a:schemeClr val="tx1">
+                    <a:tint val="75000"/>
+                  </a:schemeClr>
+                </a:solidFill>
+                <a:effectLst/>
+                <a:latin typeface="+mn-lt"/>
+                <a:ea typeface="+mn-ea"/>
+                <a:cs typeface="+mn-cs"/>
+              </a:defRPr>
+            </a:lvl4pPr>
+            <a:lvl5pPr marL="1828800" indent="0" algn="ctr" defTabSz="457200" rtl="0" eaLnBrk="1" latinLnBrk="0" hangingPunct="1">
+              <a:spcBef>
+                <a:spcPct val="20000"/>
+              </a:spcBef>
+              <a:spcAft>
+                <a:spcPts val="600"/>
+              </a:spcAft>
+              <a:buClr>
+                <a:schemeClr val="accent1">
+                  <a:lumMod val="75000"/>
+                </a:schemeClr>
+              </a:buClr>
+              <a:buSzPct val="145000"/>
+              <a:buFont typeface="Arial"/>
+              <a:buNone/>
+              <a:defRPr sz="1400" kern="1200" cap="none">
+                <a:solidFill>
+                  <a:schemeClr val="tx1">
+                    <a:tint val="75000"/>
+                  </a:schemeClr>
+                </a:solidFill>
+                <a:effectLst/>
+                <a:latin typeface="+mn-lt"/>
+                <a:ea typeface="+mn-ea"/>
+                <a:cs typeface="+mn-cs"/>
+              </a:defRPr>
+            </a:lvl5pPr>
+            <a:lvl6pPr marL="2286000" indent="0" algn="ctr" defTabSz="457200" rtl="0" eaLnBrk="1" latinLnBrk="0" hangingPunct="1">
+              <a:spcBef>
+                <a:spcPct val="20000"/>
+              </a:spcBef>
+              <a:spcAft>
+                <a:spcPts val="600"/>
+              </a:spcAft>
+              <a:buClr>
+                <a:schemeClr val="accent1">
+                  <a:lumMod val="75000"/>
+                </a:schemeClr>
+              </a:buClr>
+              <a:buSzPct val="145000"/>
+              <a:buFont typeface="Arial"/>
+              <a:buNone/>
+              <a:defRPr sz="1400" kern="1200" cap="none">
+                <a:solidFill>
+                  <a:schemeClr val="tx1">
+                    <a:tint val="75000"/>
+                  </a:schemeClr>
+                </a:solidFill>
+                <a:effectLst/>
+                <a:latin typeface="+mn-lt"/>
+                <a:ea typeface="+mn-ea"/>
+                <a:cs typeface="+mn-cs"/>
+              </a:defRPr>
+            </a:lvl6pPr>
+            <a:lvl7pPr marL="2743200" indent="0" algn="ctr" defTabSz="457200" rtl="0" eaLnBrk="1" latinLnBrk="0" hangingPunct="1">
+              <a:spcBef>
+                <a:spcPct val="20000"/>
+              </a:spcBef>
+              <a:spcAft>
+                <a:spcPts val="600"/>
+              </a:spcAft>
+              <a:buClr>
+                <a:schemeClr val="accent1">
+                  <a:lumMod val="75000"/>
+                </a:schemeClr>
+              </a:buClr>
+              <a:buSzPct val="145000"/>
+              <a:buFont typeface="Arial"/>
+              <a:buNone/>
+              <a:defRPr sz="1400" kern="1200" cap="none">
+                <a:solidFill>
+                  <a:schemeClr val="tx1">
+                    <a:tint val="75000"/>
+                  </a:schemeClr>
+                </a:solidFill>
+                <a:effectLst/>
+                <a:latin typeface="+mn-lt"/>
+                <a:ea typeface="+mn-ea"/>
+                <a:cs typeface="+mn-cs"/>
+              </a:defRPr>
+            </a:lvl7pPr>
+            <a:lvl8pPr marL="3200400" indent="0" algn="ctr" defTabSz="457200" rtl="0" eaLnBrk="1" latinLnBrk="0" hangingPunct="1">
+              <a:spcBef>
+                <a:spcPct val="20000"/>
+              </a:spcBef>
+              <a:spcAft>
+                <a:spcPts val="600"/>
+              </a:spcAft>
+              <a:buClr>
+                <a:schemeClr val="accent1">
+                  <a:lumMod val="75000"/>
+                </a:schemeClr>
+              </a:buClr>
+              <a:buSzPct val="145000"/>
+              <a:buFont typeface="Arial"/>
+              <a:buNone/>
+              <a:defRPr sz="1400" kern="1200" cap="none">
+                <a:solidFill>
+                  <a:schemeClr val="tx1">
+                    <a:tint val="75000"/>
+                  </a:schemeClr>
+                </a:solidFill>
+                <a:effectLst/>
+                <a:latin typeface="+mn-lt"/>
+                <a:ea typeface="+mn-ea"/>
+                <a:cs typeface="+mn-cs"/>
+              </a:defRPr>
+            </a:lvl8pPr>
+            <a:lvl9pPr marL="3657600" indent="0" algn="ctr" defTabSz="457200" rtl="0" eaLnBrk="1" latinLnBrk="0" hangingPunct="1">
+              <a:spcBef>
+                <a:spcPct val="20000"/>
+              </a:spcBef>
+              <a:spcAft>
+                <a:spcPts val="600"/>
+              </a:spcAft>
+              <a:buClr>
+                <a:schemeClr val="accent1">
+                  <a:lumMod val="75000"/>
+                </a:schemeClr>
+              </a:buClr>
+              <a:buSzPct val="145000"/>
+              <a:buFont typeface="Arial"/>
+              <a:buNone/>
+              <a:defRPr sz="1400" kern="1200" cap="none">
+                <a:solidFill>
+                  <a:schemeClr val="tx1">
+                    <a:tint val="75000"/>
+                  </a:schemeClr>
+                </a:solidFill>
+                <a:effectLst/>
+                <a:latin typeface="+mn-lt"/>
+                <a:ea typeface="+mn-ea"/>
+                <a:cs typeface="+mn-cs"/>
+              </a:defRPr>
+            </a:lvl9pPr>
+          </a:lstStyle>
+          <a:p>
+            <a:pPr lvl="1" algn="just"/>
+            <a:endParaRPr lang="en-US" sz="2100" b="1" dirty="0" smtClean="0">
+              <a:solidFill>
+                <a:schemeClr val="tx1"/>
+              </a:solidFill>
+            </a:endParaRPr>
+          </a:p>
+          <a:p>
+            <a:pPr algn="just"/>
+            <a:r>
+              <a:rPr lang="es-ES" sz="2600" b="1" u="sng" dirty="0"/>
+              <a:t>Instancias, conjuntos de entrenamiento y </a:t>
+            </a:r>
+            <a:r>
+              <a:rPr lang="es-ES" sz="2600" b="1" u="sng" dirty="0" smtClean="0"/>
+              <a:t>teste</a:t>
+            </a:r>
+            <a:endParaRPr lang="en-US" sz="2600" b="1" u="sng" dirty="0" smtClean="0"/>
+          </a:p>
+          <a:p>
+            <a:pPr algn="just"/>
+            <a:endParaRPr lang="es-PY" sz="2100" b="1" dirty="0"/>
+          </a:p>
+          <a:p>
+            <a:pPr algn="just"/>
+            <a:r>
+              <a:rPr lang="es-ES" sz="1900" dirty="0"/>
+              <a:t>La entrada de un esquema de aprendizaje automático es un conjunto de instancias o ejemplos </a:t>
+            </a:r>
+            <a:r>
+              <a:rPr lang="es-ES" sz="1900" b="1" dirty="0"/>
+              <a:t>(</a:t>
+            </a:r>
+            <a:r>
+              <a:rPr lang="es-ES" sz="1900" b="1" dirty="0" err="1"/>
+              <a:t>examples</a:t>
+            </a:r>
+            <a:r>
+              <a:rPr lang="es-ES" sz="1900" b="1" dirty="0"/>
+              <a:t>)</a:t>
+            </a:r>
+            <a:r>
+              <a:rPr lang="es-ES" sz="1900" dirty="0"/>
+              <a:t>. Estas instancias son las cosas que deben ser clasificadas, asociadas o agrupadas. Las instancias son caracterizadas mediante los valores de un conjunto predeterminado de atributos </a:t>
+            </a:r>
+            <a:r>
+              <a:rPr lang="es-ES" sz="1900" b="1" dirty="0"/>
+              <a:t>(</a:t>
+            </a:r>
+            <a:r>
+              <a:rPr lang="es-ES" sz="1900" b="1" dirty="0" err="1"/>
+              <a:t>features</a:t>
+            </a:r>
+            <a:r>
+              <a:rPr lang="es-ES" sz="1900" b="1" dirty="0"/>
+              <a:t>)</a:t>
+            </a:r>
+            <a:r>
+              <a:rPr lang="es-ES" sz="1900" dirty="0"/>
+              <a:t>. Para el problema de estudio el proceso de Business </a:t>
+            </a:r>
+            <a:r>
+              <a:rPr lang="es-ES" sz="1900" dirty="0" err="1"/>
+              <a:t>Intelligence</a:t>
+            </a:r>
+            <a:r>
+              <a:rPr lang="es-ES" sz="1900" dirty="0"/>
+              <a:t> es quien provee las instancias. El grupo de ejemplos o instancias utilizados en el proceso de entrenamiento de los algoritmos de aprendizaje automático constituyen el conjunto de entrenamiento </a:t>
+            </a:r>
+            <a:r>
+              <a:rPr lang="es-ES" sz="1900" b="1" dirty="0"/>
+              <a:t>(training set)</a:t>
+            </a:r>
+            <a:r>
+              <a:rPr lang="es-ES" sz="1900" dirty="0"/>
+              <a:t>. Para predecir el rendimiento de un clasificador sobre nuevos datos, necesitamos evaluar su tasa de error en un conjunto de datos que no desempeñó ningún papel en la formación del clasificador, este conjunto de datos independiente se denomina conjunto de prueba </a:t>
+            </a:r>
+            <a:r>
+              <a:rPr lang="es-ES" sz="1900" b="1" dirty="0"/>
+              <a:t>(test set)</a:t>
+            </a:r>
+            <a:r>
+              <a:rPr lang="es-ES" sz="1900" dirty="0"/>
+              <a:t>.</a:t>
+            </a:r>
+            <a:endParaRPr lang="en-US" sz="1900" dirty="0"/>
+          </a:p>
+          <a:p>
+            <a:pPr lvl="1" algn="just"/>
+            <a:endParaRPr lang="es-PY" sz="1800" b="1" dirty="0">
+              <a:solidFill>
+                <a:schemeClr val="tx1"/>
+              </a:solidFill>
+            </a:endParaRPr>
+          </a:p>
+        </p:txBody>
+      </p:sp>
+    </p:spTree>
+    <p:extLst>
+      <p:ext uri="{BB962C8B-B14F-4D97-AF65-F5344CB8AC3E}">
+        <p14:creationId xmlns:p14="http://schemas.microsoft.com/office/powerpoint/2010/main" val="3749977329"/>
+      </p:ext>
+    </p:extLst>
+  </p:cSld>
+  <p:clrMapOvr>
+    <a:masterClrMapping/>
+  </p:clrMapOvr>
+  <p:timing>
+    <p:tnLst>
+      <p:par>
+        <p:cTn id="1" dur="indefinite" restart="never" nodeType="tmRoot"/>
+      </p:par>
+    </p:tnLst>
+  </p:timing>
+</p:sld>
+</file>
+
+<file path=ppt/slides/slide11.xml><?xml version="1.0" encoding="utf-8"?>
+<p:sld xmlns:a="http://schemas.openxmlformats.org/drawingml/2006/main" xmlns:r="http://schemas.openxmlformats.org/officeDocument/2006/relationships" xmlns:p="http://schemas.openxmlformats.org/presentationml/2006/main">
+  <p:cSld>
+    <p:spTree>
+      <p:nvGrpSpPr>
+        <p:cNvPr id="1" name=""/>
+        <p:cNvGrpSpPr/>
+        <p:nvPr/>
+      </p:nvGrpSpPr>
+      <p:grpSpPr>
+        <a:xfrm>
+          <a:off x="0" y="0"/>
+          <a:ext cx="0" cy="0"/>
+          <a:chOff x="0" y="0"/>
+          <a:chExt cx="0" cy="0"/>
+        </a:xfrm>
+      </p:grpSpPr>
+      <p:sp>
+        <p:nvSpPr>
+          <p:cNvPr id="6" name="5 Marcador de número de diapositiva"/>
+          <p:cNvSpPr>
+            <a:spLocks noGrp="1"/>
+          </p:cNvSpPr>
+          <p:nvPr>
+            <p:ph type="sldNum" sz="quarter" idx="12"/>
+          </p:nvPr>
+        </p:nvSpPr>
+        <p:spPr/>
+        <p:txBody>
+          <a:bodyPr/>
+          <a:lstStyle/>
+          <a:p>
+            <a:fld id="{BA9B540C-44DA-4F69-89C9-7C84606640D3}" type="slidenum">
+              <a:rPr lang="en-US" smtClean="0"/>
+              <a:pPr/>
+              <a:t>11</a:t>
+            </a:fld>
+            <a:endParaRPr lang="en-US"/>
+          </a:p>
+        </p:txBody>
+      </p:sp>
+      <p:sp>
+        <p:nvSpPr>
+          <p:cNvPr id="8" name="1 Título"/>
+          <p:cNvSpPr txBox="1">
+            <a:spLocks/>
+          </p:cNvSpPr>
+          <p:nvPr/>
+        </p:nvSpPr>
+        <p:spPr>
+          <a:xfrm>
+            <a:off x="1041835" y="404664"/>
+            <a:ext cx="7797552" cy="1066800"/>
+          </a:xfrm>
+          <a:prstGeom prst="rect">
+            <a:avLst/>
+          </a:prstGeom>
+          <a:effectLst/>
+        </p:spPr>
+        <p:txBody>
+          <a:bodyPr vert="horz" lIns="91440" tIns="45720" rIns="91440" bIns="45720" rtlCol="0" anchor="b">
+            <a:normAutofit/>
+          </a:bodyPr>
+          <a:lstStyle>
+            <a:lvl1pPr algn="r" defTabSz="457200" rtl="0" eaLnBrk="1" latinLnBrk="0" hangingPunct="1">
+              <a:spcBef>
+                <a:spcPct val="0"/>
+              </a:spcBef>
+              <a:buNone/>
+              <a:defRPr sz="5400" kern="1200" cap="none">
+                <a:ln w="3175" cmpd="sng">
+                  <a:noFill/>
+                </a:ln>
+                <a:solidFill>
+                  <a:schemeClr val="tx1"/>
+                </a:solidFill>
+                <a:effectLst/>
+                <a:latin typeface="+mj-lt"/>
+                <a:ea typeface="+mj-ea"/>
+                <a:cs typeface="+mj-cs"/>
+              </a:defRPr>
+            </a:lvl1pPr>
+            <a:lvl2pPr eaLnBrk="1" hangingPunct="1">
+              <a:defRPr>
+                <a:solidFill>
+                  <a:schemeClr val="tx2"/>
+                </a:solidFill>
+              </a:defRPr>
+            </a:lvl2pPr>
+            <a:lvl3pPr eaLnBrk="1" hangingPunct="1">
+              <a:defRPr>
+                <a:solidFill>
+                  <a:schemeClr val="tx2"/>
+                </a:solidFill>
+              </a:defRPr>
+            </a:lvl3pPr>
+            <a:lvl4pPr eaLnBrk="1" hangingPunct="1">
+              <a:defRPr>
+                <a:solidFill>
+                  <a:schemeClr val="tx2"/>
+                </a:solidFill>
+              </a:defRPr>
+            </a:lvl4pPr>
+            <a:lvl5pPr eaLnBrk="1" hangingPunct="1">
+              <a:defRPr>
+                <a:solidFill>
+                  <a:schemeClr val="tx2"/>
+                </a:solidFill>
+              </a:defRPr>
+            </a:lvl5pPr>
+            <a:lvl6pPr eaLnBrk="1" hangingPunct="1">
+              <a:defRPr>
+                <a:solidFill>
+                  <a:schemeClr val="tx2"/>
+                </a:solidFill>
+              </a:defRPr>
+            </a:lvl6pPr>
+            <a:lvl7pPr eaLnBrk="1" hangingPunct="1">
+              <a:defRPr>
+                <a:solidFill>
+                  <a:schemeClr val="tx2"/>
+                </a:solidFill>
+              </a:defRPr>
+            </a:lvl7pPr>
+            <a:lvl8pPr eaLnBrk="1" hangingPunct="1">
+              <a:defRPr>
+                <a:solidFill>
+                  <a:schemeClr val="tx2"/>
+                </a:solidFill>
+              </a:defRPr>
+            </a:lvl8pPr>
+            <a:lvl9pPr eaLnBrk="1" hangingPunct="1">
+              <a:defRPr>
+                <a:solidFill>
+                  <a:schemeClr val="tx2"/>
+                </a:solidFill>
+              </a:defRPr>
+            </a:lvl9pPr>
+          </a:lstStyle>
+          <a:p>
+            <a:r>
+              <a:rPr lang="es-ES" b="1" dirty="0" smtClean="0"/>
+              <a:t>Machine </a:t>
+            </a:r>
+            <a:r>
+              <a:rPr lang="es-ES" b="1" dirty="0" err="1" smtClean="0"/>
+              <a:t>Learning</a:t>
+            </a:r>
+            <a:r>
+              <a:rPr lang="es-ES" b="1" dirty="0" smtClean="0"/>
+              <a:t> </a:t>
+            </a:r>
+            <a:r>
+              <a:rPr lang="es-PY" dirty="0" smtClean="0"/>
+              <a:t> </a:t>
+            </a:r>
+            <a:endParaRPr lang="es-PY" dirty="0"/>
+          </a:p>
+        </p:txBody>
+      </p:sp>
+      <p:sp>
+        <p:nvSpPr>
+          <p:cNvPr id="9" name="2 Marcador de contenido"/>
+          <p:cNvSpPr txBox="1">
+            <a:spLocks/>
+          </p:cNvSpPr>
+          <p:nvPr/>
+        </p:nvSpPr>
+        <p:spPr>
+          <a:xfrm>
             <a:off x="877019" y="1495500"/>
             <a:ext cx="7560840" cy="4066312"/>
           </a:xfrm>
@@ -7605,7 +8136,7 @@
 </p:sld>
 </file>
 
-<file path=ppt/slides/slide11.xml><?xml version="1.0" encoding="utf-8"?>
+<file path=ppt/slides/slide12.xml><?xml version="1.0" encoding="utf-8"?>
 <p:sld xmlns:a="http://schemas.openxmlformats.org/drawingml/2006/main" xmlns:r="http://schemas.openxmlformats.org/officeDocument/2006/relationships" xmlns:p="http://schemas.openxmlformats.org/presentationml/2006/main">
   <p:cSld>
     <p:spTree>
@@ -7640,7 +8171,7 @@
             <a:fld id="{BA9B540C-44DA-4F69-89C9-7C84606640D3}" type="slidenum">
               <a:rPr lang="en-US" smtClean="0"/>
               <a:pPr/>
-              <a:t>11</a:t>
+              <a:t>12</a:t>
             </a:fld>
             <a:endParaRPr lang="en-US"/>
           </a:p>
@@ -7807,7 +8338,7 @@
 </p:sld>
 </file>
 
-<file path=ppt/slides/slide12.xml><?xml version="1.0" encoding="utf-8"?>
+<file path=ppt/slides/slide13.xml><?xml version="1.0" encoding="utf-8"?>
 <p:sld xmlns:a="http://schemas.openxmlformats.org/drawingml/2006/main" xmlns:r="http://schemas.openxmlformats.org/officeDocument/2006/relationships" xmlns:p="http://schemas.openxmlformats.org/presentationml/2006/main">
   <p:cSld>
     <p:spTree>
@@ -7842,7 +8373,7 @@
             <a:fld id="{BA9B540C-44DA-4F69-89C9-7C84606640D3}" type="slidenum">
               <a:rPr lang="en-US" smtClean="0"/>
               <a:pPr/>
-              <a:t>12</a:t>
+              <a:t>13</a:t>
             </a:fld>
             <a:endParaRPr lang="en-US"/>
           </a:p>
@@ -8474,7 +9005,7 @@
 </p:sld>
 </file>
 
-<file path=ppt/slides/slide13.xml><?xml version="1.0" encoding="utf-8"?>
+<file path=ppt/slides/slide14.xml><?xml version="1.0" encoding="utf-8"?>
 <p:sld xmlns:a="http://schemas.openxmlformats.org/drawingml/2006/main" xmlns:r="http://schemas.openxmlformats.org/officeDocument/2006/relationships" xmlns:p="http://schemas.openxmlformats.org/presentationml/2006/main">
   <p:cSld>
     <p:spTree>
@@ -8509,7 +9040,7 @@
             <a:fld id="{BA9B540C-44DA-4F69-89C9-7C84606640D3}" type="slidenum">
               <a:rPr lang="en-US" smtClean="0"/>
               <a:pPr/>
-              <a:t>13</a:t>
+              <a:t>14</a:t>
             </a:fld>
             <a:endParaRPr lang="en-US"/>
           </a:p>
@@ -8985,7 +9516,7 @@
 </p:sld>
 </file>
 
-<file path=ppt/slides/slide14.xml><?xml version="1.0" encoding="utf-8"?>
+<file path=ppt/slides/slide15.xml><?xml version="1.0" encoding="utf-8"?>
 <p:sld xmlns:a="http://schemas.openxmlformats.org/drawingml/2006/main" xmlns:r="http://schemas.openxmlformats.org/officeDocument/2006/relationships" xmlns:p="http://schemas.openxmlformats.org/presentationml/2006/main">
   <p:cSld>
     <p:spTree>
@@ -9020,7 +9551,7 @@
             <a:fld id="{BA9B540C-44DA-4F69-89C9-7C84606640D3}" type="slidenum">
               <a:rPr lang="en-US" smtClean="0"/>
               <a:pPr/>
-              <a:t>14</a:t>
+              <a:t>15</a:t>
             </a:fld>
             <a:endParaRPr lang="en-US"/>
           </a:p>
@@ -9500,7 +10031,7 @@
 </p:sld>
 </file>
 
-<file path=ppt/slides/slide15.xml><?xml version="1.0" encoding="utf-8"?>
+<file path=ppt/slides/slide16.xml><?xml version="1.0" encoding="utf-8"?>
 <p:sld xmlns:a="http://schemas.openxmlformats.org/drawingml/2006/main" xmlns:r="http://schemas.openxmlformats.org/officeDocument/2006/relationships" xmlns:p="http://schemas.openxmlformats.org/presentationml/2006/main">
   <p:cSld>
     <p:spTree>
@@ -9535,7 +10066,7 @@
             <a:fld id="{BA9B540C-44DA-4F69-89C9-7C84606640D3}" type="slidenum">
               <a:rPr lang="en-US" smtClean="0"/>
               <a:pPr/>
-              <a:t>15</a:t>
+              <a:t>16</a:t>
             </a:fld>
             <a:endParaRPr lang="en-US"/>
           </a:p>
@@ -10010,7 +10541,7 @@
 </p:sld>
 </file>
 
-<file path=ppt/slides/slide16.xml><?xml version="1.0" encoding="utf-8"?>
+<file path=ppt/slides/slide17.xml><?xml version="1.0" encoding="utf-8"?>
 <p:sld xmlns:a="http://schemas.openxmlformats.org/drawingml/2006/main" xmlns:r="http://schemas.openxmlformats.org/officeDocument/2006/relationships" xmlns:p="http://schemas.openxmlformats.org/presentationml/2006/main">
   <p:cSld>
     <p:spTree>
@@ -10045,7 +10576,7 @@
             <a:fld id="{BA9B540C-44DA-4F69-89C9-7C84606640D3}" type="slidenum">
               <a:rPr lang="en-US" smtClean="0"/>
               <a:pPr/>
-              <a:t>16</a:t>
+              <a:t>17</a:t>
             </a:fld>
             <a:endParaRPr lang="en-US"/>
           </a:p>
@@ -10521,563 +11052,6 @@
 </p:sld>
 </file>
 
-<file path=ppt/slides/slide17.xml><?xml version="1.0" encoding="utf-8"?>
-<p:sld xmlns:a="http://schemas.openxmlformats.org/drawingml/2006/main" xmlns:r="http://schemas.openxmlformats.org/officeDocument/2006/relationships" xmlns:p="http://schemas.openxmlformats.org/presentationml/2006/main">
-  <p:cSld>
-    <p:spTree>
-      <p:nvGrpSpPr>
-        <p:cNvPr id="1" name=""/>
-        <p:cNvGrpSpPr/>
-        <p:nvPr/>
-      </p:nvGrpSpPr>
-      <p:grpSpPr>
-        <a:xfrm>
-          <a:off x="0" y="0"/>
-          <a:ext cx="0" cy="0"/>
-          <a:chOff x="0" y="0"/>
-          <a:chExt cx="0" cy="0"/>
-        </a:xfrm>
-      </p:grpSpPr>
-      <p:sp>
-        <p:nvSpPr>
-          <p:cNvPr id="6" name="5 Marcador de número de diapositiva"/>
-          <p:cNvSpPr>
-            <a:spLocks noGrp="1"/>
-          </p:cNvSpPr>
-          <p:nvPr>
-            <p:ph type="sldNum" sz="quarter" idx="12"/>
-          </p:nvPr>
-        </p:nvSpPr>
-        <p:spPr/>
-        <p:txBody>
-          <a:bodyPr/>
-          <a:lstStyle/>
-          <a:p>
-            <a:fld id="{BA9B540C-44DA-4F69-89C9-7C84606640D3}" type="slidenum">
-              <a:rPr lang="en-US" smtClean="0"/>
-              <a:pPr/>
-              <a:t>17</a:t>
-            </a:fld>
-            <a:endParaRPr lang="en-US"/>
-          </a:p>
-        </p:txBody>
-      </p:sp>
-      <p:sp>
-        <p:nvSpPr>
-          <p:cNvPr id="8" name="1 Título"/>
-          <p:cNvSpPr txBox="1">
-            <a:spLocks/>
-          </p:cNvSpPr>
-          <p:nvPr/>
-        </p:nvSpPr>
-        <p:spPr>
-          <a:xfrm>
-            <a:off x="1064035" y="183566"/>
-            <a:ext cx="7797552" cy="1066800"/>
-          </a:xfrm>
-          <a:prstGeom prst="rect">
-            <a:avLst/>
-          </a:prstGeom>
-          <a:effectLst/>
-        </p:spPr>
-        <p:txBody>
-          <a:bodyPr vert="horz" lIns="91440" tIns="45720" rIns="91440" bIns="45720" rtlCol="0" anchor="b">
-            <a:normAutofit/>
-          </a:bodyPr>
-          <a:lstStyle>
-            <a:lvl1pPr algn="r" defTabSz="457200" rtl="0" eaLnBrk="1" latinLnBrk="0" hangingPunct="1">
-              <a:spcBef>
-                <a:spcPct val="0"/>
-              </a:spcBef>
-              <a:buNone/>
-              <a:defRPr sz="5400" kern="1200" cap="none">
-                <a:ln w="3175" cmpd="sng">
-                  <a:noFill/>
-                </a:ln>
-                <a:solidFill>
-                  <a:schemeClr val="tx1"/>
-                </a:solidFill>
-                <a:effectLst/>
-                <a:latin typeface="+mj-lt"/>
-                <a:ea typeface="+mj-ea"/>
-                <a:cs typeface="+mj-cs"/>
-              </a:defRPr>
-            </a:lvl1pPr>
-            <a:lvl2pPr eaLnBrk="1" hangingPunct="1">
-              <a:defRPr>
-                <a:solidFill>
-                  <a:schemeClr val="tx2"/>
-                </a:solidFill>
-              </a:defRPr>
-            </a:lvl2pPr>
-            <a:lvl3pPr eaLnBrk="1" hangingPunct="1">
-              <a:defRPr>
-                <a:solidFill>
-                  <a:schemeClr val="tx2"/>
-                </a:solidFill>
-              </a:defRPr>
-            </a:lvl3pPr>
-            <a:lvl4pPr eaLnBrk="1" hangingPunct="1">
-              <a:defRPr>
-                <a:solidFill>
-                  <a:schemeClr val="tx2"/>
-                </a:solidFill>
-              </a:defRPr>
-            </a:lvl4pPr>
-            <a:lvl5pPr eaLnBrk="1" hangingPunct="1">
-              <a:defRPr>
-                <a:solidFill>
-                  <a:schemeClr val="tx2"/>
-                </a:solidFill>
-              </a:defRPr>
-            </a:lvl5pPr>
-            <a:lvl6pPr eaLnBrk="1" hangingPunct="1">
-              <a:defRPr>
-                <a:solidFill>
-                  <a:schemeClr val="tx2"/>
-                </a:solidFill>
-              </a:defRPr>
-            </a:lvl6pPr>
-            <a:lvl7pPr eaLnBrk="1" hangingPunct="1">
-              <a:defRPr>
-                <a:solidFill>
-                  <a:schemeClr val="tx2"/>
-                </a:solidFill>
-              </a:defRPr>
-            </a:lvl7pPr>
-            <a:lvl8pPr eaLnBrk="1" hangingPunct="1">
-              <a:defRPr>
-                <a:solidFill>
-                  <a:schemeClr val="tx2"/>
-                </a:solidFill>
-              </a:defRPr>
-            </a:lvl8pPr>
-            <a:lvl9pPr eaLnBrk="1" hangingPunct="1">
-              <a:defRPr>
-                <a:solidFill>
-                  <a:schemeClr val="tx2"/>
-                </a:solidFill>
-              </a:defRPr>
-            </a:lvl9pPr>
-          </a:lstStyle>
-          <a:p>
-            <a:r>
-              <a:rPr lang="es-ES" b="1" dirty="0" smtClean="0"/>
-              <a:t>Discusión </a:t>
-            </a:r>
-            <a:r>
-              <a:rPr lang="es-PY" dirty="0" smtClean="0"/>
-              <a:t> </a:t>
-            </a:r>
-            <a:endParaRPr lang="es-PY" dirty="0"/>
-          </a:p>
-        </p:txBody>
-      </p:sp>
-      <p:sp>
-        <p:nvSpPr>
-          <p:cNvPr id="5" name="2 Marcador de contenido"/>
-          <p:cNvSpPr txBox="1">
-            <a:spLocks/>
-          </p:cNvSpPr>
-          <p:nvPr/>
-        </p:nvSpPr>
-        <p:spPr>
-          <a:xfrm>
-            <a:off x="777776" y="1250366"/>
-            <a:ext cx="8083811" cy="5362500"/>
-          </a:xfrm>
-          <a:prstGeom prst="rect">
-            <a:avLst/>
-          </a:prstGeom>
-        </p:spPr>
-        <p:txBody>
-          <a:bodyPr vert="horz" lIns="91440" tIns="45720" rIns="91440" bIns="45720" rtlCol="0" anchor="t">
-            <a:normAutofit fontScale="85000" lnSpcReduction="20000"/>
-          </a:bodyPr>
-          <a:lstStyle>
-            <a:lvl1pPr marL="0" indent="0" algn="r" defTabSz="457200" rtl="0" eaLnBrk="1" latinLnBrk="0" hangingPunct="1">
-              <a:spcBef>
-                <a:spcPct val="20000"/>
-              </a:spcBef>
-              <a:spcAft>
-                <a:spcPts val="600"/>
-              </a:spcAft>
-              <a:buClr>
-                <a:schemeClr val="accent1">
-                  <a:lumMod val="75000"/>
-                </a:schemeClr>
-              </a:buClr>
-              <a:buSzPct val="145000"/>
-              <a:buFont typeface="Arial"/>
-              <a:buNone/>
-              <a:defRPr sz="1800" kern="1200" cap="none">
-                <a:solidFill>
-                  <a:schemeClr val="tx1"/>
-                </a:solidFill>
-                <a:effectLst/>
-                <a:latin typeface="+mn-lt"/>
-                <a:ea typeface="+mn-ea"/>
-                <a:cs typeface="+mn-cs"/>
-              </a:defRPr>
-            </a:lvl1pPr>
-            <a:lvl2pPr marL="457200" indent="0" algn="ctr" defTabSz="457200" rtl="0" eaLnBrk="1" latinLnBrk="0" hangingPunct="1">
-              <a:spcBef>
-                <a:spcPct val="20000"/>
-              </a:spcBef>
-              <a:spcAft>
-                <a:spcPts val="600"/>
-              </a:spcAft>
-              <a:buClr>
-                <a:schemeClr val="accent1">
-                  <a:lumMod val="75000"/>
-                </a:schemeClr>
-              </a:buClr>
-              <a:buSzPct val="145000"/>
-              <a:buFont typeface="Arial"/>
-              <a:buNone/>
-              <a:defRPr sz="2000" kern="1200" cap="none">
-                <a:solidFill>
-                  <a:schemeClr val="tx1">
-                    <a:tint val="75000"/>
-                  </a:schemeClr>
-                </a:solidFill>
-                <a:effectLst/>
-                <a:latin typeface="+mn-lt"/>
-                <a:ea typeface="+mn-ea"/>
-                <a:cs typeface="+mn-cs"/>
-              </a:defRPr>
-            </a:lvl2pPr>
-            <a:lvl3pPr marL="914400" indent="0" algn="ctr" defTabSz="457200" rtl="0" eaLnBrk="1" latinLnBrk="0" hangingPunct="1">
-              <a:spcBef>
-                <a:spcPct val="20000"/>
-              </a:spcBef>
-              <a:spcAft>
-                <a:spcPts val="600"/>
-              </a:spcAft>
-              <a:buClr>
-                <a:schemeClr val="accent1">
-                  <a:lumMod val="75000"/>
-                </a:schemeClr>
-              </a:buClr>
-              <a:buSzPct val="145000"/>
-              <a:buFont typeface="Arial"/>
-              <a:buNone/>
-              <a:defRPr sz="1800" kern="1200" cap="none">
-                <a:solidFill>
-                  <a:schemeClr val="tx1">
-                    <a:tint val="75000"/>
-                  </a:schemeClr>
-                </a:solidFill>
-                <a:effectLst/>
-                <a:latin typeface="+mn-lt"/>
-                <a:ea typeface="+mn-ea"/>
-                <a:cs typeface="+mn-cs"/>
-              </a:defRPr>
-            </a:lvl3pPr>
-            <a:lvl4pPr marL="1371600" indent="0" algn="ctr" defTabSz="457200" rtl="0" eaLnBrk="1" latinLnBrk="0" hangingPunct="1">
-              <a:spcBef>
-                <a:spcPct val="20000"/>
-              </a:spcBef>
-              <a:spcAft>
-                <a:spcPts val="600"/>
-              </a:spcAft>
-              <a:buClr>
-                <a:schemeClr val="accent1">
-                  <a:lumMod val="75000"/>
-                </a:schemeClr>
-              </a:buClr>
-              <a:buSzPct val="145000"/>
-              <a:buFont typeface="Arial"/>
-              <a:buNone/>
-              <a:defRPr sz="1600" kern="1200" cap="none">
-                <a:solidFill>
-                  <a:schemeClr val="tx1">
-                    <a:tint val="75000"/>
-                  </a:schemeClr>
-                </a:solidFill>
-                <a:effectLst/>
-                <a:latin typeface="+mn-lt"/>
-                <a:ea typeface="+mn-ea"/>
-                <a:cs typeface="+mn-cs"/>
-              </a:defRPr>
-            </a:lvl4pPr>
-            <a:lvl5pPr marL="1828800" indent="0" algn="ctr" defTabSz="457200" rtl="0" eaLnBrk="1" latinLnBrk="0" hangingPunct="1">
-              <a:spcBef>
-                <a:spcPct val="20000"/>
-              </a:spcBef>
-              <a:spcAft>
-                <a:spcPts val="600"/>
-              </a:spcAft>
-              <a:buClr>
-                <a:schemeClr val="accent1">
-                  <a:lumMod val="75000"/>
-                </a:schemeClr>
-              </a:buClr>
-              <a:buSzPct val="145000"/>
-              <a:buFont typeface="Arial"/>
-              <a:buNone/>
-              <a:defRPr sz="1400" kern="1200" cap="none">
-                <a:solidFill>
-                  <a:schemeClr val="tx1">
-                    <a:tint val="75000"/>
-                  </a:schemeClr>
-                </a:solidFill>
-                <a:effectLst/>
-                <a:latin typeface="+mn-lt"/>
-                <a:ea typeface="+mn-ea"/>
-                <a:cs typeface="+mn-cs"/>
-              </a:defRPr>
-            </a:lvl5pPr>
-            <a:lvl6pPr marL="2286000" indent="0" algn="ctr" defTabSz="457200" rtl="0" eaLnBrk="1" latinLnBrk="0" hangingPunct="1">
-              <a:spcBef>
-                <a:spcPct val="20000"/>
-              </a:spcBef>
-              <a:spcAft>
-                <a:spcPts val="600"/>
-              </a:spcAft>
-              <a:buClr>
-                <a:schemeClr val="accent1">
-                  <a:lumMod val="75000"/>
-                </a:schemeClr>
-              </a:buClr>
-              <a:buSzPct val="145000"/>
-              <a:buFont typeface="Arial"/>
-              <a:buNone/>
-              <a:defRPr sz="1400" kern="1200" cap="none">
-                <a:solidFill>
-                  <a:schemeClr val="tx1">
-                    <a:tint val="75000"/>
-                  </a:schemeClr>
-                </a:solidFill>
-                <a:effectLst/>
-                <a:latin typeface="+mn-lt"/>
-                <a:ea typeface="+mn-ea"/>
-                <a:cs typeface="+mn-cs"/>
-              </a:defRPr>
-            </a:lvl6pPr>
-            <a:lvl7pPr marL="2743200" indent="0" algn="ctr" defTabSz="457200" rtl="0" eaLnBrk="1" latinLnBrk="0" hangingPunct="1">
-              <a:spcBef>
-                <a:spcPct val="20000"/>
-              </a:spcBef>
-              <a:spcAft>
-                <a:spcPts val="600"/>
-              </a:spcAft>
-              <a:buClr>
-                <a:schemeClr val="accent1">
-                  <a:lumMod val="75000"/>
-                </a:schemeClr>
-              </a:buClr>
-              <a:buSzPct val="145000"/>
-              <a:buFont typeface="Arial"/>
-              <a:buNone/>
-              <a:defRPr sz="1400" kern="1200" cap="none">
-                <a:solidFill>
-                  <a:schemeClr val="tx1">
-                    <a:tint val="75000"/>
-                  </a:schemeClr>
-                </a:solidFill>
-                <a:effectLst/>
-                <a:latin typeface="+mn-lt"/>
-                <a:ea typeface="+mn-ea"/>
-                <a:cs typeface="+mn-cs"/>
-              </a:defRPr>
-            </a:lvl7pPr>
-            <a:lvl8pPr marL="3200400" indent="0" algn="ctr" defTabSz="457200" rtl="0" eaLnBrk="1" latinLnBrk="0" hangingPunct="1">
-              <a:spcBef>
-                <a:spcPct val="20000"/>
-              </a:spcBef>
-              <a:spcAft>
-                <a:spcPts val="600"/>
-              </a:spcAft>
-              <a:buClr>
-                <a:schemeClr val="accent1">
-                  <a:lumMod val="75000"/>
-                </a:schemeClr>
-              </a:buClr>
-              <a:buSzPct val="145000"/>
-              <a:buFont typeface="Arial"/>
-              <a:buNone/>
-              <a:defRPr sz="1400" kern="1200" cap="none">
-                <a:solidFill>
-                  <a:schemeClr val="tx1">
-                    <a:tint val="75000"/>
-                  </a:schemeClr>
-                </a:solidFill>
-                <a:effectLst/>
-                <a:latin typeface="+mn-lt"/>
-                <a:ea typeface="+mn-ea"/>
-                <a:cs typeface="+mn-cs"/>
-              </a:defRPr>
-            </a:lvl8pPr>
-            <a:lvl9pPr marL="3657600" indent="0" algn="ctr" defTabSz="457200" rtl="0" eaLnBrk="1" latinLnBrk="0" hangingPunct="1">
-              <a:spcBef>
-                <a:spcPct val="20000"/>
-              </a:spcBef>
-              <a:spcAft>
-                <a:spcPts val="600"/>
-              </a:spcAft>
-              <a:buClr>
-                <a:schemeClr val="accent1">
-                  <a:lumMod val="75000"/>
-                </a:schemeClr>
-              </a:buClr>
-              <a:buSzPct val="145000"/>
-              <a:buFont typeface="Arial"/>
-              <a:buNone/>
-              <a:defRPr sz="1400" kern="1200" cap="none">
-                <a:solidFill>
-                  <a:schemeClr val="tx1">
-                    <a:tint val="75000"/>
-                  </a:schemeClr>
-                </a:solidFill>
-                <a:effectLst/>
-                <a:latin typeface="+mn-lt"/>
-                <a:ea typeface="+mn-ea"/>
-                <a:cs typeface="+mn-cs"/>
-              </a:defRPr>
-            </a:lvl9pPr>
-          </a:lstStyle>
-          <a:p>
-            <a:pPr marL="457200" indent="-457200" algn="just">
-              <a:buFont typeface="+mj-lt"/>
-              <a:buAutoNum type="arabicPeriod"/>
-            </a:pPr>
-            <a:r>
-              <a:rPr lang="es-ES" sz="2800" b="1" u="sng" dirty="0" smtClean="0"/>
-              <a:t>Impacto </a:t>
-            </a:r>
-            <a:r>
-              <a:rPr lang="es-ES" sz="2800" b="1" u="sng" dirty="0"/>
-              <a:t>del período de </a:t>
-            </a:r>
-            <a:r>
-              <a:rPr lang="es-ES" sz="2800" b="1" u="sng" dirty="0" smtClean="0"/>
-              <a:t>análisis</a:t>
-            </a:r>
-          </a:p>
-          <a:p>
-            <a:pPr algn="just"/>
-            <a:r>
-              <a:rPr lang="es-ES" sz="2100" dirty="0"/>
-              <a:t>Una de las decisiones que se debe tomar es acerca del </a:t>
-            </a:r>
-            <a:r>
-              <a:rPr lang="es-ES" sz="2100" b="1" dirty="0"/>
-              <a:t>tiempo asignado al período de análisis</a:t>
-            </a:r>
-            <a:r>
-              <a:rPr lang="es-ES" sz="2100" dirty="0"/>
-              <a:t>. En este trabajo se analizaron tres períodos distintos: mensuales, quincenales y semanales con propósitos experimentales y por ser los más comunes en el ámbito comercial. En la práctica, la elección del período es una </a:t>
-            </a:r>
-            <a:r>
-              <a:rPr lang="es-ES" sz="2100" b="1" dirty="0"/>
-              <a:t>decisión estratégica</a:t>
-            </a:r>
-            <a:r>
-              <a:rPr lang="es-ES" sz="2100" dirty="0"/>
-              <a:t> a nivel gerencial que depende en gran medida del sector y tamaño de la empresa, tipos de productos, etc.</a:t>
-            </a:r>
-          </a:p>
-          <a:p>
-            <a:pPr algn="just"/>
-            <a:r>
-              <a:rPr lang="es-ES" sz="2100" dirty="0"/>
-              <a:t>En el presente trabajo, por tratarse de períodos de tiempo muy cercanos (1, 2 y 4 semanas) no se observan diferencias significativas en el porcentaje de aciertos. Otro factor a tener en cuenta es que para períodos de tiempo muy extensos (6, 12 meses) existe mayor incertidumbre en el pronóstico</a:t>
-            </a:r>
-            <a:r>
-              <a:rPr lang="es-ES" sz="2100" dirty="0" smtClean="0"/>
-              <a:t>.</a:t>
-            </a:r>
-            <a:endParaRPr lang="es-ES" sz="2100" b="1" u="sng" dirty="0" smtClean="0"/>
-          </a:p>
-          <a:p>
-            <a:pPr marL="457200" indent="-457200" algn="just">
-              <a:buFont typeface="+mj-lt"/>
-              <a:buAutoNum type="arabicPeriod"/>
-            </a:pPr>
-            <a:r>
-              <a:rPr lang="es-ES" sz="2800" b="1" u="sng" dirty="0"/>
-              <a:t>Impacto del </a:t>
-            </a:r>
-            <a:r>
-              <a:rPr lang="es-ES" sz="2800" b="1" u="sng" dirty="0" smtClean="0"/>
-              <a:t>etiquetado</a:t>
-            </a:r>
-            <a:endParaRPr lang="es-ES" sz="2800" b="1" u="sng" dirty="0"/>
-          </a:p>
-          <a:p>
-            <a:pPr algn="just"/>
-            <a:r>
-              <a:rPr lang="es-ES" sz="2100" dirty="0"/>
-              <a:t>La técnica propuesta se trata de un </a:t>
-            </a:r>
-            <a:r>
-              <a:rPr lang="es-ES" sz="2100" b="1" dirty="0"/>
-              <a:t>sistema parametrizado</a:t>
-            </a:r>
-            <a:r>
-              <a:rPr lang="es-ES" sz="2100" dirty="0"/>
-              <a:t>, donde las variables principales son el </a:t>
-            </a:r>
-            <a:r>
-              <a:rPr lang="es-ES" sz="2100" b="1" dirty="0"/>
-              <a:t>período comercial</a:t>
-            </a:r>
-            <a:r>
-              <a:rPr lang="es-ES" sz="2100" dirty="0"/>
-              <a:t> y las </a:t>
-            </a:r>
-            <a:r>
-              <a:rPr lang="es-ES" sz="2100" b="1" dirty="0"/>
-              <a:t>etiquetas</a:t>
-            </a:r>
-            <a:r>
-              <a:rPr lang="es-ES" sz="2100" dirty="0"/>
-              <a:t> seleccionadas para la clasificación. Por cuestiones de practicidad y generalidad se eligió para este trabajo un enfoque de problema de clasificación. El etiquetado proporciona mayor flexibilidad al sistema y un entorno más controlable, en comparación a un sistema de asignación de valores continuos. La flexibilidad del sistema permitió emular la opinión del experto en compras y encontrar una cantidad eficiente de etiquetas.</a:t>
-            </a:r>
-            <a:endParaRPr lang="en-US" sz="2100" dirty="0" smtClean="0"/>
-          </a:p>
-          <a:p>
-            <a:pPr marL="457200" indent="-457200" algn="just">
-              <a:buFont typeface="Wingdings" panose="05000000000000000000" pitchFamily="2" charset="2"/>
-              <a:buChar char="ü"/>
-            </a:pPr>
-            <a:endParaRPr lang="en-US" dirty="0" smtClean="0"/>
-          </a:p>
-          <a:p>
-            <a:pPr algn="just"/>
-            <a:endParaRPr lang="es-PY" b="1" dirty="0"/>
-          </a:p>
-          <a:p>
-            <a:pPr lvl="1" algn="just"/>
-            <a:endParaRPr lang="es-PY" sz="1800" b="1" dirty="0">
-              <a:solidFill>
-                <a:schemeClr val="tx1"/>
-              </a:solidFill>
-            </a:endParaRPr>
-          </a:p>
-        </p:txBody>
-      </p:sp>
-    </p:spTree>
-    <p:extLst>
-      <p:ext uri="{BB962C8B-B14F-4D97-AF65-F5344CB8AC3E}">
-        <p14:creationId xmlns:p14="http://schemas.microsoft.com/office/powerpoint/2010/main" val="3471157296"/>
-      </p:ext>
-    </p:extLst>
-  </p:cSld>
-  <p:clrMapOvr>
-    <a:masterClrMapping/>
-  </p:clrMapOvr>
-  <p:timing>
-    <p:tnLst>
-      <p:par>
-        <p:cTn id="1" dur="indefinite" restart="never" nodeType="tmRoot"/>
-      </p:par>
-    </p:tnLst>
-  </p:timing>
-</p:sld>
-</file>
-
 <file path=ppt/slides/slide18.xml><?xml version="1.0" encoding="utf-8"?>
 <p:sld xmlns:a="http://schemas.openxmlformats.org/drawingml/2006/main" xmlns:r="http://schemas.openxmlformats.org/officeDocument/2006/relationships" xmlns:p="http://schemas.openxmlformats.org/presentationml/2006/main">
   <p:cSld>
@@ -11114,6 +11088,563 @@
               <a:rPr lang="en-US" smtClean="0"/>
               <a:pPr/>
               <a:t>18</a:t>
+            </a:fld>
+            <a:endParaRPr lang="en-US"/>
+          </a:p>
+        </p:txBody>
+      </p:sp>
+      <p:sp>
+        <p:nvSpPr>
+          <p:cNvPr id="8" name="1 Título"/>
+          <p:cNvSpPr txBox="1">
+            <a:spLocks/>
+          </p:cNvSpPr>
+          <p:nvPr/>
+        </p:nvSpPr>
+        <p:spPr>
+          <a:xfrm>
+            <a:off x="1064035" y="183566"/>
+            <a:ext cx="7797552" cy="1066800"/>
+          </a:xfrm>
+          <a:prstGeom prst="rect">
+            <a:avLst/>
+          </a:prstGeom>
+          <a:effectLst/>
+        </p:spPr>
+        <p:txBody>
+          <a:bodyPr vert="horz" lIns="91440" tIns="45720" rIns="91440" bIns="45720" rtlCol="0" anchor="b">
+            <a:normAutofit/>
+          </a:bodyPr>
+          <a:lstStyle>
+            <a:lvl1pPr algn="r" defTabSz="457200" rtl="0" eaLnBrk="1" latinLnBrk="0" hangingPunct="1">
+              <a:spcBef>
+                <a:spcPct val="0"/>
+              </a:spcBef>
+              <a:buNone/>
+              <a:defRPr sz="5400" kern="1200" cap="none">
+                <a:ln w="3175" cmpd="sng">
+                  <a:noFill/>
+                </a:ln>
+                <a:solidFill>
+                  <a:schemeClr val="tx1"/>
+                </a:solidFill>
+                <a:effectLst/>
+                <a:latin typeface="+mj-lt"/>
+                <a:ea typeface="+mj-ea"/>
+                <a:cs typeface="+mj-cs"/>
+              </a:defRPr>
+            </a:lvl1pPr>
+            <a:lvl2pPr eaLnBrk="1" hangingPunct="1">
+              <a:defRPr>
+                <a:solidFill>
+                  <a:schemeClr val="tx2"/>
+                </a:solidFill>
+              </a:defRPr>
+            </a:lvl2pPr>
+            <a:lvl3pPr eaLnBrk="1" hangingPunct="1">
+              <a:defRPr>
+                <a:solidFill>
+                  <a:schemeClr val="tx2"/>
+                </a:solidFill>
+              </a:defRPr>
+            </a:lvl3pPr>
+            <a:lvl4pPr eaLnBrk="1" hangingPunct="1">
+              <a:defRPr>
+                <a:solidFill>
+                  <a:schemeClr val="tx2"/>
+                </a:solidFill>
+              </a:defRPr>
+            </a:lvl4pPr>
+            <a:lvl5pPr eaLnBrk="1" hangingPunct="1">
+              <a:defRPr>
+                <a:solidFill>
+                  <a:schemeClr val="tx2"/>
+                </a:solidFill>
+              </a:defRPr>
+            </a:lvl5pPr>
+            <a:lvl6pPr eaLnBrk="1" hangingPunct="1">
+              <a:defRPr>
+                <a:solidFill>
+                  <a:schemeClr val="tx2"/>
+                </a:solidFill>
+              </a:defRPr>
+            </a:lvl6pPr>
+            <a:lvl7pPr eaLnBrk="1" hangingPunct="1">
+              <a:defRPr>
+                <a:solidFill>
+                  <a:schemeClr val="tx2"/>
+                </a:solidFill>
+              </a:defRPr>
+            </a:lvl7pPr>
+            <a:lvl8pPr eaLnBrk="1" hangingPunct="1">
+              <a:defRPr>
+                <a:solidFill>
+                  <a:schemeClr val="tx2"/>
+                </a:solidFill>
+              </a:defRPr>
+            </a:lvl8pPr>
+            <a:lvl9pPr eaLnBrk="1" hangingPunct="1">
+              <a:defRPr>
+                <a:solidFill>
+                  <a:schemeClr val="tx2"/>
+                </a:solidFill>
+              </a:defRPr>
+            </a:lvl9pPr>
+          </a:lstStyle>
+          <a:p>
+            <a:r>
+              <a:rPr lang="es-ES" b="1" dirty="0" smtClean="0"/>
+              <a:t>Discusión </a:t>
+            </a:r>
+            <a:r>
+              <a:rPr lang="es-PY" dirty="0" smtClean="0"/>
+              <a:t> </a:t>
+            </a:r>
+            <a:endParaRPr lang="es-PY" dirty="0"/>
+          </a:p>
+        </p:txBody>
+      </p:sp>
+      <p:sp>
+        <p:nvSpPr>
+          <p:cNvPr id="5" name="2 Marcador de contenido"/>
+          <p:cNvSpPr txBox="1">
+            <a:spLocks/>
+          </p:cNvSpPr>
+          <p:nvPr/>
+        </p:nvSpPr>
+        <p:spPr>
+          <a:xfrm>
+            <a:off x="777776" y="1250366"/>
+            <a:ext cx="8083811" cy="5362500"/>
+          </a:xfrm>
+          <a:prstGeom prst="rect">
+            <a:avLst/>
+          </a:prstGeom>
+        </p:spPr>
+        <p:txBody>
+          <a:bodyPr vert="horz" lIns="91440" tIns="45720" rIns="91440" bIns="45720" rtlCol="0" anchor="t">
+            <a:normAutofit fontScale="85000" lnSpcReduction="20000"/>
+          </a:bodyPr>
+          <a:lstStyle>
+            <a:lvl1pPr marL="0" indent="0" algn="r" defTabSz="457200" rtl="0" eaLnBrk="1" latinLnBrk="0" hangingPunct="1">
+              <a:spcBef>
+                <a:spcPct val="20000"/>
+              </a:spcBef>
+              <a:spcAft>
+                <a:spcPts val="600"/>
+              </a:spcAft>
+              <a:buClr>
+                <a:schemeClr val="accent1">
+                  <a:lumMod val="75000"/>
+                </a:schemeClr>
+              </a:buClr>
+              <a:buSzPct val="145000"/>
+              <a:buFont typeface="Arial"/>
+              <a:buNone/>
+              <a:defRPr sz="1800" kern="1200" cap="none">
+                <a:solidFill>
+                  <a:schemeClr val="tx1"/>
+                </a:solidFill>
+                <a:effectLst/>
+                <a:latin typeface="+mn-lt"/>
+                <a:ea typeface="+mn-ea"/>
+                <a:cs typeface="+mn-cs"/>
+              </a:defRPr>
+            </a:lvl1pPr>
+            <a:lvl2pPr marL="457200" indent="0" algn="ctr" defTabSz="457200" rtl="0" eaLnBrk="1" latinLnBrk="0" hangingPunct="1">
+              <a:spcBef>
+                <a:spcPct val="20000"/>
+              </a:spcBef>
+              <a:spcAft>
+                <a:spcPts val="600"/>
+              </a:spcAft>
+              <a:buClr>
+                <a:schemeClr val="accent1">
+                  <a:lumMod val="75000"/>
+                </a:schemeClr>
+              </a:buClr>
+              <a:buSzPct val="145000"/>
+              <a:buFont typeface="Arial"/>
+              <a:buNone/>
+              <a:defRPr sz="2000" kern="1200" cap="none">
+                <a:solidFill>
+                  <a:schemeClr val="tx1">
+                    <a:tint val="75000"/>
+                  </a:schemeClr>
+                </a:solidFill>
+                <a:effectLst/>
+                <a:latin typeface="+mn-lt"/>
+                <a:ea typeface="+mn-ea"/>
+                <a:cs typeface="+mn-cs"/>
+              </a:defRPr>
+            </a:lvl2pPr>
+            <a:lvl3pPr marL="914400" indent="0" algn="ctr" defTabSz="457200" rtl="0" eaLnBrk="1" latinLnBrk="0" hangingPunct="1">
+              <a:spcBef>
+                <a:spcPct val="20000"/>
+              </a:spcBef>
+              <a:spcAft>
+                <a:spcPts val="600"/>
+              </a:spcAft>
+              <a:buClr>
+                <a:schemeClr val="accent1">
+                  <a:lumMod val="75000"/>
+                </a:schemeClr>
+              </a:buClr>
+              <a:buSzPct val="145000"/>
+              <a:buFont typeface="Arial"/>
+              <a:buNone/>
+              <a:defRPr sz="1800" kern="1200" cap="none">
+                <a:solidFill>
+                  <a:schemeClr val="tx1">
+                    <a:tint val="75000"/>
+                  </a:schemeClr>
+                </a:solidFill>
+                <a:effectLst/>
+                <a:latin typeface="+mn-lt"/>
+                <a:ea typeface="+mn-ea"/>
+                <a:cs typeface="+mn-cs"/>
+              </a:defRPr>
+            </a:lvl3pPr>
+            <a:lvl4pPr marL="1371600" indent="0" algn="ctr" defTabSz="457200" rtl="0" eaLnBrk="1" latinLnBrk="0" hangingPunct="1">
+              <a:spcBef>
+                <a:spcPct val="20000"/>
+              </a:spcBef>
+              <a:spcAft>
+                <a:spcPts val="600"/>
+              </a:spcAft>
+              <a:buClr>
+                <a:schemeClr val="accent1">
+                  <a:lumMod val="75000"/>
+                </a:schemeClr>
+              </a:buClr>
+              <a:buSzPct val="145000"/>
+              <a:buFont typeface="Arial"/>
+              <a:buNone/>
+              <a:defRPr sz="1600" kern="1200" cap="none">
+                <a:solidFill>
+                  <a:schemeClr val="tx1">
+                    <a:tint val="75000"/>
+                  </a:schemeClr>
+                </a:solidFill>
+                <a:effectLst/>
+                <a:latin typeface="+mn-lt"/>
+                <a:ea typeface="+mn-ea"/>
+                <a:cs typeface="+mn-cs"/>
+              </a:defRPr>
+            </a:lvl4pPr>
+            <a:lvl5pPr marL="1828800" indent="0" algn="ctr" defTabSz="457200" rtl="0" eaLnBrk="1" latinLnBrk="0" hangingPunct="1">
+              <a:spcBef>
+                <a:spcPct val="20000"/>
+              </a:spcBef>
+              <a:spcAft>
+                <a:spcPts val="600"/>
+              </a:spcAft>
+              <a:buClr>
+                <a:schemeClr val="accent1">
+                  <a:lumMod val="75000"/>
+                </a:schemeClr>
+              </a:buClr>
+              <a:buSzPct val="145000"/>
+              <a:buFont typeface="Arial"/>
+              <a:buNone/>
+              <a:defRPr sz="1400" kern="1200" cap="none">
+                <a:solidFill>
+                  <a:schemeClr val="tx1">
+                    <a:tint val="75000"/>
+                  </a:schemeClr>
+                </a:solidFill>
+                <a:effectLst/>
+                <a:latin typeface="+mn-lt"/>
+                <a:ea typeface="+mn-ea"/>
+                <a:cs typeface="+mn-cs"/>
+              </a:defRPr>
+            </a:lvl5pPr>
+            <a:lvl6pPr marL="2286000" indent="0" algn="ctr" defTabSz="457200" rtl="0" eaLnBrk="1" latinLnBrk="0" hangingPunct="1">
+              <a:spcBef>
+                <a:spcPct val="20000"/>
+              </a:spcBef>
+              <a:spcAft>
+                <a:spcPts val="600"/>
+              </a:spcAft>
+              <a:buClr>
+                <a:schemeClr val="accent1">
+                  <a:lumMod val="75000"/>
+                </a:schemeClr>
+              </a:buClr>
+              <a:buSzPct val="145000"/>
+              <a:buFont typeface="Arial"/>
+              <a:buNone/>
+              <a:defRPr sz="1400" kern="1200" cap="none">
+                <a:solidFill>
+                  <a:schemeClr val="tx1">
+                    <a:tint val="75000"/>
+                  </a:schemeClr>
+                </a:solidFill>
+                <a:effectLst/>
+                <a:latin typeface="+mn-lt"/>
+                <a:ea typeface="+mn-ea"/>
+                <a:cs typeface="+mn-cs"/>
+              </a:defRPr>
+            </a:lvl6pPr>
+            <a:lvl7pPr marL="2743200" indent="0" algn="ctr" defTabSz="457200" rtl="0" eaLnBrk="1" latinLnBrk="0" hangingPunct="1">
+              <a:spcBef>
+                <a:spcPct val="20000"/>
+              </a:spcBef>
+              <a:spcAft>
+                <a:spcPts val="600"/>
+              </a:spcAft>
+              <a:buClr>
+                <a:schemeClr val="accent1">
+                  <a:lumMod val="75000"/>
+                </a:schemeClr>
+              </a:buClr>
+              <a:buSzPct val="145000"/>
+              <a:buFont typeface="Arial"/>
+              <a:buNone/>
+              <a:defRPr sz="1400" kern="1200" cap="none">
+                <a:solidFill>
+                  <a:schemeClr val="tx1">
+                    <a:tint val="75000"/>
+                  </a:schemeClr>
+                </a:solidFill>
+                <a:effectLst/>
+                <a:latin typeface="+mn-lt"/>
+                <a:ea typeface="+mn-ea"/>
+                <a:cs typeface="+mn-cs"/>
+              </a:defRPr>
+            </a:lvl7pPr>
+            <a:lvl8pPr marL="3200400" indent="0" algn="ctr" defTabSz="457200" rtl="0" eaLnBrk="1" latinLnBrk="0" hangingPunct="1">
+              <a:spcBef>
+                <a:spcPct val="20000"/>
+              </a:spcBef>
+              <a:spcAft>
+                <a:spcPts val="600"/>
+              </a:spcAft>
+              <a:buClr>
+                <a:schemeClr val="accent1">
+                  <a:lumMod val="75000"/>
+                </a:schemeClr>
+              </a:buClr>
+              <a:buSzPct val="145000"/>
+              <a:buFont typeface="Arial"/>
+              <a:buNone/>
+              <a:defRPr sz="1400" kern="1200" cap="none">
+                <a:solidFill>
+                  <a:schemeClr val="tx1">
+                    <a:tint val="75000"/>
+                  </a:schemeClr>
+                </a:solidFill>
+                <a:effectLst/>
+                <a:latin typeface="+mn-lt"/>
+                <a:ea typeface="+mn-ea"/>
+                <a:cs typeface="+mn-cs"/>
+              </a:defRPr>
+            </a:lvl8pPr>
+            <a:lvl9pPr marL="3657600" indent="0" algn="ctr" defTabSz="457200" rtl="0" eaLnBrk="1" latinLnBrk="0" hangingPunct="1">
+              <a:spcBef>
+                <a:spcPct val="20000"/>
+              </a:spcBef>
+              <a:spcAft>
+                <a:spcPts val="600"/>
+              </a:spcAft>
+              <a:buClr>
+                <a:schemeClr val="accent1">
+                  <a:lumMod val="75000"/>
+                </a:schemeClr>
+              </a:buClr>
+              <a:buSzPct val="145000"/>
+              <a:buFont typeface="Arial"/>
+              <a:buNone/>
+              <a:defRPr sz="1400" kern="1200" cap="none">
+                <a:solidFill>
+                  <a:schemeClr val="tx1">
+                    <a:tint val="75000"/>
+                  </a:schemeClr>
+                </a:solidFill>
+                <a:effectLst/>
+                <a:latin typeface="+mn-lt"/>
+                <a:ea typeface="+mn-ea"/>
+                <a:cs typeface="+mn-cs"/>
+              </a:defRPr>
+            </a:lvl9pPr>
+          </a:lstStyle>
+          <a:p>
+            <a:pPr marL="457200" indent="-457200" algn="just">
+              <a:buFont typeface="+mj-lt"/>
+              <a:buAutoNum type="arabicPeriod"/>
+            </a:pPr>
+            <a:r>
+              <a:rPr lang="es-ES" sz="2800" b="1" u="sng" dirty="0" smtClean="0"/>
+              <a:t>Impacto </a:t>
+            </a:r>
+            <a:r>
+              <a:rPr lang="es-ES" sz="2800" b="1" u="sng" dirty="0"/>
+              <a:t>del período de </a:t>
+            </a:r>
+            <a:r>
+              <a:rPr lang="es-ES" sz="2800" b="1" u="sng" dirty="0" smtClean="0"/>
+              <a:t>análisis</a:t>
+            </a:r>
+          </a:p>
+          <a:p>
+            <a:pPr algn="just"/>
+            <a:r>
+              <a:rPr lang="es-ES" sz="2100" dirty="0"/>
+              <a:t>Una de las decisiones que se debe tomar es acerca del </a:t>
+            </a:r>
+            <a:r>
+              <a:rPr lang="es-ES" sz="2100" b="1" dirty="0"/>
+              <a:t>tiempo asignado al período de análisis</a:t>
+            </a:r>
+            <a:r>
+              <a:rPr lang="es-ES" sz="2100" dirty="0"/>
+              <a:t>. En este trabajo se analizaron tres períodos distintos: mensuales, quincenales y semanales con propósitos experimentales y por ser los más comunes en el ámbito comercial. En la práctica, la elección del período es una </a:t>
+            </a:r>
+            <a:r>
+              <a:rPr lang="es-ES" sz="2100" b="1" dirty="0"/>
+              <a:t>decisión estratégica</a:t>
+            </a:r>
+            <a:r>
+              <a:rPr lang="es-ES" sz="2100" dirty="0"/>
+              <a:t> a nivel gerencial que depende en gran medida del sector y tamaño de la empresa, tipos de productos, etc.</a:t>
+            </a:r>
+          </a:p>
+          <a:p>
+            <a:pPr algn="just"/>
+            <a:r>
+              <a:rPr lang="es-ES" sz="2100" dirty="0"/>
+              <a:t>En el presente trabajo, por tratarse de períodos de tiempo muy cercanos (1, 2 y 4 semanas) no se observan diferencias significativas en el porcentaje de aciertos. Otro factor a tener en cuenta es que para períodos de tiempo muy extensos (6, 12 meses) existe mayor incertidumbre en el pronóstico</a:t>
+            </a:r>
+            <a:r>
+              <a:rPr lang="es-ES" sz="2100" dirty="0" smtClean="0"/>
+              <a:t>.</a:t>
+            </a:r>
+            <a:endParaRPr lang="es-ES" sz="2100" b="1" u="sng" dirty="0" smtClean="0"/>
+          </a:p>
+          <a:p>
+            <a:pPr marL="457200" indent="-457200" algn="just">
+              <a:buFont typeface="+mj-lt"/>
+              <a:buAutoNum type="arabicPeriod"/>
+            </a:pPr>
+            <a:r>
+              <a:rPr lang="es-ES" sz="2800" b="1" u="sng" dirty="0"/>
+              <a:t>Impacto del </a:t>
+            </a:r>
+            <a:r>
+              <a:rPr lang="es-ES" sz="2800" b="1" u="sng" dirty="0" smtClean="0"/>
+              <a:t>etiquetado</a:t>
+            </a:r>
+            <a:endParaRPr lang="es-ES" sz="2800" b="1" u="sng" dirty="0"/>
+          </a:p>
+          <a:p>
+            <a:pPr algn="just"/>
+            <a:r>
+              <a:rPr lang="es-ES" sz="2100" dirty="0"/>
+              <a:t>La técnica propuesta se trata de un </a:t>
+            </a:r>
+            <a:r>
+              <a:rPr lang="es-ES" sz="2100" b="1" dirty="0"/>
+              <a:t>sistema parametrizado</a:t>
+            </a:r>
+            <a:r>
+              <a:rPr lang="es-ES" sz="2100" dirty="0"/>
+              <a:t>, donde las variables principales son el </a:t>
+            </a:r>
+            <a:r>
+              <a:rPr lang="es-ES" sz="2100" b="1" dirty="0"/>
+              <a:t>período comercial</a:t>
+            </a:r>
+            <a:r>
+              <a:rPr lang="es-ES" sz="2100" dirty="0"/>
+              <a:t> y las </a:t>
+            </a:r>
+            <a:r>
+              <a:rPr lang="es-ES" sz="2100" b="1" dirty="0"/>
+              <a:t>etiquetas</a:t>
+            </a:r>
+            <a:r>
+              <a:rPr lang="es-ES" sz="2100" dirty="0"/>
+              <a:t> seleccionadas para la clasificación. Por cuestiones de practicidad y generalidad se eligió para este trabajo un enfoque de problema de clasificación. El etiquetado proporciona mayor flexibilidad al sistema y un entorno más controlable, en comparación a un sistema de asignación de valores continuos. La flexibilidad del sistema permitió emular la opinión del experto en compras y encontrar una cantidad eficiente de etiquetas.</a:t>
+            </a:r>
+            <a:endParaRPr lang="en-US" sz="2100" dirty="0" smtClean="0"/>
+          </a:p>
+          <a:p>
+            <a:pPr marL="457200" indent="-457200" algn="just">
+              <a:buFont typeface="Wingdings" panose="05000000000000000000" pitchFamily="2" charset="2"/>
+              <a:buChar char="ü"/>
+            </a:pPr>
+            <a:endParaRPr lang="en-US" dirty="0" smtClean="0"/>
+          </a:p>
+          <a:p>
+            <a:pPr algn="just"/>
+            <a:endParaRPr lang="es-PY" b="1" dirty="0"/>
+          </a:p>
+          <a:p>
+            <a:pPr lvl="1" algn="just"/>
+            <a:endParaRPr lang="es-PY" sz="1800" b="1" dirty="0">
+              <a:solidFill>
+                <a:schemeClr val="tx1"/>
+              </a:solidFill>
+            </a:endParaRPr>
+          </a:p>
+        </p:txBody>
+      </p:sp>
+    </p:spTree>
+    <p:extLst>
+      <p:ext uri="{BB962C8B-B14F-4D97-AF65-F5344CB8AC3E}">
+        <p14:creationId xmlns:p14="http://schemas.microsoft.com/office/powerpoint/2010/main" val="3471157296"/>
+      </p:ext>
+    </p:extLst>
+  </p:cSld>
+  <p:clrMapOvr>
+    <a:masterClrMapping/>
+  </p:clrMapOvr>
+  <p:timing>
+    <p:tnLst>
+      <p:par>
+        <p:cTn id="1" dur="indefinite" restart="never" nodeType="tmRoot"/>
+      </p:par>
+    </p:tnLst>
+  </p:timing>
+</p:sld>
+</file>
+
+<file path=ppt/slides/slide19.xml><?xml version="1.0" encoding="utf-8"?>
+<p:sld xmlns:a="http://schemas.openxmlformats.org/drawingml/2006/main" xmlns:r="http://schemas.openxmlformats.org/officeDocument/2006/relationships" xmlns:p="http://schemas.openxmlformats.org/presentationml/2006/main">
+  <p:cSld>
+    <p:spTree>
+      <p:nvGrpSpPr>
+        <p:cNvPr id="1" name=""/>
+        <p:cNvGrpSpPr/>
+        <p:nvPr/>
+      </p:nvGrpSpPr>
+      <p:grpSpPr>
+        <a:xfrm>
+          <a:off x="0" y="0"/>
+          <a:ext cx="0" cy="0"/>
+          <a:chOff x="0" y="0"/>
+          <a:chExt cx="0" cy="0"/>
+        </a:xfrm>
+      </p:grpSpPr>
+      <p:sp>
+        <p:nvSpPr>
+          <p:cNvPr id="6" name="5 Marcador de número de diapositiva"/>
+          <p:cNvSpPr>
+            <a:spLocks noGrp="1"/>
+          </p:cNvSpPr>
+          <p:nvPr>
+            <p:ph type="sldNum" sz="quarter" idx="12"/>
+          </p:nvPr>
+        </p:nvSpPr>
+        <p:spPr/>
+        <p:txBody>
+          <a:bodyPr/>
+          <a:lstStyle/>
+          <a:p>
+            <a:fld id="{BA9B540C-44DA-4F69-89C9-7C84606640D3}" type="slidenum">
+              <a:rPr lang="en-US" smtClean="0"/>
+              <a:pPr/>
+              <a:t>19</a:t>
             </a:fld>
             <a:endParaRPr lang="en-US"/>
           </a:p>
@@ -13725,8 +14256,8 @@
         </p:nvSpPr>
         <p:spPr>
           <a:xfrm>
-            <a:off x="971600" y="548680"/>
-            <a:ext cx="7797552" cy="1066800"/>
+            <a:off x="2339752" y="273968"/>
+            <a:ext cx="6285384" cy="850776"/>
           </a:xfrm>
           <a:prstGeom prst="rect">
             <a:avLst/>
@@ -13735,7 +14266,7 @@
         </p:spPr>
         <p:txBody>
           <a:bodyPr vert="horz" lIns="91440" tIns="45720" rIns="91440" bIns="45720" rtlCol="0" anchor="b">
-            <a:normAutofit/>
+            <a:normAutofit lnSpcReduction="10000"/>
           </a:bodyPr>
           <a:lstStyle>
             <a:lvl1pPr algn="r" defTabSz="457200" rtl="0" eaLnBrk="1" latinLnBrk="0" hangingPunct="1">
@@ -13815,22 +14346,22 @@
           </a:lstStyle>
           <a:p>
             <a:r>
-              <a:rPr lang="es-ES" b="1" dirty="0"/>
+              <a:rPr lang="es-ES" sz="5200" b="1" dirty="0"/>
               <a:t>Business </a:t>
             </a:r>
             <a:r>
-              <a:rPr lang="es-ES" b="1" dirty="0" err="1"/>
+              <a:rPr lang="es-ES" sz="5200" b="1" dirty="0" err="1"/>
               <a:t>Intelligence</a:t>
             </a:r>
             <a:r>
-              <a:rPr lang="es-ES" b="1" dirty="0"/>
+              <a:rPr lang="es-ES" sz="5200" b="1" dirty="0"/>
               <a:t> </a:t>
             </a:r>
             <a:r>
-              <a:rPr lang="es-PY" dirty="0" smtClean="0"/>
+              <a:rPr lang="es-PY" sz="5200" dirty="0" smtClean="0"/>
               <a:t> </a:t>
             </a:r>
-            <a:endParaRPr lang="es-PY" dirty="0"/>
+            <a:endParaRPr lang="es-PY" sz="5200" dirty="0"/>
           </a:p>
         </p:txBody>
       </p:sp>
@@ -13844,7 +14375,7 @@
         </p:nvSpPr>
         <p:spPr>
           <a:xfrm>
-            <a:off x="323528" y="1844824"/>
+            <a:off x="669009" y="1340768"/>
             <a:ext cx="7935439" cy="5491323"/>
           </a:xfrm>
           <a:prstGeom prst="rect">
@@ -14352,8 +14883,29 @@
                   <a:schemeClr val="tx1"/>
                 </a:solidFill>
               </a:rPr>
-              <a:t>Las herramientas de visualización</a:t>
-            </a:r>
+              <a:t>Las herramientas de </a:t>
+            </a:r>
+            <a:r>
+              <a:rPr lang="es-PY" sz="1600" dirty="0" smtClean="0">
+                <a:solidFill>
+                  <a:schemeClr val="tx1"/>
+                </a:solidFill>
+              </a:rPr>
+              <a:t>visualización</a:t>
+            </a:r>
+            <a:endParaRPr lang="es-PY" sz="1600" dirty="0">
+              <a:solidFill>
+                <a:schemeClr val="tx1"/>
+              </a:solidFill>
+            </a:endParaRPr>
+          </a:p>
+          <a:p>
+            <a:pPr lvl="2" algn="just"/>
+            <a:endParaRPr lang="es-PY" sz="1600" dirty="0">
+              <a:solidFill>
+                <a:schemeClr val="tx1"/>
+              </a:solidFill>
+            </a:endParaRPr>
           </a:p>
         </p:txBody>
       </p:sp>
@@ -14420,125 +14972,6 @@
       </p:sp>
       <p:sp>
         <p:nvSpPr>
-          <p:cNvPr id="8" name="1 Título"/>
-          <p:cNvSpPr txBox="1">
-            <a:spLocks/>
-          </p:cNvSpPr>
-          <p:nvPr/>
-        </p:nvSpPr>
-        <p:spPr>
-          <a:xfrm>
-            <a:off x="971600" y="548680"/>
-            <a:ext cx="7797552" cy="1066800"/>
-          </a:xfrm>
-          <a:prstGeom prst="rect">
-            <a:avLst/>
-          </a:prstGeom>
-          <a:effectLst/>
-        </p:spPr>
-        <p:txBody>
-          <a:bodyPr vert="horz" lIns="91440" tIns="45720" rIns="91440" bIns="45720" rtlCol="0" anchor="b">
-            <a:normAutofit/>
-          </a:bodyPr>
-          <a:lstStyle>
-            <a:lvl1pPr algn="r" defTabSz="457200" rtl="0" eaLnBrk="1" latinLnBrk="0" hangingPunct="1">
-              <a:spcBef>
-                <a:spcPct val="0"/>
-              </a:spcBef>
-              <a:buNone/>
-              <a:defRPr sz="5400" kern="1200" cap="none">
-                <a:ln w="3175" cmpd="sng">
-                  <a:noFill/>
-                </a:ln>
-                <a:solidFill>
-                  <a:schemeClr val="tx1"/>
-                </a:solidFill>
-                <a:effectLst/>
-                <a:latin typeface="+mj-lt"/>
-                <a:ea typeface="+mj-ea"/>
-                <a:cs typeface="+mj-cs"/>
-              </a:defRPr>
-            </a:lvl1pPr>
-            <a:lvl2pPr eaLnBrk="1" hangingPunct="1">
-              <a:defRPr>
-                <a:solidFill>
-                  <a:schemeClr val="tx2"/>
-                </a:solidFill>
-              </a:defRPr>
-            </a:lvl2pPr>
-            <a:lvl3pPr eaLnBrk="1" hangingPunct="1">
-              <a:defRPr>
-                <a:solidFill>
-                  <a:schemeClr val="tx2"/>
-                </a:solidFill>
-              </a:defRPr>
-            </a:lvl3pPr>
-            <a:lvl4pPr eaLnBrk="1" hangingPunct="1">
-              <a:defRPr>
-                <a:solidFill>
-                  <a:schemeClr val="tx2"/>
-                </a:solidFill>
-              </a:defRPr>
-            </a:lvl4pPr>
-            <a:lvl5pPr eaLnBrk="1" hangingPunct="1">
-              <a:defRPr>
-                <a:solidFill>
-                  <a:schemeClr val="tx2"/>
-                </a:solidFill>
-              </a:defRPr>
-            </a:lvl5pPr>
-            <a:lvl6pPr eaLnBrk="1" hangingPunct="1">
-              <a:defRPr>
-                <a:solidFill>
-                  <a:schemeClr val="tx2"/>
-                </a:solidFill>
-              </a:defRPr>
-            </a:lvl6pPr>
-            <a:lvl7pPr eaLnBrk="1" hangingPunct="1">
-              <a:defRPr>
-                <a:solidFill>
-                  <a:schemeClr val="tx2"/>
-                </a:solidFill>
-              </a:defRPr>
-            </a:lvl7pPr>
-            <a:lvl8pPr eaLnBrk="1" hangingPunct="1">
-              <a:defRPr>
-                <a:solidFill>
-                  <a:schemeClr val="tx2"/>
-                </a:solidFill>
-              </a:defRPr>
-            </a:lvl8pPr>
-            <a:lvl9pPr eaLnBrk="1" hangingPunct="1">
-              <a:defRPr>
-                <a:solidFill>
-                  <a:schemeClr val="tx2"/>
-                </a:solidFill>
-              </a:defRPr>
-            </a:lvl9pPr>
-          </a:lstStyle>
-          <a:p>
-            <a:r>
-              <a:rPr lang="es-ES" b="1" dirty="0"/>
-              <a:t>Business </a:t>
-            </a:r>
-            <a:r>
-              <a:rPr lang="es-ES" b="1" dirty="0" err="1"/>
-              <a:t>Intelligence</a:t>
-            </a:r>
-            <a:r>
-              <a:rPr lang="es-ES" b="1" dirty="0"/>
-              <a:t> </a:t>
-            </a:r>
-            <a:r>
-              <a:rPr lang="es-PY" dirty="0" smtClean="0"/>
-              <a:t> </a:t>
-            </a:r>
-            <a:endParaRPr lang="es-PY" dirty="0"/>
-          </a:p>
-        </p:txBody>
-      </p:sp>
-      <p:sp>
-        <p:nvSpPr>
           <p:cNvPr id="9" name="2 Marcador de contenido"/>
           <p:cNvSpPr txBox="1">
             <a:spLocks/>
@@ -14547,8 +14980,8 @@
         </p:nvSpPr>
         <p:spPr>
           <a:xfrm>
-            <a:off x="808669" y="1772816"/>
-            <a:ext cx="7450298" cy="5491323"/>
+            <a:off x="755576" y="1124744"/>
+            <a:ext cx="8388423" cy="5472607"/>
           </a:xfrm>
           <a:prstGeom prst="rect">
             <a:avLst/>
@@ -14556,7 +14989,7 @@
         </p:spPr>
         <p:txBody>
           <a:bodyPr vert="horz" lIns="91440" tIns="45720" rIns="91440" bIns="45720" rtlCol="0" anchor="t">
-            <a:normAutofit fontScale="77500" lnSpcReduction="20000"/>
+            <a:normAutofit/>
           </a:bodyPr>
           <a:lstStyle>
             <a:lvl1pPr marL="0" indent="0" algn="r" defTabSz="457200" rtl="0" eaLnBrk="1" latinLnBrk="0" hangingPunct="1">
@@ -14802,344 +15235,75 @@
             </a:lvl9pPr>
           </a:lstStyle>
           <a:p>
-            <a:pPr marL="342900" indent="-342900" algn="just">
-              <a:buAutoNum type="arabicPeriod"/>
-            </a:pPr>
-            <a:r>
-              <a:rPr lang="en-US" sz="2100" b="1" dirty="0" err="1" smtClean="0"/>
-              <a:t>Métodos</a:t>
-            </a:r>
-            <a:r>
-              <a:rPr lang="en-US" sz="2100" b="1" dirty="0" smtClean="0"/>
-              <a:t> </a:t>
-            </a:r>
-            <a:r>
-              <a:rPr lang="en-US" sz="2100" b="1" dirty="0"/>
-              <a:t>de </a:t>
-            </a:r>
-            <a:r>
-              <a:rPr lang="en-US" sz="2100" b="1" dirty="0" err="1"/>
-              <a:t>pronósticos</a:t>
-            </a:r>
-            <a:r>
-              <a:rPr lang="en-US" sz="2100" b="1" dirty="0"/>
-              <a:t> </a:t>
-            </a:r>
-            <a:r>
-              <a:rPr lang="en-US" sz="2100" b="1" dirty="0" err="1" smtClean="0"/>
-              <a:t>cualitativos</a:t>
-            </a:r>
-            <a:endParaRPr lang="en-US" sz="2100" b="1" dirty="0" smtClean="0"/>
-          </a:p>
-          <a:p>
-            <a:pPr lvl="1" algn="just"/>
-            <a:r>
-              <a:rPr lang="es-PY" sz="2100" dirty="0">
-                <a:solidFill>
-                  <a:schemeClr val="tx1"/>
-                </a:solidFill>
-              </a:rPr>
-              <a:t>1.1 Opinión del </a:t>
-            </a:r>
-            <a:r>
-              <a:rPr lang="es-PY" sz="2100" dirty="0" smtClean="0">
-                <a:solidFill>
-                  <a:schemeClr val="tx1"/>
-                </a:solidFill>
-              </a:rPr>
-              <a:t>Gerente</a:t>
-            </a:r>
-          </a:p>
-          <a:p>
-            <a:pPr lvl="1" algn="just"/>
-            <a:r>
-              <a:rPr lang="es-PY" sz="2100" dirty="0">
-                <a:solidFill>
-                  <a:schemeClr val="tx1"/>
-                </a:solidFill>
-              </a:rPr>
-              <a:t>1.2 Junta de opinión </a:t>
-            </a:r>
-            <a:r>
-              <a:rPr lang="es-PY" sz="2100" dirty="0" smtClean="0">
-                <a:solidFill>
-                  <a:schemeClr val="tx1"/>
-                </a:solidFill>
-              </a:rPr>
-              <a:t>ejecutiva</a:t>
-            </a:r>
-          </a:p>
-          <a:p>
-            <a:pPr lvl="1" algn="just"/>
-            <a:r>
-              <a:rPr lang="es-PY" sz="2100" dirty="0" smtClean="0">
-                <a:solidFill>
-                  <a:schemeClr val="tx1"/>
-                </a:solidFill>
-              </a:rPr>
-              <a:t>1.3 </a:t>
-            </a:r>
-            <a:r>
-              <a:rPr lang="es-ES" sz="2100" dirty="0">
-                <a:solidFill>
-                  <a:schemeClr val="tx1"/>
-                </a:solidFill>
-              </a:rPr>
-              <a:t>Consulta a la fuerza de </a:t>
-            </a:r>
-            <a:r>
-              <a:rPr lang="es-ES" sz="2100" dirty="0" smtClean="0">
-                <a:solidFill>
-                  <a:schemeClr val="tx1"/>
-                </a:solidFill>
-              </a:rPr>
-              <a:t>ventas</a:t>
-            </a:r>
-          </a:p>
-          <a:p>
-            <a:pPr lvl="1" algn="just"/>
-            <a:r>
-              <a:rPr lang="es-ES" sz="2100" dirty="0">
-                <a:solidFill>
-                  <a:schemeClr val="tx1"/>
-                </a:solidFill>
-              </a:rPr>
-              <a:t>1.4 Encuesta en el mercado de </a:t>
-            </a:r>
-            <a:r>
-              <a:rPr lang="es-ES" sz="2100" dirty="0" smtClean="0">
-                <a:solidFill>
-                  <a:schemeClr val="tx1"/>
-                </a:solidFill>
-              </a:rPr>
-              <a:t>consumo</a:t>
-            </a:r>
-          </a:p>
-          <a:p>
-            <a:pPr lvl="1" algn="just"/>
-            <a:r>
-              <a:rPr lang="es-ES" sz="2100" dirty="0">
-                <a:solidFill>
-                  <a:schemeClr val="tx1"/>
-                </a:solidFill>
-              </a:rPr>
-              <a:t>1.5 Método Delphi</a:t>
-            </a:r>
-            <a:endParaRPr lang="en-US" sz="2100" dirty="0" smtClean="0">
+            <a:pPr algn="just"/>
+            <a:r>
+              <a:rPr lang="en-US" sz="2400" b="1" dirty="0" err="1" smtClean="0"/>
+              <a:t>Modelado</a:t>
+            </a:r>
+            <a:r>
+              <a:rPr lang="en-US" sz="2400" b="1" dirty="0" smtClean="0"/>
+              <a:t> del </a:t>
+            </a:r>
+            <a:r>
+              <a:rPr lang="en-US" sz="2400" b="1" dirty="0" err="1" smtClean="0"/>
+              <a:t>problema</a:t>
+            </a:r>
+            <a:endParaRPr lang="es-ES" sz="2400" b="1" dirty="0" smtClean="0">
               <a:solidFill>
                 <a:schemeClr val="tx1"/>
               </a:solidFill>
             </a:endParaRPr>
           </a:p>
           <a:p>
-            <a:pPr marL="342900" indent="-342900" algn="just">
-              <a:buAutoNum type="arabicPeriod"/>
+            <a:pPr marL="252000" lvl="1" algn="just">
+              <a:spcBef>
+                <a:spcPts val="0"/>
+              </a:spcBef>
+              <a:spcAft>
+                <a:spcPts val="0"/>
+              </a:spcAft>
             </a:pPr>
             <a:r>
-              <a:rPr lang="en-US" sz="2100" b="1" dirty="0" err="1" smtClean="0"/>
-              <a:t>Métodos</a:t>
-            </a:r>
-            <a:r>
-              <a:rPr lang="en-US" sz="2100" b="1" dirty="0" smtClean="0"/>
-              <a:t> </a:t>
-            </a:r>
-            <a:r>
-              <a:rPr lang="en-US" sz="2100" b="1" dirty="0"/>
-              <a:t>de </a:t>
-            </a:r>
-            <a:r>
-              <a:rPr lang="en-US" sz="2100" b="1" dirty="0" err="1"/>
-              <a:t>pronósticos</a:t>
-            </a:r>
-            <a:r>
-              <a:rPr lang="en-US" sz="2100" b="1" dirty="0"/>
-              <a:t> </a:t>
-            </a:r>
-            <a:r>
-              <a:rPr lang="en-US" sz="2100" b="1" dirty="0" err="1" smtClean="0"/>
-              <a:t>cuantitativos</a:t>
-            </a:r>
-            <a:endParaRPr lang="en-US" sz="2100" b="1" dirty="0"/>
-          </a:p>
-          <a:p>
-            <a:pPr lvl="1" algn="just"/>
-            <a:r>
-              <a:rPr lang="en-US" sz="2100" b="1" dirty="0" smtClean="0">
+              <a:rPr lang="es-ES" sz="1800" b="1" dirty="0" smtClean="0">
                 <a:solidFill>
                   <a:schemeClr val="tx1"/>
                 </a:solidFill>
               </a:rPr>
-              <a:t>2.1 </a:t>
-            </a:r>
-            <a:r>
-              <a:rPr lang="es-ES" sz="2100" b="1" dirty="0" smtClean="0">
-                <a:solidFill>
-                  <a:schemeClr val="tx1"/>
-                </a:solidFill>
-              </a:rPr>
-              <a:t>Métodos </a:t>
-            </a:r>
-            <a:r>
-              <a:rPr lang="es-ES" sz="2100" b="1" dirty="0">
-                <a:solidFill>
-                  <a:schemeClr val="tx1"/>
-                </a:solidFill>
-              </a:rPr>
-              <a:t>de series de </a:t>
-            </a:r>
-            <a:r>
-              <a:rPr lang="es-ES" sz="2100" b="1" dirty="0" smtClean="0">
-                <a:solidFill>
-                  <a:schemeClr val="tx1"/>
-                </a:solidFill>
-              </a:rPr>
-              <a:t>tiempo</a:t>
-            </a:r>
-          </a:p>
-          <a:p>
-            <a:pPr lvl="1" algn="just"/>
-            <a:r>
-              <a:rPr lang="es-ES" sz="2100" dirty="0">
-                <a:solidFill>
-                  <a:schemeClr val="tx1"/>
-                </a:solidFill>
-              </a:rPr>
-              <a:t>	2.1.1 El método de pronóstico del último </a:t>
-            </a:r>
-            <a:r>
-              <a:rPr lang="es-ES" sz="2100" dirty="0" smtClean="0">
-                <a:solidFill>
-                  <a:schemeClr val="tx1"/>
-                </a:solidFill>
-              </a:rPr>
-              <a:t>valor</a:t>
-            </a:r>
-          </a:p>
-          <a:p>
-            <a:pPr lvl="1" algn="just"/>
-            <a:r>
-              <a:rPr lang="es-ES" sz="2100" dirty="0">
-                <a:solidFill>
-                  <a:schemeClr val="tx1"/>
-                </a:solidFill>
-              </a:rPr>
-              <a:t>	2.1.2 El método de pronóstico por </a:t>
-            </a:r>
-            <a:r>
-              <a:rPr lang="es-ES" sz="2100" dirty="0" smtClean="0">
-                <a:solidFill>
-                  <a:schemeClr val="tx1"/>
-                </a:solidFill>
-              </a:rPr>
-              <a:t>promedios</a:t>
-            </a:r>
-          </a:p>
-          <a:p>
-            <a:pPr lvl="1" algn="just"/>
-            <a:r>
-              <a:rPr lang="es-ES" sz="2100" dirty="0">
-                <a:solidFill>
-                  <a:schemeClr val="tx1"/>
-                </a:solidFill>
-              </a:rPr>
-              <a:t>	2.1.3 El método de pronóstico de promedio </a:t>
-            </a:r>
-            <a:r>
-              <a:rPr lang="es-ES" sz="2100" dirty="0" smtClean="0">
-                <a:solidFill>
-                  <a:schemeClr val="tx1"/>
-                </a:solidFill>
-              </a:rPr>
-              <a:t>móvil</a:t>
-            </a:r>
-          </a:p>
-          <a:p>
-            <a:pPr lvl="1" algn="just"/>
-            <a:r>
-              <a:rPr lang="es-ES" sz="2100" dirty="0">
-                <a:solidFill>
-                  <a:schemeClr val="tx1"/>
-                </a:solidFill>
-              </a:rPr>
-              <a:t>	2.1.4 El método de pronóstico por </a:t>
-            </a:r>
-            <a:r>
-              <a:rPr lang="es-ES" sz="2100" dirty="0" err="1">
-                <a:solidFill>
-                  <a:schemeClr val="tx1"/>
-                </a:solidFill>
-              </a:rPr>
-              <a:t>suavizamiento</a:t>
-            </a:r>
-            <a:r>
-              <a:rPr lang="es-ES" sz="2100" dirty="0">
-                <a:solidFill>
-                  <a:schemeClr val="tx1"/>
-                </a:solidFill>
-              </a:rPr>
-              <a:t> </a:t>
-            </a:r>
-            <a:r>
-              <a:rPr lang="es-ES" sz="2100" dirty="0" smtClean="0">
-                <a:solidFill>
-                  <a:schemeClr val="tx1"/>
-                </a:solidFill>
-              </a:rPr>
-              <a:t>exponencial</a:t>
-            </a:r>
-          </a:p>
-          <a:p>
-            <a:pPr lvl="1" algn="just"/>
-            <a:r>
-              <a:rPr lang="es-ES" sz="2100" dirty="0">
-                <a:solidFill>
-                  <a:schemeClr val="tx1"/>
-                </a:solidFill>
-              </a:rPr>
-              <a:t>	2.1.5 El método de </a:t>
-            </a:r>
-            <a:r>
-              <a:rPr lang="es-ES" sz="2100" dirty="0" err="1">
-                <a:solidFill>
-                  <a:schemeClr val="tx1"/>
-                </a:solidFill>
-              </a:rPr>
-              <a:t>suavizamiento</a:t>
-            </a:r>
-            <a:r>
-              <a:rPr lang="es-ES" sz="2100" dirty="0">
-                <a:solidFill>
-                  <a:schemeClr val="tx1"/>
-                </a:solidFill>
-              </a:rPr>
-              <a:t> exponencial con tendencia</a:t>
-            </a:r>
-            <a:endParaRPr lang="es-ES" sz="2100" dirty="0" smtClean="0">
+              <a:t>1. Fuente de Información:</a:t>
+            </a:r>
+            <a:endParaRPr lang="es-ES" sz="1800" dirty="0" smtClean="0">
               <a:solidFill>
                 <a:schemeClr val="tx1"/>
               </a:solidFill>
             </a:endParaRPr>
           </a:p>
           <a:p>
-            <a:pPr lvl="1" algn="just"/>
-            <a:r>
-              <a:rPr lang="es-ES" sz="2100" b="1" dirty="0" smtClean="0">
+            <a:pPr marL="432000" lvl="1" algn="just">
+              <a:spcBef>
+                <a:spcPts val="0"/>
+              </a:spcBef>
+              <a:spcAft>
+                <a:spcPts val="0"/>
+              </a:spcAft>
+            </a:pPr>
+            <a:r>
+              <a:rPr lang="es-ES" sz="2100" dirty="0">
                 <a:solidFill>
                   <a:schemeClr val="tx1"/>
                 </a:solidFill>
               </a:rPr>
-              <a:t>2.2 </a:t>
-            </a:r>
-            <a:r>
-              <a:rPr lang="en-US" sz="2100" b="1" dirty="0" err="1" smtClean="0">
+              <a:t>	</a:t>
+            </a:r>
+            <a:r>
+              <a:rPr lang="es-ES" sz="1400" dirty="0" smtClean="0">
                 <a:solidFill>
                   <a:schemeClr val="tx1"/>
                 </a:solidFill>
               </a:rPr>
-              <a:t>Pronósticos</a:t>
-            </a:r>
-            <a:r>
-              <a:rPr lang="en-US" sz="2100" b="1" dirty="0" smtClean="0">
+              <a:t>a)</a:t>
+            </a:r>
+            <a:r>
+              <a:rPr lang="es-ES" sz="2100" dirty="0" smtClean="0">
                 <a:solidFill>
                   <a:schemeClr val="tx1"/>
                 </a:solidFill>
@@ -15147,61 +15311,598 @@
               <a:t> </a:t>
             </a:r>
             <a:r>
-              <a:rPr lang="en-US" sz="2100" b="1" dirty="0" err="1" smtClean="0">
+              <a:rPr lang="es-PY" sz="1400" dirty="0" smtClean="0">
                 <a:solidFill>
                   <a:schemeClr val="tx1"/>
                 </a:solidFill>
               </a:rPr>
-              <a:t>causales</a:t>
-            </a:r>
-            <a:endParaRPr lang="en-US" sz="2100" b="1" dirty="0" smtClean="0">
+              <a:t>Base </a:t>
+            </a:r>
+            <a:r>
+              <a:rPr lang="es-PY" sz="1400" dirty="0">
+                <a:solidFill>
+                  <a:schemeClr val="tx1"/>
+                </a:solidFill>
+              </a:rPr>
+              <a:t>de datos relacional </a:t>
+            </a:r>
+            <a:r>
+              <a:rPr lang="es-PY" sz="1400" dirty="0" smtClean="0">
+                <a:solidFill>
+                  <a:schemeClr val="tx1"/>
+                </a:solidFill>
+              </a:rPr>
+              <a:t>Oracle.</a:t>
+            </a:r>
+          </a:p>
+          <a:p>
+            <a:pPr marL="432000" lvl="1" algn="just">
+              <a:spcBef>
+                <a:spcPts val="0"/>
+              </a:spcBef>
+              <a:spcAft>
+                <a:spcPts val="0"/>
+              </a:spcAft>
+            </a:pPr>
+            <a:r>
+              <a:rPr lang="es-PY" sz="1400" dirty="0">
+                <a:solidFill>
+                  <a:schemeClr val="tx1"/>
+                </a:solidFill>
+              </a:rPr>
+              <a:t>	</a:t>
+            </a:r>
+            <a:r>
+              <a:rPr lang="es-ES" sz="1400" dirty="0">
+                <a:solidFill>
+                  <a:schemeClr val="tx1"/>
+                </a:solidFill>
+              </a:rPr>
+              <a:t>b)</a:t>
+            </a:r>
+            <a:r>
+              <a:rPr lang="es-ES" sz="1400" dirty="0" smtClean="0">
+                <a:solidFill>
+                  <a:schemeClr val="tx1"/>
+                </a:solidFill>
+              </a:rPr>
+              <a:t> </a:t>
+            </a:r>
+            <a:r>
+              <a:rPr lang="es-PY" sz="1400" dirty="0" smtClean="0">
+                <a:solidFill>
+                  <a:schemeClr val="tx1"/>
+                </a:solidFill>
+              </a:rPr>
+              <a:t>Empresa RETAIL (ventas minorista) de </a:t>
+            </a:r>
+            <a:r>
+              <a:rPr lang="es-PY" sz="1400" dirty="0">
+                <a:solidFill>
+                  <a:schemeClr val="tx1"/>
+                </a:solidFill>
+              </a:rPr>
+              <a:t>productos alimenticios y artículos de </a:t>
+            </a:r>
+            <a:r>
+              <a:rPr lang="es-PY" sz="1400" dirty="0" smtClean="0">
+                <a:solidFill>
+                  <a:schemeClr val="tx1"/>
+                </a:solidFill>
+              </a:rPr>
+              <a:t>limpieza: </a:t>
+            </a:r>
+            <a:r>
+              <a:rPr lang="es-PY" sz="1400" dirty="0">
+                <a:solidFill>
+                  <a:schemeClr val="tx1"/>
+                </a:solidFill>
+              </a:rPr>
+              <a:t>acondicionadores, cuidado corporal, desodorantes, limpiadores, salud e higiene, salud y belleza, bebidas, enlatados, lácteos y varias líneas de productos más. </a:t>
+            </a:r>
+            <a:endParaRPr lang="es-PY" sz="1400" dirty="0" smtClean="0">
               <a:solidFill>
                 <a:schemeClr val="tx1"/>
               </a:solidFill>
             </a:endParaRPr>
           </a:p>
           <a:p>
-            <a:pPr lvl="1" algn="just"/>
-            <a:r>
-              <a:rPr lang="es-PY" sz="2100" dirty="0">
+            <a:pPr marL="432000" lvl="1" algn="just">
+              <a:spcBef>
+                <a:spcPts val="0"/>
+              </a:spcBef>
+              <a:spcAft>
+                <a:spcPts val="0"/>
+              </a:spcAft>
+            </a:pPr>
+            <a:r>
+              <a:rPr lang="es-PY" sz="1400" dirty="0">
                 <a:solidFill>
                   <a:schemeClr val="tx1"/>
                 </a:solidFill>
               </a:rPr>
-              <a:t>	2.2.1 </a:t>
-            </a:r>
-            <a:r>
-              <a:rPr lang="es-PY" sz="2100" dirty="0" smtClean="0">
+              <a:t>	</a:t>
+            </a:r>
+            <a:r>
+              <a:rPr lang="es-ES" sz="1400" dirty="0">
                 <a:solidFill>
                   <a:schemeClr val="tx1"/>
                 </a:solidFill>
               </a:rPr>
-              <a:t>Regresión </a:t>
-            </a:r>
-            <a:r>
-              <a:rPr lang="es-PY" sz="2100" dirty="0">
+              <a:t>c)</a:t>
+            </a:r>
+            <a:r>
+              <a:rPr lang="es-ES" sz="1400" dirty="0" smtClean="0">
                 <a:solidFill>
                   <a:schemeClr val="tx1"/>
                 </a:solidFill>
               </a:rPr>
-              <a:t>lineal</a:t>
-            </a:r>
-            <a:endParaRPr lang="en-US" sz="2100" dirty="0" smtClean="0">
+              <a:t> </a:t>
+            </a:r>
+            <a:r>
+              <a:rPr lang="es-PY" sz="1400" dirty="0" smtClean="0">
+                <a:solidFill>
+                  <a:schemeClr val="tx1"/>
+                </a:solidFill>
+              </a:rPr>
+              <a:t>Registro de </a:t>
+            </a:r>
+            <a:r>
+              <a:rPr lang="es-PY" sz="1400" dirty="0">
+                <a:solidFill>
+                  <a:schemeClr val="tx1"/>
+                </a:solidFill>
+              </a:rPr>
+              <a:t>operaciones en el periodo de </a:t>
+            </a:r>
+            <a:r>
+              <a:rPr lang="es-PY" sz="1400" b="1" dirty="0">
+                <a:solidFill>
+                  <a:schemeClr val="tx1"/>
+                </a:solidFill>
+              </a:rPr>
+              <a:t>NOV- 2013 </a:t>
+            </a:r>
+            <a:r>
+              <a:rPr lang="es-PY" sz="1400" b="1" dirty="0">
+                <a:solidFill>
+                  <a:schemeClr val="tx1"/>
+                </a:solidFill>
+              </a:rPr>
+              <a:t>a </a:t>
+            </a:r>
+            <a:r>
+              <a:rPr lang="es-PY" sz="1400" b="1" dirty="0">
+                <a:solidFill>
+                  <a:schemeClr val="tx1"/>
+                </a:solidFill>
+              </a:rPr>
+              <a:t>OCT-2016 </a:t>
+            </a:r>
+            <a:endParaRPr lang="es-ES" sz="1400" b="1" dirty="0">
               <a:solidFill>
                 <a:schemeClr val="tx1"/>
               </a:solidFill>
             </a:endParaRPr>
           </a:p>
           <a:p>
+            <a:pPr marL="252000" lvl="1" algn="just">
+              <a:spcBef>
+                <a:spcPts val="0"/>
+              </a:spcBef>
+              <a:spcAft>
+                <a:spcPts val="0"/>
+              </a:spcAft>
+            </a:pPr>
+            <a:r>
+              <a:rPr lang="es-ES" sz="1800" b="1" dirty="0">
+                <a:solidFill>
+                  <a:schemeClr val="tx1"/>
+                </a:solidFill>
+              </a:rPr>
+              <a:t>2. </a:t>
+            </a:r>
+            <a:r>
+              <a:rPr lang="es-PY" sz="1800" b="1" dirty="0">
+                <a:solidFill>
+                  <a:schemeClr val="tx1"/>
+                </a:solidFill>
+              </a:rPr>
+              <a:t>Proceso ETL: </a:t>
+            </a:r>
+            <a:r>
+              <a:rPr lang="es-PY" sz="1400" dirty="0" smtClean="0">
+                <a:solidFill>
+                  <a:schemeClr val="tx1"/>
+                </a:solidFill>
+              </a:rPr>
+              <a:t>Durante </a:t>
+            </a:r>
+            <a:r>
+              <a:rPr lang="es-PY" sz="1400" dirty="0">
+                <a:solidFill>
+                  <a:schemeClr val="tx1"/>
+                </a:solidFill>
+              </a:rPr>
+              <a:t>el proceso ETL se realizó </a:t>
+            </a:r>
+            <a:r>
+              <a:rPr lang="es-PY" sz="1400" dirty="0" smtClean="0">
+                <a:solidFill>
+                  <a:schemeClr val="tx1"/>
+                </a:solidFill>
+              </a:rPr>
+              <a:t>la extracción de los datos de la fuentes de origen, </a:t>
+            </a:r>
+            <a:r>
+              <a:rPr lang="es-PY" sz="1400" dirty="0">
+                <a:solidFill>
+                  <a:schemeClr val="tx1"/>
+                </a:solidFill>
+              </a:rPr>
+              <a:t>limpieza </a:t>
+            </a:r>
+            <a:r>
+              <a:rPr lang="es-PY" sz="1400" dirty="0" smtClean="0">
+                <a:solidFill>
+                  <a:schemeClr val="tx1"/>
+                </a:solidFill>
+              </a:rPr>
+              <a:t> y </a:t>
+            </a:r>
+            <a:r>
+              <a:rPr lang="es-PY" sz="1400" dirty="0">
+                <a:solidFill>
+                  <a:schemeClr val="tx1"/>
+                </a:solidFill>
+              </a:rPr>
+              <a:t>transformación de los datos </a:t>
+            </a:r>
+            <a:r>
+              <a:rPr lang="es-PY" sz="1400" dirty="0" smtClean="0">
+                <a:solidFill>
+                  <a:schemeClr val="tx1"/>
+                </a:solidFill>
+              </a:rPr>
+              <a:t>y el volcado a la fuente destino. </a:t>
+            </a:r>
+            <a:endParaRPr lang="es-ES" sz="1400" dirty="0">
+              <a:solidFill>
+                <a:schemeClr val="tx1"/>
+              </a:solidFill>
+            </a:endParaRPr>
+          </a:p>
+          <a:p>
+            <a:pPr marL="252000" lvl="1" algn="just">
+              <a:spcBef>
+                <a:spcPts val="0"/>
+              </a:spcBef>
+              <a:spcAft>
+                <a:spcPts val="0"/>
+              </a:spcAft>
+            </a:pPr>
+            <a:r>
+              <a:rPr lang="es-ES" sz="1800" b="1" dirty="0">
+                <a:solidFill>
+                  <a:schemeClr val="tx1"/>
+                </a:solidFill>
+              </a:rPr>
+              <a:t>3.</a:t>
+            </a:r>
+            <a:r>
+              <a:rPr lang="es-PY" sz="1800" b="1" dirty="0">
+                <a:solidFill>
+                  <a:schemeClr val="tx1"/>
+                </a:solidFill>
+              </a:rPr>
+              <a:t> </a:t>
+            </a:r>
+            <a:r>
+              <a:rPr lang="es-PY" sz="1800" b="1" dirty="0" err="1" smtClean="0">
+                <a:solidFill>
+                  <a:schemeClr val="tx1"/>
+                </a:solidFill>
+              </a:rPr>
+              <a:t>Datawarehouse</a:t>
+            </a:r>
+            <a:r>
+              <a:rPr lang="es-PY" sz="1800" b="1" dirty="0" smtClean="0">
+                <a:solidFill>
+                  <a:schemeClr val="tx1"/>
+                </a:solidFill>
+              </a:rPr>
+              <a:t>:</a:t>
+            </a:r>
+            <a:r>
+              <a:rPr lang="es-PY" sz="1400" dirty="0">
+                <a:solidFill>
+                  <a:schemeClr val="tx1"/>
+                </a:solidFill>
+              </a:rPr>
+              <a:t> </a:t>
+            </a:r>
+            <a:r>
+              <a:rPr lang="es-PY" sz="1400" dirty="0" smtClean="0">
+                <a:solidFill>
+                  <a:schemeClr val="tx1"/>
+                </a:solidFill>
+              </a:rPr>
+              <a:t>se utiliza el modelado </a:t>
+            </a:r>
+            <a:r>
+              <a:rPr lang="es-PY" sz="1400" dirty="0">
+                <a:solidFill>
+                  <a:schemeClr val="tx1"/>
+                </a:solidFill>
+              </a:rPr>
+              <a:t>dimensional</a:t>
+            </a:r>
+          </a:p>
+          <a:p>
+            <a:pPr marL="432000" lvl="1" algn="just">
+              <a:spcBef>
+                <a:spcPts val="0"/>
+              </a:spcBef>
+              <a:spcAft>
+                <a:spcPts val="0"/>
+              </a:spcAft>
+            </a:pPr>
+            <a:r>
+              <a:rPr lang="es-PY" dirty="0">
+                <a:solidFill>
+                  <a:schemeClr val="tx1"/>
+                </a:solidFill>
+              </a:rPr>
+              <a:t>	</a:t>
+            </a:r>
+            <a:r>
+              <a:rPr lang="es-PY" sz="1600" dirty="0" smtClean="0">
+                <a:solidFill>
+                  <a:schemeClr val="tx1"/>
+                </a:solidFill>
+              </a:rPr>
+              <a:t>3.1 Tablas de hechos:</a:t>
+            </a:r>
+            <a:r>
+              <a:rPr lang="es-PY" dirty="0" smtClean="0">
+                <a:solidFill>
+                  <a:schemeClr val="tx1"/>
+                </a:solidFill>
+              </a:rPr>
+              <a:t> </a:t>
+            </a:r>
+            <a:r>
+              <a:rPr lang="es-PY" sz="1400" dirty="0">
+                <a:solidFill>
+                  <a:schemeClr val="tx1"/>
+                </a:solidFill>
+              </a:rPr>
+              <a:t>Cabecera, Detalles y </a:t>
+            </a:r>
+            <a:r>
+              <a:rPr lang="es-PY" sz="1400" dirty="0" smtClean="0">
+                <a:solidFill>
+                  <a:schemeClr val="tx1"/>
+                </a:solidFill>
+              </a:rPr>
+              <a:t>Stock</a:t>
+            </a:r>
+            <a:r>
+              <a:rPr lang="es-PY" sz="1400" dirty="0">
+                <a:solidFill>
+                  <a:schemeClr val="tx1"/>
+                </a:solidFill>
+              </a:rPr>
+              <a:t>.</a:t>
+            </a:r>
+            <a:endParaRPr lang="es-PY" sz="1400" dirty="0">
+              <a:solidFill>
+                <a:schemeClr val="tx1"/>
+              </a:solidFill>
+            </a:endParaRPr>
+          </a:p>
+          <a:p>
+            <a:pPr marL="432000" lvl="1" algn="just">
+              <a:spcBef>
+                <a:spcPts val="0"/>
+              </a:spcBef>
+              <a:spcAft>
+                <a:spcPts val="0"/>
+              </a:spcAft>
+            </a:pPr>
+            <a:r>
+              <a:rPr lang="es-PY" dirty="0">
+                <a:solidFill>
+                  <a:schemeClr val="tx1"/>
+                </a:solidFill>
+              </a:rPr>
+              <a:t>	</a:t>
+            </a:r>
+            <a:r>
+              <a:rPr lang="es-PY" sz="1600" dirty="0" smtClean="0">
+                <a:solidFill>
+                  <a:schemeClr val="tx1"/>
+                </a:solidFill>
+              </a:rPr>
+              <a:t>3.2 </a:t>
+            </a:r>
+            <a:r>
+              <a:rPr lang="es-PY" sz="1600" dirty="0">
+                <a:solidFill>
+                  <a:schemeClr val="tx1"/>
+                </a:solidFill>
+              </a:rPr>
+              <a:t>Dimensiones: </a:t>
+            </a:r>
+            <a:r>
+              <a:rPr lang="es-PY" sz="1400" dirty="0">
+                <a:solidFill>
+                  <a:schemeClr val="tx1"/>
+                </a:solidFill>
+              </a:rPr>
+              <a:t>Fecha, Productos, Proveedores, Clientes, Cajas.</a:t>
+            </a:r>
+            <a:endParaRPr lang="es-ES" sz="1400" dirty="0">
+              <a:solidFill>
+                <a:schemeClr val="tx1"/>
+              </a:solidFill>
+            </a:endParaRPr>
+          </a:p>
+          <a:p>
             <a:pPr lvl="1" algn="just"/>
-            <a:r>
-              <a:rPr lang="en-US" b="1" dirty="0" smtClean="0"/>
-              <a:t>  </a:t>
-            </a:r>
             <a:endParaRPr lang="es-PY" dirty="0"/>
           </a:p>
         </p:txBody>
       </p:sp>
+      <p:sp>
+        <p:nvSpPr>
+          <p:cNvPr id="5" name="1 Título"/>
+          <p:cNvSpPr txBox="1">
+            <a:spLocks/>
+          </p:cNvSpPr>
+          <p:nvPr/>
+        </p:nvSpPr>
+        <p:spPr>
+          <a:xfrm>
+            <a:off x="2339752" y="273968"/>
+            <a:ext cx="6285384" cy="850776"/>
+          </a:xfrm>
+          <a:prstGeom prst="rect">
+            <a:avLst/>
+          </a:prstGeom>
+          <a:effectLst/>
+        </p:spPr>
+        <p:txBody>
+          <a:bodyPr vert="horz" lIns="91440" tIns="45720" rIns="91440" bIns="45720" rtlCol="0" anchor="b">
+            <a:normAutofit lnSpcReduction="10000"/>
+          </a:bodyPr>
+          <a:lstStyle>
+            <a:lvl1pPr algn="r" defTabSz="457200" rtl="0" eaLnBrk="1" latinLnBrk="0" hangingPunct="1">
+              <a:spcBef>
+                <a:spcPct val="0"/>
+              </a:spcBef>
+              <a:buNone/>
+              <a:defRPr sz="5400" kern="1200" cap="none">
+                <a:ln w="3175" cmpd="sng">
+                  <a:noFill/>
+                </a:ln>
+                <a:solidFill>
+                  <a:schemeClr val="tx1"/>
+                </a:solidFill>
+                <a:effectLst/>
+                <a:latin typeface="+mj-lt"/>
+                <a:ea typeface="+mj-ea"/>
+                <a:cs typeface="+mj-cs"/>
+              </a:defRPr>
+            </a:lvl1pPr>
+            <a:lvl2pPr eaLnBrk="1" hangingPunct="1">
+              <a:defRPr>
+                <a:solidFill>
+                  <a:schemeClr val="tx2"/>
+                </a:solidFill>
+              </a:defRPr>
+            </a:lvl2pPr>
+            <a:lvl3pPr eaLnBrk="1" hangingPunct="1">
+              <a:defRPr>
+                <a:solidFill>
+                  <a:schemeClr val="tx2"/>
+                </a:solidFill>
+              </a:defRPr>
+            </a:lvl3pPr>
+            <a:lvl4pPr eaLnBrk="1" hangingPunct="1">
+              <a:defRPr>
+                <a:solidFill>
+                  <a:schemeClr val="tx2"/>
+                </a:solidFill>
+              </a:defRPr>
+            </a:lvl4pPr>
+            <a:lvl5pPr eaLnBrk="1" hangingPunct="1">
+              <a:defRPr>
+                <a:solidFill>
+                  <a:schemeClr val="tx2"/>
+                </a:solidFill>
+              </a:defRPr>
+            </a:lvl5pPr>
+            <a:lvl6pPr eaLnBrk="1" hangingPunct="1">
+              <a:defRPr>
+                <a:solidFill>
+                  <a:schemeClr val="tx2"/>
+                </a:solidFill>
+              </a:defRPr>
+            </a:lvl6pPr>
+            <a:lvl7pPr eaLnBrk="1" hangingPunct="1">
+              <a:defRPr>
+                <a:solidFill>
+                  <a:schemeClr val="tx2"/>
+                </a:solidFill>
+              </a:defRPr>
+            </a:lvl7pPr>
+            <a:lvl8pPr eaLnBrk="1" hangingPunct="1">
+              <a:defRPr>
+                <a:solidFill>
+                  <a:schemeClr val="tx2"/>
+                </a:solidFill>
+              </a:defRPr>
+            </a:lvl8pPr>
+            <a:lvl9pPr eaLnBrk="1" hangingPunct="1">
+              <a:defRPr>
+                <a:solidFill>
+                  <a:schemeClr val="tx2"/>
+                </a:solidFill>
+              </a:defRPr>
+            </a:lvl9pPr>
+          </a:lstStyle>
+          <a:p>
+            <a:r>
+              <a:rPr lang="es-ES" sz="5200" b="1" dirty="0"/>
+              <a:t>Business </a:t>
+            </a:r>
+            <a:r>
+              <a:rPr lang="es-ES" sz="5200" b="1" dirty="0" err="1"/>
+              <a:t>Intelligence</a:t>
+            </a:r>
+            <a:r>
+              <a:rPr lang="es-ES" sz="5200" b="1" dirty="0"/>
+              <a:t> </a:t>
+            </a:r>
+            <a:r>
+              <a:rPr lang="es-PY" sz="5200" dirty="0" smtClean="0"/>
+              <a:t> </a:t>
+            </a:r>
+            <a:endParaRPr lang="es-PY" sz="5200" dirty="0"/>
+          </a:p>
+        </p:txBody>
+      </p:sp>
+      <p:pic>
+        <p:nvPicPr>
+          <p:cNvPr id="3" name="Imagen 2"/>
+          <p:cNvPicPr>
+            <a:picLocks noChangeAspect="1"/>
+          </p:cNvPicPr>
+          <p:nvPr/>
+        </p:nvPicPr>
+        <p:blipFill>
+          <a:blip r:embed="rId2" cstate="print">
+            <a:extLst>
+              <a:ext uri="{28A0092B-C50C-407E-A947-70E740481C1C}">
+                <a14:useLocalDpi xmlns:a14="http://schemas.microsoft.com/office/drawing/2010/main" val="0"/>
+              </a:ext>
+            </a:extLst>
+          </a:blip>
+          <a:stretch>
+            <a:fillRect/>
+          </a:stretch>
+        </p:blipFill>
+        <p:spPr>
+          <a:xfrm>
+            <a:off x="5220072" y="3861048"/>
+            <a:ext cx="3851920" cy="2852936"/>
+          </a:xfrm>
+          <a:prstGeom prst="rect">
+            <a:avLst/>
+          </a:prstGeom>
+        </p:spPr>
+      </p:pic>
     </p:spTree>
     <p:extLst>
       <p:ext uri="{BB962C8B-B14F-4D97-AF65-F5344CB8AC3E}">
@@ -15265,125 +15966,6 @@
       </p:sp>
       <p:sp>
         <p:nvSpPr>
-          <p:cNvPr id="8" name="1 Título"/>
-          <p:cNvSpPr txBox="1">
-            <a:spLocks/>
-          </p:cNvSpPr>
-          <p:nvPr/>
-        </p:nvSpPr>
-        <p:spPr>
-          <a:xfrm>
-            <a:off x="971600" y="548680"/>
-            <a:ext cx="7797552" cy="1066800"/>
-          </a:xfrm>
-          <a:prstGeom prst="rect">
-            <a:avLst/>
-          </a:prstGeom>
-          <a:effectLst/>
-        </p:spPr>
-        <p:txBody>
-          <a:bodyPr vert="horz" lIns="91440" tIns="45720" rIns="91440" bIns="45720" rtlCol="0" anchor="b">
-            <a:normAutofit/>
-          </a:bodyPr>
-          <a:lstStyle>
-            <a:lvl1pPr algn="r" defTabSz="457200" rtl="0" eaLnBrk="1" latinLnBrk="0" hangingPunct="1">
-              <a:spcBef>
-                <a:spcPct val="0"/>
-              </a:spcBef>
-              <a:buNone/>
-              <a:defRPr sz="5400" kern="1200" cap="none">
-                <a:ln w="3175" cmpd="sng">
-                  <a:noFill/>
-                </a:ln>
-                <a:solidFill>
-                  <a:schemeClr val="tx1"/>
-                </a:solidFill>
-                <a:effectLst/>
-                <a:latin typeface="+mj-lt"/>
-                <a:ea typeface="+mj-ea"/>
-                <a:cs typeface="+mj-cs"/>
-              </a:defRPr>
-            </a:lvl1pPr>
-            <a:lvl2pPr eaLnBrk="1" hangingPunct="1">
-              <a:defRPr>
-                <a:solidFill>
-                  <a:schemeClr val="tx2"/>
-                </a:solidFill>
-              </a:defRPr>
-            </a:lvl2pPr>
-            <a:lvl3pPr eaLnBrk="1" hangingPunct="1">
-              <a:defRPr>
-                <a:solidFill>
-                  <a:schemeClr val="tx2"/>
-                </a:solidFill>
-              </a:defRPr>
-            </a:lvl3pPr>
-            <a:lvl4pPr eaLnBrk="1" hangingPunct="1">
-              <a:defRPr>
-                <a:solidFill>
-                  <a:schemeClr val="tx2"/>
-                </a:solidFill>
-              </a:defRPr>
-            </a:lvl4pPr>
-            <a:lvl5pPr eaLnBrk="1" hangingPunct="1">
-              <a:defRPr>
-                <a:solidFill>
-                  <a:schemeClr val="tx2"/>
-                </a:solidFill>
-              </a:defRPr>
-            </a:lvl5pPr>
-            <a:lvl6pPr eaLnBrk="1" hangingPunct="1">
-              <a:defRPr>
-                <a:solidFill>
-                  <a:schemeClr val="tx2"/>
-                </a:solidFill>
-              </a:defRPr>
-            </a:lvl6pPr>
-            <a:lvl7pPr eaLnBrk="1" hangingPunct="1">
-              <a:defRPr>
-                <a:solidFill>
-                  <a:schemeClr val="tx2"/>
-                </a:solidFill>
-              </a:defRPr>
-            </a:lvl7pPr>
-            <a:lvl8pPr eaLnBrk="1" hangingPunct="1">
-              <a:defRPr>
-                <a:solidFill>
-                  <a:schemeClr val="tx2"/>
-                </a:solidFill>
-              </a:defRPr>
-            </a:lvl8pPr>
-            <a:lvl9pPr eaLnBrk="1" hangingPunct="1">
-              <a:defRPr>
-                <a:solidFill>
-                  <a:schemeClr val="tx2"/>
-                </a:solidFill>
-              </a:defRPr>
-            </a:lvl9pPr>
-          </a:lstStyle>
-          <a:p>
-            <a:r>
-              <a:rPr lang="es-ES" b="1" dirty="0"/>
-              <a:t>Business </a:t>
-            </a:r>
-            <a:r>
-              <a:rPr lang="es-ES" b="1" dirty="0" err="1"/>
-              <a:t>Intelligence</a:t>
-            </a:r>
-            <a:r>
-              <a:rPr lang="es-ES" b="1" dirty="0"/>
-              <a:t> </a:t>
-            </a:r>
-            <a:r>
-              <a:rPr lang="es-PY" dirty="0" smtClean="0"/>
-              <a:t> </a:t>
-            </a:r>
-            <a:endParaRPr lang="es-PY" dirty="0"/>
-          </a:p>
-        </p:txBody>
-      </p:sp>
-      <p:sp>
-        <p:nvSpPr>
           <p:cNvPr id="9" name="2 Marcador de contenido"/>
           <p:cNvSpPr txBox="1">
             <a:spLocks/>
@@ -15392,7 +15974,7 @@
         </p:nvSpPr>
         <p:spPr>
           <a:xfrm>
-            <a:off x="808669" y="1772816"/>
+            <a:off x="808669" y="1124744"/>
             <a:ext cx="7450298" cy="5491323"/>
           </a:xfrm>
           <a:prstGeom prst="rect">
@@ -15401,7 +15983,7 @@
         </p:spPr>
         <p:txBody>
           <a:bodyPr vert="horz" lIns="91440" tIns="45720" rIns="91440" bIns="45720" rtlCol="0" anchor="t">
-            <a:normAutofit fontScale="77500" lnSpcReduction="20000"/>
+            <a:normAutofit/>
           </a:bodyPr>
           <a:lstStyle>
             <a:lvl1pPr marL="0" indent="0" algn="r" defTabSz="457200" rtl="0" eaLnBrk="1" latinLnBrk="0" hangingPunct="1">
@@ -15647,406 +16229,416 @@
             </a:lvl9pPr>
           </a:lstStyle>
           <a:p>
+            <a:pPr algn="just"/>
+            <a:r>
+              <a:rPr lang="en-US" sz="2100" b="1" dirty="0" err="1"/>
+              <a:t>Indicadores</a:t>
+            </a:r>
+            <a:r>
+              <a:rPr lang="en-US" sz="2100" b="1" dirty="0"/>
+              <a:t> Claves de </a:t>
+            </a:r>
+            <a:r>
+              <a:rPr lang="en-US" sz="2100" b="1" dirty="0" err="1" smtClean="0"/>
+              <a:t>Rendimiento</a:t>
+            </a:r>
+            <a:endParaRPr lang="en-US" sz="2100" b="1" dirty="0" smtClean="0"/>
+          </a:p>
+          <a:p>
+            <a:pPr algn="just"/>
+            <a:r>
+              <a:rPr lang="es-PY" sz="1900" dirty="0" smtClean="0">
+                <a:solidFill>
+                  <a:schemeClr val="tx1"/>
+                </a:solidFill>
+              </a:rPr>
+              <a:t>Los </a:t>
+            </a:r>
+            <a:r>
+              <a:rPr lang="es-PY" sz="1900" dirty="0">
+                <a:solidFill>
+                  <a:schemeClr val="tx1"/>
+                </a:solidFill>
+              </a:rPr>
+              <a:t>KPI (Key Performance </a:t>
+            </a:r>
+            <a:r>
+              <a:rPr lang="es-PY" sz="1900" dirty="0" err="1">
+                <a:solidFill>
+                  <a:schemeClr val="tx1"/>
+                </a:solidFill>
+              </a:rPr>
+              <a:t>Indicators</a:t>
+            </a:r>
+            <a:r>
+              <a:rPr lang="es-PY" sz="1900" dirty="0">
+                <a:solidFill>
+                  <a:schemeClr val="tx1"/>
+                </a:solidFill>
+              </a:rPr>
+              <a:t>) o Indicadores Clave de Rendimiento se tratan de indicadores que son decisivos para analizar de forma rápida la situación del negocio y que también facilitan la toma de </a:t>
+            </a:r>
+            <a:r>
+              <a:rPr lang="es-PY" sz="1900" dirty="0" smtClean="0">
+                <a:solidFill>
+                  <a:schemeClr val="tx1"/>
+                </a:solidFill>
+              </a:rPr>
+              <a:t>decisiones</a:t>
+            </a:r>
+            <a:endParaRPr lang="es-PY" dirty="0"/>
+          </a:p>
+          <a:p>
+            <a:pPr algn="just"/>
+            <a:r>
+              <a:rPr lang="es-PY" sz="2100" b="1" dirty="0"/>
+              <a:t>KPI </a:t>
+            </a:r>
+            <a:r>
+              <a:rPr lang="es-PY" sz="2100" b="1" dirty="0" smtClean="0"/>
+              <a:t>Propuestos en el modelado.</a:t>
+            </a:r>
+          </a:p>
+          <a:p>
             <a:pPr marL="342900" indent="-342900" algn="just">
               <a:buAutoNum type="arabicPeriod"/>
             </a:pPr>
             <a:r>
-              <a:rPr lang="en-US" sz="2100" b="1" dirty="0" err="1" smtClean="0"/>
-              <a:t>Métodos</a:t>
-            </a:r>
-            <a:r>
-              <a:rPr lang="en-US" sz="2100" b="1" dirty="0" smtClean="0"/>
-              <a:t> </a:t>
-            </a:r>
-            <a:r>
-              <a:rPr lang="en-US" sz="2100" b="1" dirty="0"/>
-              <a:t>de </a:t>
-            </a:r>
-            <a:r>
-              <a:rPr lang="en-US" sz="2100" b="1" dirty="0" err="1"/>
-              <a:t>pronósticos</a:t>
-            </a:r>
-            <a:r>
-              <a:rPr lang="en-US" sz="2100" b="1" dirty="0"/>
-              <a:t> </a:t>
-            </a:r>
-            <a:r>
-              <a:rPr lang="en-US" sz="2100" b="1" dirty="0" err="1" smtClean="0"/>
-              <a:t>cualitativos</a:t>
-            </a:r>
-            <a:endParaRPr lang="en-US" sz="2100" b="1" dirty="0" smtClean="0"/>
-          </a:p>
-          <a:p>
-            <a:pPr lvl="1" algn="just"/>
-            <a:r>
-              <a:rPr lang="es-PY" sz="2100" dirty="0">
-                <a:solidFill>
-                  <a:schemeClr val="tx1"/>
-                </a:solidFill>
-              </a:rPr>
-              <a:t>1.1 Opinión del </a:t>
-            </a:r>
-            <a:r>
-              <a:rPr lang="es-PY" sz="2100" dirty="0" smtClean="0">
-                <a:solidFill>
-                  <a:schemeClr val="tx1"/>
-                </a:solidFill>
-              </a:rPr>
-              <a:t>Gerente</a:t>
-            </a:r>
-          </a:p>
-          <a:p>
-            <a:pPr lvl="1" algn="just"/>
-            <a:r>
-              <a:rPr lang="es-PY" sz="2100" dirty="0">
-                <a:solidFill>
-                  <a:schemeClr val="tx1"/>
-                </a:solidFill>
-              </a:rPr>
-              <a:t>1.2 Junta de opinión </a:t>
-            </a:r>
-            <a:r>
-              <a:rPr lang="es-PY" sz="2100" dirty="0" smtClean="0">
-                <a:solidFill>
-                  <a:schemeClr val="tx1"/>
-                </a:solidFill>
-              </a:rPr>
-              <a:t>ejecutiva</a:t>
-            </a:r>
-          </a:p>
-          <a:p>
-            <a:pPr lvl="1" algn="just"/>
-            <a:r>
-              <a:rPr lang="es-PY" sz="2100" dirty="0" smtClean="0">
-                <a:solidFill>
-                  <a:schemeClr val="tx1"/>
-                </a:solidFill>
-              </a:rPr>
-              <a:t>1.3 </a:t>
-            </a:r>
-            <a:r>
-              <a:rPr lang="es-ES" sz="2100" dirty="0">
-                <a:solidFill>
-                  <a:schemeClr val="tx1"/>
-                </a:solidFill>
-              </a:rPr>
-              <a:t>Consulta a la fuerza de </a:t>
-            </a:r>
-            <a:r>
-              <a:rPr lang="es-ES" sz="2100" dirty="0" smtClean="0">
-                <a:solidFill>
-                  <a:schemeClr val="tx1"/>
-                </a:solidFill>
-              </a:rPr>
-              <a:t>ventas</a:t>
-            </a:r>
-          </a:p>
-          <a:p>
-            <a:pPr lvl="1" algn="just"/>
-            <a:r>
-              <a:rPr lang="es-ES" sz="2100" dirty="0">
-                <a:solidFill>
-                  <a:schemeClr val="tx1"/>
-                </a:solidFill>
-              </a:rPr>
-              <a:t>1.4 Encuesta en el mercado de </a:t>
-            </a:r>
-            <a:r>
-              <a:rPr lang="es-ES" sz="2100" dirty="0" smtClean="0">
-                <a:solidFill>
-                  <a:schemeClr val="tx1"/>
-                </a:solidFill>
-              </a:rPr>
-              <a:t>consumo</a:t>
-            </a:r>
-          </a:p>
-          <a:p>
-            <a:pPr lvl="1" algn="just"/>
-            <a:r>
-              <a:rPr lang="es-ES" sz="2100" dirty="0">
-                <a:solidFill>
-                  <a:schemeClr val="tx1"/>
-                </a:solidFill>
-              </a:rPr>
-              <a:t>1.5 Método Delphi</a:t>
-            </a:r>
-            <a:endParaRPr lang="en-US" sz="2100" dirty="0" smtClean="0">
-              <a:solidFill>
-                <a:schemeClr val="tx1"/>
-              </a:solidFill>
-            </a:endParaRPr>
+              <a:rPr lang="es-PY" sz="1600" b="1" dirty="0" smtClean="0"/>
+              <a:t>Ticket Medio: </a:t>
+            </a:r>
           </a:p>
           <a:p>
             <a:pPr marL="342900" indent="-342900" algn="just">
               <a:buAutoNum type="arabicPeriod"/>
             </a:pPr>
             <a:r>
-              <a:rPr lang="en-US" sz="2100" b="1" dirty="0" err="1" smtClean="0"/>
-              <a:t>Métodos</a:t>
-            </a:r>
-            <a:r>
-              <a:rPr lang="en-US" sz="2100" b="1" dirty="0" smtClean="0"/>
-              <a:t> </a:t>
-            </a:r>
-            <a:r>
-              <a:rPr lang="en-US" sz="2100" b="1" dirty="0"/>
-              <a:t>de </a:t>
-            </a:r>
-            <a:r>
-              <a:rPr lang="en-US" sz="2100" b="1" dirty="0" err="1"/>
-              <a:t>pronósticos</a:t>
-            </a:r>
-            <a:r>
-              <a:rPr lang="en-US" sz="2100" b="1" dirty="0"/>
-              <a:t> </a:t>
-            </a:r>
-            <a:r>
-              <a:rPr lang="en-US" sz="2100" b="1" dirty="0" err="1" smtClean="0"/>
-              <a:t>cuantitativos</a:t>
-            </a:r>
-            <a:endParaRPr lang="en-US" sz="2100" b="1" dirty="0"/>
-          </a:p>
-          <a:p>
-            <a:pPr lvl="1" algn="just"/>
-            <a:r>
-              <a:rPr lang="en-US" sz="2100" b="1" dirty="0" smtClean="0">
-                <a:solidFill>
-                  <a:schemeClr val="tx1"/>
-                </a:solidFill>
-              </a:rPr>
-              <a:t>2.1 </a:t>
-            </a:r>
-            <a:r>
-              <a:rPr lang="es-ES" sz="2100" b="1" dirty="0" smtClean="0">
-                <a:solidFill>
-                  <a:schemeClr val="tx1"/>
-                </a:solidFill>
-              </a:rPr>
-              <a:t>Métodos </a:t>
-            </a:r>
-            <a:r>
-              <a:rPr lang="es-ES" sz="2100" b="1" dirty="0">
-                <a:solidFill>
-                  <a:schemeClr val="tx1"/>
-                </a:solidFill>
-              </a:rPr>
-              <a:t>de series de </a:t>
-            </a:r>
-            <a:r>
-              <a:rPr lang="es-ES" sz="2100" b="1" dirty="0" smtClean="0">
-                <a:solidFill>
-                  <a:schemeClr val="tx1"/>
-                </a:solidFill>
-              </a:rPr>
-              <a:t>tiempo</a:t>
-            </a:r>
-          </a:p>
-          <a:p>
-            <a:pPr lvl="1" algn="just"/>
-            <a:r>
-              <a:rPr lang="es-ES" sz="2100" dirty="0">
-                <a:solidFill>
-                  <a:schemeClr val="tx1"/>
-                </a:solidFill>
-              </a:rPr>
-              <a:t>	2.1.1 El método de pronóstico del último </a:t>
-            </a:r>
-            <a:r>
-              <a:rPr lang="es-ES" sz="2100" dirty="0" smtClean="0">
-                <a:solidFill>
-                  <a:schemeClr val="tx1"/>
-                </a:solidFill>
-              </a:rPr>
-              <a:t>valor</a:t>
-            </a:r>
-          </a:p>
-          <a:p>
-            <a:pPr lvl="1" algn="just"/>
-            <a:r>
-              <a:rPr lang="es-ES" sz="2100" dirty="0">
-                <a:solidFill>
-                  <a:schemeClr val="tx1"/>
-                </a:solidFill>
-              </a:rPr>
-              <a:t>	2.1.2 El método de pronóstico por </a:t>
-            </a:r>
-            <a:r>
-              <a:rPr lang="es-ES" sz="2100" dirty="0" smtClean="0">
-                <a:solidFill>
-                  <a:schemeClr val="tx1"/>
-                </a:solidFill>
-              </a:rPr>
-              <a:t>promedios</a:t>
-            </a:r>
-          </a:p>
-          <a:p>
-            <a:pPr lvl="1" algn="just"/>
-            <a:r>
-              <a:rPr lang="es-ES" sz="2100" dirty="0">
-                <a:solidFill>
-                  <a:schemeClr val="tx1"/>
-                </a:solidFill>
-              </a:rPr>
-              <a:t>	2.1.3 El método de pronóstico de promedio </a:t>
-            </a:r>
-            <a:r>
-              <a:rPr lang="es-ES" sz="2100" dirty="0" smtClean="0">
-                <a:solidFill>
-                  <a:schemeClr val="tx1"/>
-                </a:solidFill>
-              </a:rPr>
-              <a:t>móvil</a:t>
-            </a:r>
-          </a:p>
-          <a:p>
-            <a:pPr lvl="1" algn="just"/>
-            <a:r>
-              <a:rPr lang="es-ES" sz="2100" dirty="0">
-                <a:solidFill>
-                  <a:schemeClr val="tx1"/>
-                </a:solidFill>
-              </a:rPr>
-              <a:t>	2.1.4 El método de pronóstico por </a:t>
-            </a:r>
-            <a:r>
-              <a:rPr lang="es-ES" sz="2100" dirty="0" err="1">
-                <a:solidFill>
-                  <a:schemeClr val="tx1"/>
-                </a:solidFill>
-              </a:rPr>
-              <a:t>suavizamiento</a:t>
-            </a:r>
-            <a:r>
-              <a:rPr lang="es-ES" sz="2100" dirty="0">
-                <a:solidFill>
-                  <a:schemeClr val="tx1"/>
-                </a:solidFill>
-              </a:rPr>
-              <a:t> </a:t>
-            </a:r>
-            <a:r>
-              <a:rPr lang="es-ES" sz="2100" dirty="0" smtClean="0">
-                <a:solidFill>
-                  <a:schemeClr val="tx1"/>
-                </a:solidFill>
-              </a:rPr>
-              <a:t>exponencial</a:t>
-            </a:r>
-          </a:p>
-          <a:p>
-            <a:pPr lvl="1" algn="just"/>
-            <a:r>
-              <a:rPr lang="es-ES" sz="2100" dirty="0">
-                <a:solidFill>
-                  <a:schemeClr val="tx1"/>
-                </a:solidFill>
-              </a:rPr>
-              <a:t>	2.1.5 El método de </a:t>
-            </a:r>
-            <a:r>
-              <a:rPr lang="es-ES" sz="2100" dirty="0" err="1">
-                <a:solidFill>
-                  <a:schemeClr val="tx1"/>
-                </a:solidFill>
-              </a:rPr>
-              <a:t>suavizamiento</a:t>
-            </a:r>
-            <a:r>
-              <a:rPr lang="es-ES" sz="2100" dirty="0">
-                <a:solidFill>
-                  <a:schemeClr val="tx1"/>
-                </a:solidFill>
-              </a:rPr>
-              <a:t> exponencial con tendencia</a:t>
-            </a:r>
-            <a:endParaRPr lang="es-ES" sz="2100" dirty="0" smtClean="0">
-              <a:solidFill>
-                <a:schemeClr val="tx1"/>
-              </a:solidFill>
-            </a:endParaRPr>
-          </a:p>
-          <a:p>
-            <a:pPr lvl="1" algn="just"/>
-            <a:r>
-              <a:rPr lang="es-ES" sz="2100" b="1" dirty="0" smtClean="0">
-                <a:solidFill>
-                  <a:schemeClr val="tx1"/>
-                </a:solidFill>
-              </a:rPr>
-              <a:t>2.2 </a:t>
-            </a:r>
-            <a:r>
-              <a:rPr lang="en-US" sz="2100" b="1" dirty="0" err="1" smtClean="0">
-                <a:solidFill>
-                  <a:schemeClr val="tx1"/>
-                </a:solidFill>
-              </a:rPr>
-              <a:t>Pronósticos</a:t>
-            </a:r>
-            <a:r>
-              <a:rPr lang="en-US" sz="2100" b="1" dirty="0" smtClean="0">
-                <a:solidFill>
-                  <a:schemeClr val="tx1"/>
-                </a:solidFill>
-              </a:rPr>
-              <a:t> </a:t>
-            </a:r>
-            <a:r>
-              <a:rPr lang="en-US" sz="2100" b="1" dirty="0" err="1" smtClean="0">
-                <a:solidFill>
-                  <a:schemeClr val="tx1"/>
-                </a:solidFill>
-              </a:rPr>
-              <a:t>causales</a:t>
-            </a:r>
-            <a:endParaRPr lang="en-US" sz="2100" b="1" dirty="0" smtClean="0">
-              <a:solidFill>
-                <a:schemeClr val="tx1"/>
-              </a:solidFill>
-            </a:endParaRPr>
-          </a:p>
-          <a:p>
-            <a:pPr lvl="1" algn="just"/>
-            <a:r>
-              <a:rPr lang="es-PY" sz="2100" dirty="0">
-                <a:solidFill>
-                  <a:schemeClr val="tx1"/>
-                </a:solidFill>
-              </a:rPr>
-              <a:t>	2.2.1 </a:t>
-            </a:r>
-            <a:r>
-              <a:rPr lang="es-PY" sz="2100" dirty="0" smtClean="0">
-                <a:solidFill>
-                  <a:schemeClr val="tx1"/>
-                </a:solidFill>
-              </a:rPr>
-              <a:t>Regresión </a:t>
-            </a:r>
-            <a:r>
-              <a:rPr lang="es-PY" sz="2100" dirty="0">
-                <a:solidFill>
-                  <a:schemeClr val="tx1"/>
-                </a:solidFill>
-              </a:rPr>
-              <a:t>lineal</a:t>
-            </a:r>
-            <a:endParaRPr lang="en-US" sz="2100" dirty="0" smtClean="0">
-              <a:solidFill>
-                <a:schemeClr val="tx1"/>
-              </a:solidFill>
-            </a:endParaRPr>
-          </a:p>
-          <a:p>
-            <a:pPr lvl="1" algn="just"/>
-            <a:r>
-              <a:rPr lang="en-US" b="1" dirty="0" smtClean="0"/>
-              <a:t>  </a:t>
-            </a:r>
-            <a:endParaRPr lang="es-PY" dirty="0"/>
+              <a:rPr lang="es-PY" sz="1600" b="1" dirty="0"/>
+              <a:t>Cifra de </a:t>
+            </a:r>
+            <a:r>
+              <a:rPr lang="es-PY" sz="1600" b="1" dirty="0" smtClean="0"/>
+              <a:t>Ventas: </a:t>
+            </a:r>
+          </a:p>
+          <a:p>
+            <a:pPr marL="342900" indent="-342900" algn="just">
+              <a:buAutoNum type="arabicPeriod"/>
+            </a:pPr>
+            <a:r>
+              <a:rPr lang="es-PY" sz="1600" b="1" dirty="0"/>
+              <a:t>Margen </a:t>
+            </a:r>
+            <a:r>
+              <a:rPr lang="es-PY" sz="1600" b="1" dirty="0" smtClean="0"/>
+              <a:t>Comercial: </a:t>
+            </a:r>
+          </a:p>
+          <a:p>
+            <a:pPr marL="342900" indent="-342900" algn="just">
+              <a:buAutoNum type="arabicPeriod"/>
+            </a:pPr>
+            <a:r>
+              <a:rPr lang="es-PY" sz="1600" b="1" dirty="0"/>
+              <a:t>Rotación de Stock </a:t>
+            </a:r>
+            <a:r>
+              <a:rPr lang="es-PY" sz="1600" b="1" dirty="0" smtClean="0"/>
+              <a:t>: </a:t>
+            </a:r>
+          </a:p>
+          <a:p>
+            <a:pPr marL="342900" indent="-342900" algn="just">
+              <a:buAutoNum type="arabicPeriod"/>
+            </a:pPr>
+            <a:r>
+              <a:rPr lang="es-PY" sz="1600" b="1" dirty="0"/>
+              <a:t>Coeficiente de </a:t>
+            </a:r>
+            <a:r>
+              <a:rPr lang="es-PY" sz="1600" b="1" dirty="0" smtClean="0"/>
+              <a:t>Rentabilidad: </a:t>
+            </a:r>
+          </a:p>
+          <a:p>
+            <a:pPr marL="342900" indent="-342900" algn="just">
+              <a:buAutoNum type="arabicPeriod"/>
+            </a:pPr>
+            <a:r>
+              <a:rPr lang="es-PY" sz="1600" b="1" dirty="0"/>
+              <a:t>Cobertura de Stock </a:t>
+            </a:r>
+            <a:r>
+              <a:rPr lang="es-PY" sz="1600" b="1" dirty="0" smtClean="0"/>
+              <a:t>: </a:t>
+            </a:r>
+            <a:endParaRPr lang="es-PY" sz="1600" dirty="0"/>
           </a:p>
         </p:txBody>
       </p:sp>
+      <p:sp>
+        <p:nvSpPr>
+          <p:cNvPr id="5" name="1 Título"/>
+          <p:cNvSpPr txBox="1">
+            <a:spLocks/>
+          </p:cNvSpPr>
+          <p:nvPr/>
+        </p:nvSpPr>
+        <p:spPr>
+          <a:xfrm>
+            <a:off x="2339752" y="273968"/>
+            <a:ext cx="6285384" cy="850776"/>
+          </a:xfrm>
+          <a:prstGeom prst="rect">
+            <a:avLst/>
+          </a:prstGeom>
+          <a:effectLst/>
+        </p:spPr>
+        <p:txBody>
+          <a:bodyPr vert="horz" lIns="91440" tIns="45720" rIns="91440" bIns="45720" rtlCol="0" anchor="b">
+            <a:normAutofit lnSpcReduction="10000"/>
+          </a:bodyPr>
+          <a:lstStyle>
+            <a:lvl1pPr algn="r" defTabSz="457200" rtl="0" eaLnBrk="1" latinLnBrk="0" hangingPunct="1">
+              <a:spcBef>
+                <a:spcPct val="0"/>
+              </a:spcBef>
+              <a:buNone/>
+              <a:defRPr sz="5400" kern="1200" cap="none">
+                <a:ln w="3175" cmpd="sng">
+                  <a:noFill/>
+                </a:ln>
+                <a:solidFill>
+                  <a:schemeClr val="tx1"/>
+                </a:solidFill>
+                <a:effectLst/>
+                <a:latin typeface="+mj-lt"/>
+                <a:ea typeface="+mj-ea"/>
+                <a:cs typeface="+mj-cs"/>
+              </a:defRPr>
+            </a:lvl1pPr>
+            <a:lvl2pPr eaLnBrk="1" hangingPunct="1">
+              <a:defRPr>
+                <a:solidFill>
+                  <a:schemeClr val="tx2"/>
+                </a:solidFill>
+              </a:defRPr>
+            </a:lvl2pPr>
+            <a:lvl3pPr eaLnBrk="1" hangingPunct="1">
+              <a:defRPr>
+                <a:solidFill>
+                  <a:schemeClr val="tx2"/>
+                </a:solidFill>
+              </a:defRPr>
+            </a:lvl3pPr>
+            <a:lvl4pPr eaLnBrk="1" hangingPunct="1">
+              <a:defRPr>
+                <a:solidFill>
+                  <a:schemeClr val="tx2"/>
+                </a:solidFill>
+              </a:defRPr>
+            </a:lvl4pPr>
+            <a:lvl5pPr eaLnBrk="1" hangingPunct="1">
+              <a:defRPr>
+                <a:solidFill>
+                  <a:schemeClr val="tx2"/>
+                </a:solidFill>
+              </a:defRPr>
+            </a:lvl5pPr>
+            <a:lvl6pPr eaLnBrk="1" hangingPunct="1">
+              <a:defRPr>
+                <a:solidFill>
+                  <a:schemeClr val="tx2"/>
+                </a:solidFill>
+              </a:defRPr>
+            </a:lvl6pPr>
+            <a:lvl7pPr eaLnBrk="1" hangingPunct="1">
+              <a:defRPr>
+                <a:solidFill>
+                  <a:schemeClr val="tx2"/>
+                </a:solidFill>
+              </a:defRPr>
+            </a:lvl7pPr>
+            <a:lvl8pPr eaLnBrk="1" hangingPunct="1">
+              <a:defRPr>
+                <a:solidFill>
+                  <a:schemeClr val="tx2"/>
+                </a:solidFill>
+              </a:defRPr>
+            </a:lvl8pPr>
+            <a:lvl9pPr eaLnBrk="1" hangingPunct="1">
+              <a:defRPr>
+                <a:solidFill>
+                  <a:schemeClr val="tx2"/>
+                </a:solidFill>
+              </a:defRPr>
+            </a:lvl9pPr>
+          </a:lstStyle>
+          <a:p>
+            <a:r>
+              <a:rPr lang="es-ES" sz="5200" b="1" dirty="0"/>
+              <a:t>Business </a:t>
+            </a:r>
+            <a:r>
+              <a:rPr lang="es-ES" sz="5200" b="1" dirty="0" err="1"/>
+              <a:t>Intelligence</a:t>
+            </a:r>
+            <a:r>
+              <a:rPr lang="es-ES" sz="5200" b="1" dirty="0"/>
+              <a:t> </a:t>
+            </a:r>
+            <a:r>
+              <a:rPr lang="es-PY" sz="5200" dirty="0" smtClean="0"/>
+              <a:t> </a:t>
+            </a:r>
+            <a:endParaRPr lang="es-PY" sz="5200" dirty="0"/>
+          </a:p>
+        </p:txBody>
+      </p:sp>
+      <p:pic>
+        <p:nvPicPr>
+          <p:cNvPr id="2" name="Imagen 1"/>
+          <p:cNvPicPr>
+            <a:picLocks noChangeAspect="1"/>
+          </p:cNvPicPr>
+          <p:nvPr/>
+        </p:nvPicPr>
+        <p:blipFill>
+          <a:blip r:embed="rId2"/>
+          <a:stretch>
+            <a:fillRect/>
+          </a:stretch>
+        </p:blipFill>
+        <p:spPr>
+          <a:xfrm>
+            <a:off x="2555776" y="3239046"/>
+            <a:ext cx="1224136" cy="333970"/>
+          </a:xfrm>
+          <a:prstGeom prst="rect">
+            <a:avLst/>
+          </a:prstGeom>
+        </p:spPr>
+      </p:pic>
+      <p:pic>
+        <p:nvPicPr>
+          <p:cNvPr id="3" name="Imagen 2"/>
+          <p:cNvPicPr>
+            <a:picLocks noChangeAspect="1"/>
+          </p:cNvPicPr>
+          <p:nvPr/>
+        </p:nvPicPr>
+        <p:blipFill>
+          <a:blip r:embed="rId3"/>
+          <a:stretch>
+            <a:fillRect/>
+          </a:stretch>
+        </p:blipFill>
+        <p:spPr>
+          <a:xfrm>
+            <a:off x="2699792" y="3645024"/>
+            <a:ext cx="1584176" cy="326147"/>
+          </a:xfrm>
+          <a:prstGeom prst="rect">
+            <a:avLst/>
+          </a:prstGeom>
+        </p:spPr>
+      </p:pic>
+      <p:pic>
+        <p:nvPicPr>
+          <p:cNvPr id="4" name="Imagen 3"/>
+          <p:cNvPicPr>
+            <a:picLocks noChangeAspect="1"/>
+          </p:cNvPicPr>
+          <p:nvPr/>
+        </p:nvPicPr>
+        <p:blipFill>
+          <a:blip r:embed="rId4"/>
+          <a:stretch>
+            <a:fillRect/>
+          </a:stretch>
+        </p:blipFill>
+        <p:spPr>
+          <a:xfrm>
+            <a:off x="3016337" y="4005064"/>
+            <a:ext cx="2126133" cy="340925"/>
+          </a:xfrm>
+          <a:prstGeom prst="rect">
+            <a:avLst/>
+          </a:prstGeom>
+        </p:spPr>
+      </p:pic>
+      <p:pic>
+        <p:nvPicPr>
+          <p:cNvPr id="7" name="Imagen 6"/>
+          <p:cNvPicPr>
+            <a:picLocks noChangeAspect="1"/>
+          </p:cNvPicPr>
+          <p:nvPr/>
+        </p:nvPicPr>
+        <p:blipFill>
+          <a:blip r:embed="rId5"/>
+          <a:stretch>
+            <a:fillRect/>
+          </a:stretch>
+        </p:blipFill>
+        <p:spPr>
+          <a:xfrm>
+            <a:off x="3083666" y="4379882"/>
+            <a:ext cx="1632350" cy="339027"/>
+          </a:xfrm>
+          <a:prstGeom prst="rect">
+            <a:avLst/>
+          </a:prstGeom>
+        </p:spPr>
+      </p:pic>
+      <p:pic>
+        <p:nvPicPr>
+          <p:cNvPr id="10" name="Imagen 9"/>
+          <p:cNvPicPr>
+            <a:picLocks noChangeAspect="1"/>
+          </p:cNvPicPr>
+          <p:nvPr/>
+        </p:nvPicPr>
+        <p:blipFill>
+          <a:blip r:embed="rId6"/>
+          <a:stretch>
+            <a:fillRect/>
+          </a:stretch>
+        </p:blipFill>
+        <p:spPr>
+          <a:xfrm>
+            <a:off x="3779912" y="4786678"/>
+            <a:ext cx="3456384" cy="298506"/>
+          </a:xfrm>
+          <a:prstGeom prst="rect">
+            <a:avLst/>
+          </a:prstGeom>
+        </p:spPr>
+      </p:pic>
+      <p:pic>
+        <p:nvPicPr>
+          <p:cNvPr id="11" name="Imagen 10"/>
+          <p:cNvPicPr>
+            <a:picLocks noChangeAspect="1"/>
+          </p:cNvPicPr>
+          <p:nvPr/>
+        </p:nvPicPr>
+        <p:blipFill>
+          <a:blip r:embed="rId7"/>
+          <a:stretch>
+            <a:fillRect/>
+          </a:stretch>
+        </p:blipFill>
+        <p:spPr>
+          <a:xfrm>
+            <a:off x="3110681" y="5157192"/>
+            <a:ext cx="3066653" cy="358539"/>
+          </a:xfrm>
+          <a:prstGeom prst="rect">
+            <a:avLst/>
+          </a:prstGeom>
+        </p:spPr>
+      </p:pic>
     </p:spTree>
     <p:extLst>
       <p:ext uri="{BB962C8B-B14F-4D97-AF65-F5344CB8AC3E}">
@@ -16110,125 +16702,6 @@
       </p:sp>
       <p:sp>
         <p:nvSpPr>
-          <p:cNvPr id="8" name="1 Título"/>
-          <p:cNvSpPr txBox="1">
-            <a:spLocks/>
-          </p:cNvSpPr>
-          <p:nvPr/>
-        </p:nvSpPr>
-        <p:spPr>
-          <a:xfrm>
-            <a:off x="1041835" y="404664"/>
-            <a:ext cx="7797552" cy="1066800"/>
-          </a:xfrm>
-          <a:prstGeom prst="rect">
-            <a:avLst/>
-          </a:prstGeom>
-          <a:effectLst/>
-        </p:spPr>
-        <p:txBody>
-          <a:bodyPr vert="horz" lIns="91440" tIns="45720" rIns="91440" bIns="45720" rtlCol="0" anchor="b">
-            <a:normAutofit/>
-          </a:bodyPr>
-          <a:lstStyle>
-            <a:lvl1pPr algn="r" defTabSz="457200" rtl="0" eaLnBrk="1" latinLnBrk="0" hangingPunct="1">
-              <a:spcBef>
-                <a:spcPct val="0"/>
-              </a:spcBef>
-              <a:buNone/>
-              <a:defRPr sz="5400" kern="1200" cap="none">
-                <a:ln w="3175" cmpd="sng">
-                  <a:noFill/>
-                </a:ln>
-                <a:solidFill>
-                  <a:schemeClr val="tx1"/>
-                </a:solidFill>
-                <a:effectLst/>
-                <a:latin typeface="+mj-lt"/>
-                <a:ea typeface="+mj-ea"/>
-                <a:cs typeface="+mj-cs"/>
-              </a:defRPr>
-            </a:lvl1pPr>
-            <a:lvl2pPr eaLnBrk="1" hangingPunct="1">
-              <a:defRPr>
-                <a:solidFill>
-                  <a:schemeClr val="tx2"/>
-                </a:solidFill>
-              </a:defRPr>
-            </a:lvl2pPr>
-            <a:lvl3pPr eaLnBrk="1" hangingPunct="1">
-              <a:defRPr>
-                <a:solidFill>
-                  <a:schemeClr val="tx2"/>
-                </a:solidFill>
-              </a:defRPr>
-            </a:lvl3pPr>
-            <a:lvl4pPr eaLnBrk="1" hangingPunct="1">
-              <a:defRPr>
-                <a:solidFill>
-                  <a:schemeClr val="tx2"/>
-                </a:solidFill>
-              </a:defRPr>
-            </a:lvl4pPr>
-            <a:lvl5pPr eaLnBrk="1" hangingPunct="1">
-              <a:defRPr>
-                <a:solidFill>
-                  <a:schemeClr val="tx2"/>
-                </a:solidFill>
-              </a:defRPr>
-            </a:lvl5pPr>
-            <a:lvl6pPr eaLnBrk="1" hangingPunct="1">
-              <a:defRPr>
-                <a:solidFill>
-                  <a:schemeClr val="tx2"/>
-                </a:solidFill>
-              </a:defRPr>
-            </a:lvl6pPr>
-            <a:lvl7pPr eaLnBrk="1" hangingPunct="1">
-              <a:defRPr>
-                <a:solidFill>
-                  <a:schemeClr val="tx2"/>
-                </a:solidFill>
-              </a:defRPr>
-            </a:lvl7pPr>
-            <a:lvl8pPr eaLnBrk="1" hangingPunct="1">
-              <a:defRPr>
-                <a:solidFill>
-                  <a:schemeClr val="tx2"/>
-                </a:solidFill>
-              </a:defRPr>
-            </a:lvl8pPr>
-            <a:lvl9pPr eaLnBrk="1" hangingPunct="1">
-              <a:defRPr>
-                <a:solidFill>
-                  <a:schemeClr val="tx2"/>
-                </a:solidFill>
-              </a:defRPr>
-            </a:lvl9pPr>
-          </a:lstStyle>
-          <a:p>
-            <a:r>
-              <a:rPr lang="es-ES" b="1" dirty="0" smtClean="0"/>
-              <a:t>Machine </a:t>
-            </a:r>
-            <a:r>
-              <a:rPr lang="es-ES" b="1" dirty="0" err="1" smtClean="0"/>
-              <a:t>Learning</a:t>
-            </a:r>
-            <a:r>
-              <a:rPr lang="es-ES" b="1" dirty="0" smtClean="0"/>
-              <a:t> </a:t>
-            </a:r>
-            <a:r>
-              <a:rPr lang="es-PY" dirty="0" smtClean="0"/>
-              <a:t> </a:t>
-            </a:r>
-            <a:endParaRPr lang="es-PY" dirty="0"/>
-          </a:p>
-        </p:txBody>
-      </p:sp>
-      <p:sp>
-        <p:nvSpPr>
           <p:cNvPr id="9" name="2 Marcador de contenido"/>
           <p:cNvSpPr txBox="1">
             <a:spLocks/>
@@ -16237,8 +16710,8 @@
         </p:nvSpPr>
         <p:spPr>
           <a:xfrm>
-            <a:off x="611560" y="1700808"/>
-            <a:ext cx="8227827" cy="5157192"/>
+            <a:off x="1259632" y="1124744"/>
+            <a:ext cx="7450298" cy="5491323"/>
           </a:xfrm>
           <a:prstGeom prst="rect">
             <a:avLst/>
@@ -16246,7 +16719,7 @@
         </p:spPr>
         <p:txBody>
           <a:bodyPr vert="horz" lIns="91440" tIns="45720" rIns="91440" bIns="45720" rtlCol="0" anchor="t">
-            <a:normAutofit fontScale="85000" lnSpcReduction="20000"/>
+            <a:normAutofit/>
           </a:bodyPr>
           <a:lstStyle>
             <a:lvl1pPr marL="0" indent="0" algn="r" defTabSz="457200" rtl="0" eaLnBrk="1" latinLnBrk="0" hangingPunct="1">
@@ -16492,303 +16965,254 @@
             </a:lvl9pPr>
           </a:lstStyle>
           <a:p>
-            <a:pPr lvl="1" algn="just"/>
-            <a:r>
-              <a:rPr lang="es-ES" sz="2100" i="1" dirty="0">
-                <a:solidFill>
-                  <a:schemeClr val="tx1"/>
-                </a:solidFill>
-              </a:rPr>
-              <a:t>“Machine </a:t>
-            </a:r>
-            <a:r>
-              <a:rPr lang="es-ES" sz="2100" i="1" dirty="0" err="1">
-                <a:solidFill>
-                  <a:schemeClr val="tx1"/>
-                </a:solidFill>
-              </a:rPr>
-              <a:t>Learning</a:t>
-            </a:r>
-            <a:r>
-              <a:rPr lang="es-ES" sz="2100" i="1" dirty="0">
-                <a:solidFill>
-                  <a:schemeClr val="tx1"/>
-                </a:solidFill>
-              </a:rPr>
-              <a:t> es un campo de estudio que da a las computadoras la capacidad de aprender sin ser explícitamente programadas”</a:t>
-            </a:r>
-            <a:r>
-              <a:rPr lang="es-ES" sz="2100" dirty="0">
-                <a:solidFill>
-                  <a:schemeClr val="tx1"/>
-                </a:solidFill>
-              </a:rPr>
+            <a:pPr algn="just"/>
+            <a:r>
+              <a:rPr lang="en-US" sz="2100" b="1" dirty="0" err="1" smtClean="0"/>
+              <a:t>Asignación</a:t>
+            </a:r>
+            <a:r>
+              <a:rPr lang="en-US" sz="2100" b="1" dirty="0" smtClean="0"/>
+              <a:t> de </a:t>
+            </a:r>
+            <a:r>
+              <a:rPr lang="en-US" sz="2100" b="1" dirty="0" err="1" smtClean="0"/>
+              <a:t>etiquetas</a:t>
+            </a:r>
+            <a:endParaRPr lang="en-US" sz="2100" b="1" dirty="0" smtClean="0"/>
+          </a:p>
+          <a:p>
+            <a:pPr marL="180000" algn="just"/>
+            <a:r>
+              <a:rPr lang="es-PY" sz="1600" dirty="0"/>
+              <a:t>A cada </a:t>
+            </a:r>
+            <a:r>
+              <a:rPr lang="es-PY" sz="1600" dirty="0" smtClean="0"/>
+              <a:t>fila </a:t>
+            </a:r>
+            <a:r>
+              <a:rPr lang="es-PY" sz="1600" dirty="0"/>
+              <a:t>de valores KPI obtenidos para cada producto se </a:t>
+            </a:r>
+            <a:r>
+              <a:rPr lang="es-PY" sz="1600" dirty="0" smtClean="0"/>
+              <a:t>asigna </a:t>
+            </a:r>
+            <a:r>
+              <a:rPr lang="es-PY" sz="1600" dirty="0"/>
+              <a:t>una etiqueta </a:t>
+            </a:r>
+            <a:r>
+              <a:rPr lang="es-PY" sz="1600" dirty="0" smtClean="0"/>
+              <a:t>que debe ser </a:t>
+            </a:r>
+            <a:r>
+              <a:rPr lang="es-PY" sz="1600" dirty="0"/>
+              <a:t>realizada y revisada por el experto del área de </a:t>
+            </a:r>
+            <a:r>
+              <a:rPr lang="es-PY" sz="1600" dirty="0" smtClean="0"/>
+              <a:t>compras de la empresa.</a:t>
+            </a:r>
+          </a:p>
+          <a:p>
+            <a:pPr algn="just"/>
+            <a:r>
+              <a:rPr lang="es-PY" sz="2100" b="1" dirty="0" smtClean="0"/>
+              <a:t>Periodo</a:t>
+            </a:r>
+            <a:r>
+              <a:rPr lang="es-PY" sz="1600" dirty="0" smtClean="0"/>
+              <a:t> : Semanal, quincenal o Mensual.</a:t>
+            </a:r>
+          </a:p>
+          <a:p>
+            <a:pPr algn="just"/>
+            <a:r>
+              <a:rPr lang="en-US" sz="2100" b="1" dirty="0" err="1" smtClean="0"/>
+              <a:t>Etiquetas</a:t>
+            </a:r>
+            <a:r>
+              <a:rPr lang="en-US" sz="2100" b="1" dirty="0" smtClean="0"/>
+              <a:t>:  [</a:t>
+            </a:r>
+            <a:r>
+              <a:rPr lang="en-US" dirty="0" smtClean="0"/>
+              <a:t>Nada, </a:t>
+            </a:r>
+            <a:r>
+              <a:rPr lang="en-US" dirty="0" err="1" smtClean="0"/>
+              <a:t>Poco</a:t>
+            </a:r>
+            <a:r>
+              <a:rPr lang="en-US" dirty="0" smtClean="0"/>
+              <a:t>, Medio, Mucho</a:t>
+            </a:r>
+            <a:r>
+              <a:rPr lang="en-US" dirty="0"/>
+              <a:t>]</a:t>
+            </a:r>
+          </a:p>
+          <a:p>
+            <a:pPr algn="just"/>
+            <a:endParaRPr lang="en-US" sz="2100" b="1" dirty="0" smtClean="0"/>
+          </a:p>
+          <a:p>
+            <a:pPr algn="just"/>
+            <a:endParaRPr lang="en-US" sz="2100" b="1" dirty="0"/>
+          </a:p>
+          <a:p>
+            <a:pPr algn="just"/>
+            <a:r>
+              <a:rPr lang="en-US" sz="2100" b="1" dirty="0" err="1" smtClean="0"/>
+              <a:t>Resultado</a:t>
+            </a:r>
+            <a:r>
+              <a:rPr lang="en-US" sz="2100" b="1" dirty="0" smtClean="0"/>
+              <a:t> de la </a:t>
+            </a:r>
+            <a:r>
+              <a:rPr lang="en-US" sz="2100" b="1" dirty="0" err="1" smtClean="0"/>
+              <a:t>asignación</a:t>
+            </a:r>
+            <a:r>
+              <a:rPr lang="en-US" sz="2100" b="1" dirty="0" smtClean="0"/>
+              <a:t> de </a:t>
+            </a:r>
+            <a:r>
+              <a:rPr lang="en-US" sz="2100" b="1" dirty="0" err="1" smtClean="0"/>
+              <a:t>etiquetas</a:t>
+            </a:r>
+            <a:endParaRPr lang="en-US" sz="2100" b="1" dirty="0" smtClean="0"/>
+          </a:p>
+          <a:p>
+            <a:pPr algn="just"/>
+            <a:endParaRPr lang="en-US" sz="2100" b="1" dirty="0"/>
+          </a:p>
+        </p:txBody>
+      </p:sp>
+      <p:sp>
+        <p:nvSpPr>
+          <p:cNvPr id="5" name="1 Título"/>
+          <p:cNvSpPr txBox="1">
+            <a:spLocks/>
+          </p:cNvSpPr>
+          <p:nvPr/>
+        </p:nvSpPr>
+        <p:spPr>
+          <a:xfrm>
+            <a:off x="2339752" y="273968"/>
+            <a:ext cx="6285384" cy="850776"/>
+          </a:xfrm>
+          <a:prstGeom prst="rect">
+            <a:avLst/>
+          </a:prstGeom>
+          <a:effectLst/>
+        </p:spPr>
+        <p:txBody>
+          <a:bodyPr vert="horz" lIns="91440" tIns="45720" rIns="91440" bIns="45720" rtlCol="0" anchor="b">
+            <a:normAutofit lnSpcReduction="10000"/>
+          </a:bodyPr>
+          <a:lstStyle>
+            <a:lvl1pPr algn="r" defTabSz="457200" rtl="0" eaLnBrk="1" latinLnBrk="0" hangingPunct="1">
+              <a:spcBef>
+                <a:spcPct val="0"/>
+              </a:spcBef>
+              <a:buNone/>
+              <a:defRPr sz="5400" kern="1200" cap="none">
+                <a:ln w="3175" cmpd="sng">
+                  <a:noFill/>
+                </a:ln>
+                <a:solidFill>
+                  <a:schemeClr val="tx1"/>
+                </a:solidFill>
+                <a:effectLst/>
+                <a:latin typeface="+mj-lt"/>
+                <a:ea typeface="+mj-ea"/>
+                <a:cs typeface="+mj-cs"/>
+              </a:defRPr>
+            </a:lvl1pPr>
+            <a:lvl2pPr eaLnBrk="1" hangingPunct="1">
+              <a:defRPr>
+                <a:solidFill>
+                  <a:schemeClr val="tx2"/>
+                </a:solidFill>
+              </a:defRPr>
+            </a:lvl2pPr>
+            <a:lvl3pPr eaLnBrk="1" hangingPunct="1">
+              <a:defRPr>
+                <a:solidFill>
+                  <a:schemeClr val="tx2"/>
+                </a:solidFill>
+              </a:defRPr>
+            </a:lvl3pPr>
+            <a:lvl4pPr eaLnBrk="1" hangingPunct="1">
+              <a:defRPr>
+                <a:solidFill>
+                  <a:schemeClr val="tx2"/>
+                </a:solidFill>
+              </a:defRPr>
+            </a:lvl4pPr>
+            <a:lvl5pPr eaLnBrk="1" hangingPunct="1">
+              <a:defRPr>
+                <a:solidFill>
+                  <a:schemeClr val="tx2"/>
+                </a:solidFill>
+              </a:defRPr>
+            </a:lvl5pPr>
+            <a:lvl6pPr eaLnBrk="1" hangingPunct="1">
+              <a:defRPr>
+                <a:solidFill>
+                  <a:schemeClr val="tx2"/>
+                </a:solidFill>
+              </a:defRPr>
+            </a:lvl6pPr>
+            <a:lvl7pPr eaLnBrk="1" hangingPunct="1">
+              <a:defRPr>
+                <a:solidFill>
+                  <a:schemeClr val="tx2"/>
+                </a:solidFill>
+              </a:defRPr>
+            </a:lvl7pPr>
+            <a:lvl8pPr eaLnBrk="1" hangingPunct="1">
+              <a:defRPr>
+                <a:solidFill>
+                  <a:schemeClr val="tx2"/>
+                </a:solidFill>
+              </a:defRPr>
+            </a:lvl8pPr>
+            <a:lvl9pPr eaLnBrk="1" hangingPunct="1">
+              <a:defRPr>
+                <a:solidFill>
+                  <a:schemeClr val="tx2"/>
+                </a:solidFill>
+              </a:defRPr>
+            </a:lvl9pPr>
+          </a:lstStyle>
+          <a:p>
+            <a:r>
+              <a:rPr lang="es-ES" sz="5200" b="1" dirty="0"/>
+              <a:t>Business </a:t>
+            </a:r>
+            <a:r>
+              <a:rPr lang="es-ES" sz="5200" b="1" dirty="0" err="1"/>
+              <a:t>Intelligence</a:t>
+            </a:r>
+            <a:r>
+              <a:rPr lang="es-ES" sz="5200" b="1" dirty="0"/>
               <a:t> </a:t>
             </a:r>
             <a:r>
-              <a:rPr lang="en-US" sz="2100" b="1" dirty="0" smtClean="0">
-                <a:solidFill>
-                  <a:schemeClr val="tx1"/>
-                </a:solidFill>
-              </a:rPr>
-              <a:t>.</a:t>
-            </a:r>
-          </a:p>
-          <a:p>
-            <a:pPr lvl="1" algn="just"/>
-            <a:endParaRPr lang="en-US" sz="2100" b="1" dirty="0" smtClean="0">
-              <a:solidFill>
-                <a:schemeClr val="tx1"/>
-              </a:solidFill>
-            </a:endParaRPr>
-          </a:p>
-          <a:p>
-            <a:pPr marL="342900" indent="-342900" algn="just">
-              <a:buAutoNum type="arabicPeriod"/>
-            </a:pPr>
-            <a:r>
-              <a:rPr lang="en-US" sz="2100" b="1" dirty="0" err="1" smtClean="0"/>
-              <a:t>Categoría</a:t>
-            </a:r>
-            <a:r>
-              <a:rPr lang="en-US" sz="2100" b="1" dirty="0" smtClean="0"/>
+              <a:rPr lang="es-PY" sz="5200" dirty="0" smtClean="0"/>
               <a:t> </a:t>
             </a:r>
-            <a:r>
-              <a:rPr lang="en-US" sz="2100" b="1" dirty="0"/>
-              <a:t>de </a:t>
-            </a:r>
-            <a:r>
-              <a:rPr lang="en-US" sz="2100" b="1" dirty="0" err="1"/>
-              <a:t>los</a:t>
-            </a:r>
-            <a:r>
-              <a:rPr lang="en-US" sz="2100" b="1" dirty="0"/>
-              <a:t> </a:t>
-            </a:r>
-            <a:r>
-              <a:rPr lang="en-US" sz="2100" b="1" dirty="0" err="1"/>
-              <a:t>algoritmos</a:t>
-            </a:r>
-            <a:endParaRPr lang="en-US" sz="2100" b="1" dirty="0"/>
-          </a:p>
-          <a:p>
-            <a:pPr lvl="1" algn="just"/>
-            <a:r>
-              <a:rPr lang="es-PY" sz="2100" dirty="0">
-                <a:solidFill>
-                  <a:schemeClr val="tx1"/>
-                </a:solidFill>
-              </a:rPr>
-              <a:t>1.1 Aprendizaje </a:t>
-            </a:r>
-            <a:r>
-              <a:rPr lang="es-PY" sz="2100" dirty="0" smtClean="0">
-                <a:solidFill>
-                  <a:schemeClr val="tx1"/>
-                </a:solidFill>
-              </a:rPr>
-              <a:t>supervisado</a:t>
-            </a:r>
-            <a:endParaRPr lang="es-PY" sz="2100" dirty="0">
-              <a:solidFill>
-                <a:schemeClr val="tx1"/>
-              </a:solidFill>
-            </a:endParaRPr>
-          </a:p>
-          <a:p>
-            <a:pPr lvl="1" algn="just"/>
-            <a:r>
-              <a:rPr lang="es-PY" sz="2100" dirty="0">
-                <a:solidFill>
-                  <a:schemeClr val="tx1"/>
-                </a:solidFill>
-              </a:rPr>
-              <a:t>1.2 Aprendizaje no </a:t>
-            </a:r>
-            <a:r>
-              <a:rPr lang="es-PY" sz="2100" dirty="0" smtClean="0">
-                <a:solidFill>
-                  <a:schemeClr val="tx1"/>
-                </a:solidFill>
-              </a:rPr>
-              <a:t>supervisado</a:t>
-            </a:r>
-            <a:endParaRPr lang="es-PY" sz="2100" dirty="0">
-              <a:solidFill>
-                <a:schemeClr val="tx1"/>
-              </a:solidFill>
-            </a:endParaRPr>
-          </a:p>
-          <a:p>
-            <a:pPr marL="342900" indent="-342900" algn="just">
-              <a:buAutoNum type="arabicPeriod"/>
-            </a:pPr>
-            <a:r>
-              <a:rPr lang="en-US" sz="2100" b="1" dirty="0" err="1"/>
-              <a:t>Tipos</a:t>
-            </a:r>
-            <a:r>
-              <a:rPr lang="en-US" sz="2100" b="1" dirty="0"/>
-              <a:t> de </a:t>
-            </a:r>
-            <a:r>
-              <a:rPr lang="en-US" sz="2100" b="1" dirty="0" err="1" smtClean="0"/>
-              <a:t>problemas</a:t>
-            </a:r>
-            <a:endParaRPr lang="en-US" sz="2100" b="1" dirty="0"/>
-          </a:p>
-          <a:p>
-            <a:pPr lvl="1" algn="just"/>
-            <a:r>
-              <a:rPr lang="en-US" sz="2100" dirty="0">
-                <a:solidFill>
-                  <a:schemeClr val="tx1"/>
-                </a:solidFill>
-              </a:rPr>
-              <a:t>2.1 </a:t>
-            </a:r>
-            <a:r>
-              <a:rPr lang="es-ES" sz="2100" dirty="0">
-                <a:solidFill>
-                  <a:schemeClr val="tx1"/>
-                </a:solidFill>
-              </a:rPr>
-              <a:t>Regresión</a:t>
-            </a:r>
-          </a:p>
-          <a:p>
-            <a:pPr lvl="1" algn="just"/>
-            <a:r>
-              <a:rPr lang="es-ES" sz="2100" dirty="0">
-                <a:solidFill>
-                  <a:schemeClr val="tx1"/>
-                </a:solidFill>
-              </a:rPr>
-              <a:t>2.2 Clasificación</a:t>
-            </a:r>
-          </a:p>
-          <a:p>
-            <a:pPr lvl="1" algn="just"/>
-            <a:r>
-              <a:rPr lang="es-ES" sz="2100" dirty="0">
-                <a:solidFill>
-                  <a:schemeClr val="tx1"/>
-                </a:solidFill>
-              </a:rPr>
-              <a:t>2.3 Segmentación</a:t>
-            </a:r>
-          </a:p>
-          <a:p>
-            <a:pPr lvl="1" algn="just"/>
-            <a:r>
-              <a:rPr lang="es-ES" sz="2100" dirty="0">
-                <a:solidFill>
-                  <a:schemeClr val="tx1"/>
-                </a:solidFill>
-              </a:rPr>
-              <a:t>2.4 Análisis de </a:t>
-            </a:r>
-            <a:r>
-              <a:rPr lang="es-ES" sz="2100" dirty="0" smtClean="0">
-                <a:solidFill>
-                  <a:schemeClr val="tx1"/>
-                </a:solidFill>
-              </a:rPr>
-              <a:t>red</a:t>
-            </a:r>
-            <a:endParaRPr lang="en-US" sz="2100" b="1" dirty="0" smtClean="0"/>
-          </a:p>
-          <a:p>
-            <a:pPr marL="342900" indent="-342900" algn="just">
-              <a:buAutoNum type="arabicPeriod"/>
-            </a:pPr>
-            <a:r>
-              <a:rPr lang="es-PY" sz="2100" b="1" dirty="0"/>
-              <a:t>Problemas de clasificación</a:t>
-            </a:r>
-            <a:endParaRPr lang="en-US" sz="2100" b="1" dirty="0"/>
-          </a:p>
-          <a:p>
-            <a:pPr lvl="1" algn="just"/>
-            <a:r>
-              <a:rPr lang="en-US" sz="2100" dirty="0" smtClean="0">
-                <a:solidFill>
-                  <a:schemeClr val="tx1"/>
-                </a:solidFill>
-              </a:rPr>
-              <a:t>3.1 </a:t>
-            </a:r>
-            <a:r>
-              <a:rPr lang="es-ES" sz="2100" dirty="0">
-                <a:solidFill>
-                  <a:schemeClr val="tx1"/>
-                </a:solidFill>
-              </a:rPr>
-              <a:t>Clasificación </a:t>
-            </a:r>
-            <a:r>
-              <a:rPr lang="es-ES" sz="2100" dirty="0" smtClean="0">
-                <a:solidFill>
-                  <a:schemeClr val="tx1"/>
-                </a:solidFill>
-              </a:rPr>
-              <a:t>binaria</a:t>
-            </a:r>
-          </a:p>
-          <a:p>
-            <a:pPr lvl="1" algn="just"/>
-            <a:r>
-              <a:rPr lang="es-ES" sz="2100" dirty="0" smtClean="0">
-                <a:solidFill>
-                  <a:schemeClr val="tx1"/>
-                </a:solidFill>
-              </a:rPr>
-              <a:t>3.2 </a:t>
-            </a:r>
-            <a:r>
-              <a:rPr lang="es-ES" sz="2100" dirty="0">
-                <a:solidFill>
-                  <a:schemeClr val="tx1"/>
-                </a:solidFill>
-              </a:rPr>
-              <a:t>Clasificación </a:t>
-            </a:r>
-            <a:r>
-              <a:rPr lang="es-ES" sz="2100" dirty="0" err="1" smtClean="0">
-                <a:solidFill>
-                  <a:schemeClr val="tx1"/>
-                </a:solidFill>
-              </a:rPr>
-              <a:t>multiclase</a:t>
-            </a:r>
-            <a:r>
-              <a:rPr lang="es-ES" sz="2100" dirty="0" smtClean="0">
-                <a:solidFill>
-                  <a:schemeClr val="tx1"/>
-                </a:solidFill>
-              </a:rPr>
-              <a:t>: </a:t>
-            </a:r>
-            <a:endParaRPr lang="es-ES" sz="2100" dirty="0">
-              <a:solidFill>
-                <a:schemeClr val="tx1"/>
-              </a:solidFill>
-            </a:endParaRPr>
-          </a:p>
-          <a:p>
-            <a:pPr lvl="1" algn="just"/>
-            <a:endParaRPr lang="es-PY" sz="1800" b="1" dirty="0">
-              <a:solidFill>
-                <a:schemeClr val="tx1"/>
-              </a:solidFill>
-            </a:endParaRPr>
+            <a:endParaRPr lang="es-PY" sz="5200" dirty="0"/>
           </a:p>
         </p:txBody>
       </p:sp>
       <p:pic>
         <p:nvPicPr>
-          <p:cNvPr id="2" name="Imagen 1"/>
+          <p:cNvPr id="8" name="Imagen 7"/>
           <p:cNvPicPr>
             <a:picLocks noChangeAspect="1"/>
           </p:cNvPicPr>
@@ -16808,18 +17232,130 @@
         </p:blipFill>
         <p:spPr>
           <a:xfrm>
-            <a:off x="3932207" y="6108173"/>
-            <a:ext cx="3220591" cy="444749"/>
+            <a:off x="1331640" y="4581127"/>
+            <a:ext cx="7028591" cy="1527045"/>
           </a:xfrm>
           <a:prstGeom prst="rect">
             <a:avLst/>
           </a:prstGeom>
         </p:spPr>
       </p:pic>
+      <p:pic>
+        <p:nvPicPr>
+          <p:cNvPr id="12" name="Imagen 11"/>
+          <p:cNvPicPr>
+            <a:picLocks noChangeAspect="1"/>
+          </p:cNvPicPr>
+          <p:nvPr/>
+        </p:nvPicPr>
+        <p:blipFill>
+          <a:blip r:embed="rId3"/>
+          <a:stretch>
+            <a:fillRect/>
+          </a:stretch>
+        </p:blipFill>
+        <p:spPr>
+          <a:xfrm>
+            <a:off x="1331640" y="3068960"/>
+            <a:ext cx="2232248" cy="924888"/>
+          </a:xfrm>
+          <a:prstGeom prst="rect">
+            <a:avLst/>
+          </a:prstGeom>
+        </p:spPr>
+      </p:pic>
+      <p:pic>
+        <p:nvPicPr>
+          <p:cNvPr id="13" name="Imagen 12"/>
+          <p:cNvPicPr>
+            <a:picLocks noChangeAspect="1"/>
+          </p:cNvPicPr>
+          <p:nvPr/>
+        </p:nvPicPr>
+        <p:blipFill>
+          <a:blip r:embed="rId4"/>
+          <a:stretch>
+            <a:fillRect/>
+          </a:stretch>
+        </p:blipFill>
+        <p:spPr>
+          <a:xfrm>
+            <a:off x="3635895" y="3068960"/>
+            <a:ext cx="2513595" cy="925200"/>
+          </a:xfrm>
+          <a:prstGeom prst="rect">
+            <a:avLst/>
+          </a:prstGeom>
+        </p:spPr>
+      </p:pic>
+      <p:pic>
+        <p:nvPicPr>
+          <p:cNvPr id="14" name="Imagen 13"/>
+          <p:cNvPicPr>
+            <a:picLocks noChangeAspect="1"/>
+          </p:cNvPicPr>
+          <p:nvPr/>
+        </p:nvPicPr>
+        <p:blipFill>
+          <a:blip r:embed="rId5"/>
+          <a:stretch>
+            <a:fillRect/>
+          </a:stretch>
+        </p:blipFill>
+        <p:spPr>
+          <a:xfrm>
+            <a:off x="6957841" y="3116764"/>
+            <a:ext cx="1859714" cy="925200"/>
+          </a:xfrm>
+          <a:prstGeom prst="rect">
+            <a:avLst/>
+          </a:prstGeom>
+        </p:spPr>
+      </p:pic>
+      <p:sp>
+        <p:nvSpPr>
+          <p:cNvPr id="15" name="Flecha derecha 14"/>
+          <p:cNvSpPr/>
+          <p:nvPr/>
+        </p:nvSpPr>
+        <p:spPr>
+          <a:xfrm>
+            <a:off x="6300192" y="3531404"/>
+            <a:ext cx="504056" cy="246420"/>
+          </a:xfrm>
+          <a:prstGeom prst="rightArrow">
+            <a:avLst/>
+          </a:prstGeom>
+        </p:spPr>
+        <p:style>
+          <a:lnRef idx="2">
+            <a:schemeClr val="accent1">
+              <a:shade val="50000"/>
+            </a:schemeClr>
+          </a:lnRef>
+          <a:fillRef idx="1">
+            <a:schemeClr val="accent1"/>
+          </a:fillRef>
+          <a:effectRef idx="0">
+            <a:schemeClr val="accent1"/>
+          </a:effectRef>
+          <a:fontRef idx="minor">
+            <a:schemeClr val="lt1"/>
+          </a:fontRef>
+        </p:style>
+        <p:txBody>
+          <a:bodyPr rtlCol="0" anchor="ctr"/>
+          <a:lstStyle/>
+          <a:p>
+            <a:pPr algn="ctr"/>
+            <a:endParaRPr lang="es-PY"/>
+          </a:p>
+        </p:txBody>
+      </p:sp>
     </p:spTree>
     <p:extLst>
       <p:ext uri="{BB962C8B-B14F-4D97-AF65-F5344CB8AC3E}">
-        <p14:creationId xmlns:p14="http://schemas.microsoft.com/office/powerpoint/2010/main" val="1764740496"/>
+        <p14:creationId xmlns:p14="http://schemas.microsoft.com/office/powerpoint/2010/main" val="3179915007"/>
       </p:ext>
     </p:extLst>
   </p:cSld>
@@ -17006,7 +17542,7 @@
         </p:nvSpPr>
         <p:spPr>
           <a:xfrm>
-            <a:off x="683568" y="1316106"/>
+            <a:off x="611560" y="1700808"/>
             <a:ext cx="8227827" cy="5157192"/>
           </a:xfrm>
           <a:prstGeom prst="rect">
@@ -17015,7 +17551,7 @@
         </p:spPr>
         <p:txBody>
           <a:bodyPr vert="horz" lIns="91440" tIns="45720" rIns="91440" bIns="45720" rtlCol="0" anchor="t">
-            <a:normAutofit/>
+            <a:normAutofit fontScale="85000" lnSpcReduction="20000"/>
           </a:bodyPr>
           <a:lstStyle>
             <a:lvl1pPr marL="0" indent="0" algn="r" defTabSz="457200" rtl="0" eaLnBrk="1" latinLnBrk="0" hangingPunct="1">
@@ -17262,6 +17798,49 @@
           </a:lstStyle>
           <a:p>
             <a:pPr lvl="1" algn="just"/>
+            <a:r>
+              <a:rPr lang="es-ES" sz="2100" i="1" dirty="0">
+                <a:solidFill>
+                  <a:schemeClr val="tx1"/>
+                </a:solidFill>
+              </a:rPr>
+              <a:t>“Machine </a:t>
+            </a:r>
+            <a:r>
+              <a:rPr lang="es-ES" sz="2100" i="1" dirty="0" err="1">
+                <a:solidFill>
+                  <a:schemeClr val="tx1"/>
+                </a:solidFill>
+              </a:rPr>
+              <a:t>Learning</a:t>
+            </a:r>
+            <a:r>
+              <a:rPr lang="es-ES" sz="2100" i="1" dirty="0">
+                <a:solidFill>
+                  <a:schemeClr val="tx1"/>
+                </a:solidFill>
+              </a:rPr>
+              <a:t> es un campo de estudio que da a las computadoras la capacidad de aprender sin ser explícitamente programadas”</a:t>
+            </a:r>
+            <a:r>
+              <a:rPr lang="es-ES" sz="2100" dirty="0">
+                <a:solidFill>
+                  <a:schemeClr val="tx1"/>
+                </a:solidFill>
+              </a:rPr>
+              <a:t> </a:t>
+            </a:r>
+            <a:r>
+              <a:rPr lang="en-US" sz="2100" b="1" dirty="0" smtClean="0">
+                <a:solidFill>
+                  <a:schemeClr val="tx1"/>
+                </a:solidFill>
+              </a:rPr>
+              <a:t>.</a:t>
+            </a:r>
+          </a:p>
+          <a:p>
+            <a:pPr lvl="1" algn="just"/>
             <a:endParaRPr lang="en-US" sz="2100" b="1" dirty="0" smtClean="0">
               <a:solidFill>
                 <a:schemeClr val="tx1"/>
@@ -17269,84 +17848,238 @@
             </a:endParaRPr>
           </a:p>
           <a:p>
-            <a:pPr algn="just"/>
-            <a:r>
-              <a:rPr lang="es-ES" sz="2600" b="1" u="sng" dirty="0"/>
-              <a:t>Instancias, conjuntos de entrenamiento y </a:t>
-            </a:r>
-            <a:r>
-              <a:rPr lang="es-ES" sz="2600" b="1" u="sng" dirty="0" smtClean="0"/>
-              <a:t>teste</a:t>
-            </a:r>
-            <a:endParaRPr lang="en-US" sz="2600" b="1" u="sng" dirty="0" smtClean="0"/>
-          </a:p>
-          <a:p>
-            <a:pPr algn="just"/>
-            <a:endParaRPr lang="es-PY" sz="2100" b="1" dirty="0"/>
-          </a:p>
-          <a:p>
-            <a:pPr algn="just"/>
-            <a:r>
-              <a:rPr lang="es-ES" sz="1900" dirty="0"/>
-              <a:t>La entrada de un esquema de aprendizaje automático es un conjunto de instancias o ejemplos </a:t>
-            </a:r>
-            <a:r>
-              <a:rPr lang="es-ES" sz="1900" b="1" dirty="0"/>
-              <a:t>(</a:t>
-            </a:r>
-            <a:r>
-              <a:rPr lang="es-ES" sz="1900" b="1" dirty="0" err="1"/>
-              <a:t>examples</a:t>
-            </a:r>
-            <a:r>
-              <a:rPr lang="es-ES" sz="1900" b="1" dirty="0"/>
-              <a:t>)</a:t>
-            </a:r>
-            <a:r>
-              <a:rPr lang="es-ES" sz="1900" dirty="0"/>
-              <a:t>. Estas instancias son las cosas que deben ser clasificadas, asociadas o agrupadas. Las instancias son caracterizadas mediante los valores de un conjunto predeterminado de atributos </a:t>
-            </a:r>
-            <a:r>
-              <a:rPr lang="es-ES" sz="1900" b="1" dirty="0"/>
-              <a:t>(</a:t>
-            </a:r>
-            <a:r>
-              <a:rPr lang="es-ES" sz="1900" b="1" dirty="0" err="1"/>
-              <a:t>features</a:t>
-            </a:r>
-            <a:r>
-              <a:rPr lang="es-ES" sz="1900" b="1" dirty="0"/>
-              <a:t>)</a:t>
-            </a:r>
-            <a:r>
-              <a:rPr lang="es-ES" sz="1900" dirty="0"/>
-              <a:t>. Para el problema de estudio el proceso de Business </a:t>
-            </a:r>
-            <a:r>
-              <a:rPr lang="es-ES" sz="1900" dirty="0" err="1"/>
-              <a:t>Intelligence</a:t>
-            </a:r>
-            <a:r>
-              <a:rPr lang="es-ES" sz="1900" dirty="0"/>
-              <a:t> es quien provee las instancias. El grupo de ejemplos o instancias utilizados en el proceso de entrenamiento de los algoritmos de aprendizaje automático constituyen el conjunto de entrenamiento </a:t>
-            </a:r>
-            <a:r>
-              <a:rPr lang="es-ES" sz="1900" b="1" dirty="0"/>
-              <a:t>(training set)</a:t>
-            </a:r>
-            <a:r>
-              <a:rPr lang="es-ES" sz="1900" dirty="0"/>
-              <a:t>. Para predecir el rendimiento de un clasificador sobre nuevos datos, necesitamos evaluar su tasa de error en un conjunto de datos que no desempeñó ningún papel en la formación del clasificador, este conjunto de datos independiente se denomina conjunto de prueba </a:t>
-            </a:r>
-            <a:r>
-              <a:rPr lang="es-ES" sz="1900" b="1" dirty="0"/>
-              <a:t>(test set)</a:t>
-            </a:r>
-            <a:r>
-              <a:rPr lang="es-ES" sz="1900" dirty="0"/>
-              <a:t>.</a:t>
-            </a:r>
-            <a:endParaRPr lang="en-US" sz="1900" dirty="0"/>
+            <a:pPr marL="342900" indent="-342900" algn="just">
+              <a:buAutoNum type="arabicPeriod"/>
+            </a:pPr>
+            <a:r>
+              <a:rPr lang="en-US" sz="2100" b="1" dirty="0" err="1" smtClean="0"/>
+              <a:t>Categoría</a:t>
+            </a:r>
+            <a:r>
+              <a:rPr lang="en-US" sz="2100" b="1" dirty="0" smtClean="0"/>
+              <a:t> </a:t>
+            </a:r>
+            <a:r>
+              <a:rPr lang="en-US" sz="2100" b="1" dirty="0"/>
+              <a:t>de </a:t>
+            </a:r>
+            <a:r>
+              <a:rPr lang="en-US" sz="2100" b="1" dirty="0" err="1"/>
+              <a:t>los</a:t>
+            </a:r>
+            <a:r>
+              <a:rPr lang="en-US" sz="2100" b="1" dirty="0"/>
+              <a:t> </a:t>
+            </a:r>
+            <a:r>
+              <a:rPr lang="en-US" sz="2100" b="1" dirty="0" err="1"/>
+              <a:t>algoritmos</a:t>
+            </a:r>
+            <a:endParaRPr lang="en-US" sz="2100" b="1" dirty="0"/>
+          </a:p>
+          <a:p>
+            <a:pPr lvl="1" algn="just"/>
+            <a:r>
+              <a:rPr lang="es-PY" sz="2100" dirty="0">
+                <a:solidFill>
+                  <a:schemeClr val="tx1"/>
+                </a:solidFill>
+              </a:rPr>
+              <a:t>1.1 Aprendizaje </a:t>
+            </a:r>
+            <a:r>
+              <a:rPr lang="es-PY" sz="2100" dirty="0" smtClean="0">
+                <a:solidFill>
+                  <a:schemeClr val="tx1"/>
+                </a:solidFill>
+              </a:rPr>
+              <a:t>supervisado</a:t>
+            </a:r>
+            <a:endParaRPr lang="es-PY" sz="2100" dirty="0">
+              <a:solidFill>
+                <a:schemeClr val="tx1"/>
+              </a:solidFill>
+            </a:endParaRPr>
+          </a:p>
+          <a:p>
+            <a:pPr lvl="1" algn="just"/>
+            <a:r>
+              <a:rPr lang="es-PY" sz="2100" dirty="0">
+                <a:solidFill>
+                  <a:schemeClr val="tx1"/>
+                </a:solidFill>
+              </a:rPr>
+              <a:t>1.2 Aprendizaje no </a:t>
+            </a:r>
+            <a:r>
+              <a:rPr lang="es-PY" sz="2100" dirty="0" smtClean="0">
+                <a:solidFill>
+                  <a:schemeClr val="tx1"/>
+                </a:solidFill>
+              </a:rPr>
+              <a:t>supervisado</a:t>
+            </a:r>
+            <a:endParaRPr lang="es-PY" sz="2100" dirty="0">
+              <a:solidFill>
+                <a:schemeClr val="tx1"/>
+              </a:solidFill>
+            </a:endParaRPr>
+          </a:p>
+          <a:p>
+            <a:pPr marL="342900" indent="-342900" algn="just">
+              <a:buAutoNum type="arabicPeriod"/>
+            </a:pPr>
+            <a:r>
+              <a:rPr lang="en-US" sz="2100" b="1" dirty="0" err="1"/>
+              <a:t>Tipos</a:t>
+            </a:r>
+            <a:r>
+              <a:rPr lang="en-US" sz="2100" b="1" dirty="0"/>
+              <a:t> de </a:t>
+            </a:r>
+            <a:r>
+              <a:rPr lang="en-US" sz="2100" b="1" dirty="0" err="1" smtClean="0"/>
+              <a:t>problemas</a:t>
+            </a:r>
+            <a:endParaRPr lang="en-US" sz="2100" b="1" dirty="0"/>
+          </a:p>
+          <a:p>
+            <a:pPr lvl="1" algn="just"/>
+            <a:r>
+              <a:rPr lang="en-US" sz="2100" dirty="0">
+                <a:solidFill>
+                  <a:schemeClr val="tx1"/>
+                </a:solidFill>
+              </a:rPr>
+              <a:t>2.1 </a:t>
+            </a:r>
+            <a:r>
+              <a:rPr lang="es-ES" sz="2100" dirty="0">
+                <a:solidFill>
+                  <a:schemeClr val="tx1"/>
+                </a:solidFill>
+              </a:rPr>
+              <a:t>Regresión</a:t>
+            </a:r>
+          </a:p>
+          <a:p>
+            <a:pPr lvl="1" algn="just"/>
+            <a:r>
+              <a:rPr lang="es-ES" sz="2100" dirty="0">
+                <a:solidFill>
+                  <a:schemeClr val="tx1"/>
+                </a:solidFill>
+              </a:rPr>
+              <a:t>2.2 Clasificación</a:t>
+            </a:r>
+          </a:p>
+          <a:p>
+            <a:pPr lvl="1" algn="just"/>
+            <a:r>
+              <a:rPr lang="es-ES" sz="2100" dirty="0">
+                <a:solidFill>
+                  <a:schemeClr val="tx1"/>
+                </a:solidFill>
+              </a:rPr>
+              <a:t>2.3 Segmentación</a:t>
+            </a:r>
+          </a:p>
+          <a:p>
+            <a:pPr lvl="1" algn="just"/>
+            <a:r>
+              <a:rPr lang="es-ES" sz="2100" dirty="0">
+                <a:solidFill>
+                  <a:schemeClr val="tx1"/>
+                </a:solidFill>
+              </a:rPr>
+              <a:t>2.4 Análisis de </a:t>
+            </a:r>
+            <a:r>
+              <a:rPr lang="es-ES" sz="2100" dirty="0" smtClean="0">
+                <a:solidFill>
+                  <a:schemeClr val="tx1"/>
+                </a:solidFill>
+              </a:rPr>
+              <a:t>red</a:t>
+            </a:r>
+            <a:endParaRPr lang="en-US" sz="2100" b="1" dirty="0" smtClean="0"/>
+          </a:p>
+          <a:p>
+            <a:pPr marL="342900" indent="-342900" algn="just">
+              <a:buAutoNum type="arabicPeriod"/>
+            </a:pPr>
+            <a:r>
+              <a:rPr lang="es-PY" sz="2100" b="1" dirty="0"/>
+              <a:t>Problemas de clasificación</a:t>
+            </a:r>
+            <a:endParaRPr lang="en-US" sz="2100" b="1" dirty="0"/>
+          </a:p>
+          <a:p>
+            <a:pPr lvl="1" algn="just"/>
+            <a:r>
+              <a:rPr lang="en-US" sz="2100" dirty="0" smtClean="0">
+                <a:solidFill>
+                  <a:schemeClr val="tx1"/>
+                </a:solidFill>
+              </a:rPr>
+              <a:t>3.1 </a:t>
+            </a:r>
+            <a:r>
+              <a:rPr lang="es-ES" sz="2100" dirty="0">
+                <a:solidFill>
+                  <a:schemeClr val="tx1"/>
+                </a:solidFill>
+              </a:rPr>
+              <a:t>Clasificación </a:t>
+            </a:r>
+            <a:r>
+              <a:rPr lang="es-ES" sz="2100" dirty="0" smtClean="0">
+                <a:solidFill>
+                  <a:schemeClr val="tx1"/>
+                </a:solidFill>
+              </a:rPr>
+              <a:t>binaria</a:t>
+            </a:r>
+          </a:p>
+          <a:p>
+            <a:pPr lvl="1" algn="just"/>
+            <a:r>
+              <a:rPr lang="es-ES" sz="2100" dirty="0" smtClean="0">
+                <a:solidFill>
+                  <a:schemeClr val="tx1"/>
+                </a:solidFill>
+              </a:rPr>
+              <a:t>3.2 </a:t>
+            </a:r>
+            <a:r>
+              <a:rPr lang="es-ES" sz="2100" dirty="0">
+                <a:solidFill>
+                  <a:schemeClr val="tx1"/>
+                </a:solidFill>
+              </a:rPr>
+              <a:t>Clasificación </a:t>
+            </a:r>
+            <a:r>
+              <a:rPr lang="es-ES" sz="2100" dirty="0" err="1" smtClean="0">
+                <a:solidFill>
+                  <a:schemeClr val="tx1"/>
+                </a:solidFill>
+              </a:rPr>
+              <a:t>multiclase</a:t>
+            </a:r>
+            <a:r>
+              <a:rPr lang="es-ES" sz="2100" dirty="0" smtClean="0">
+                <a:solidFill>
+                  <a:schemeClr val="tx1"/>
+                </a:solidFill>
+              </a:rPr>
+              <a:t>: </a:t>
+            </a:r>
+            <a:endParaRPr lang="es-ES" sz="2100" dirty="0">
+              <a:solidFill>
+                <a:schemeClr val="tx1"/>
+              </a:solidFill>
+            </a:endParaRPr>
           </a:p>
           <a:p>
             <a:pPr lvl="1" algn="just"/>
@@ -17358,10 +18091,40 @@
           </a:p>
         </p:txBody>
       </p:sp>
+      <p:pic>
+        <p:nvPicPr>
+          <p:cNvPr id="2" name="Imagen 1"/>
+          <p:cNvPicPr>
+            <a:picLocks noChangeAspect="1"/>
+          </p:cNvPicPr>
+          <p:nvPr/>
+        </p:nvPicPr>
+        <p:blipFill>
+          <a:blip r:embed="rId2">
+            <a:extLst>
+              <a:ext uri="{28A0092B-C50C-407E-A947-70E740481C1C}">
+                <a14:useLocalDpi xmlns:a14="http://schemas.microsoft.com/office/drawing/2010/main" val="0"/>
+              </a:ext>
+            </a:extLst>
+          </a:blip>
+          <a:stretch>
+            <a:fillRect/>
+          </a:stretch>
+        </p:blipFill>
+        <p:spPr>
+          <a:xfrm>
+            <a:off x="3932207" y="6108173"/>
+            <a:ext cx="3220591" cy="444749"/>
+          </a:xfrm>
+          <a:prstGeom prst="rect">
+            <a:avLst/>
+          </a:prstGeom>
+        </p:spPr>
+      </p:pic>
     </p:spTree>
     <p:extLst>
       <p:ext uri="{BB962C8B-B14F-4D97-AF65-F5344CB8AC3E}">
-        <p14:creationId xmlns:p14="http://schemas.microsoft.com/office/powerpoint/2010/main" val="3749977329"/>
+        <p14:creationId xmlns:p14="http://schemas.microsoft.com/office/powerpoint/2010/main" val="1764740496"/>
       </p:ext>
     </p:extLst>
   </p:cSld>

--- a/Presentacion CLEI-JAIIO 2017.pptx
+++ b/Presentacion CLEI-JAIIO 2017.pptx
@@ -4,6 +4,9 @@
   <p:sldMasterIdLst>
     <p:sldMasterId id="2147483840" r:id="rId1"/>
   </p:sldMasterIdLst>
+  <p:notesMasterIdLst>
+    <p:notesMasterId r:id="rId22"/>
+  </p:notesMasterIdLst>
   <p:sldIdLst>
     <p:sldId id="257" r:id="rId2"/>
     <p:sldId id="258" r:id="rId3"/>
@@ -24,6 +27,7 @@
     <p:sldId id="271" r:id="rId18"/>
     <p:sldId id="272" r:id="rId19"/>
     <p:sldId id="273" r:id="rId20"/>
+    <p:sldId id="275" r:id="rId21"/>
   </p:sldIdLst>
   <p:sldSz cx="9144000" cy="6858000" type="screen4x3"/>
   <p:notesSz cx="6858000" cy="9144000"/>
@@ -139,6 +143,440 @@
     </p:ext>
   </p:extLst>
 </p:presentation>
+</file>
+
+<file path=ppt/notesMasters/notesMaster1.xml><?xml version="1.0" encoding="utf-8"?>
+<p:notesMaster xmlns:a="http://schemas.openxmlformats.org/drawingml/2006/main" xmlns:r="http://schemas.openxmlformats.org/officeDocument/2006/relationships" xmlns:p="http://schemas.openxmlformats.org/presentationml/2006/main">
+  <p:cSld>
+    <p:bg>
+      <p:bgRef idx="1001">
+        <a:schemeClr val="bg1"/>
+      </p:bgRef>
+    </p:bg>
+    <p:spTree>
+      <p:nvGrpSpPr>
+        <p:cNvPr id="1" name=""/>
+        <p:cNvGrpSpPr/>
+        <p:nvPr/>
+      </p:nvGrpSpPr>
+      <p:grpSpPr>
+        <a:xfrm>
+          <a:off x="0" y="0"/>
+          <a:ext cx="0" cy="0"/>
+          <a:chOff x="0" y="0"/>
+          <a:chExt cx="0" cy="0"/>
+        </a:xfrm>
+      </p:grpSpPr>
+      <p:sp>
+        <p:nvSpPr>
+          <p:cNvPr id="2" name="Marcador de encabezado 1"/>
+          <p:cNvSpPr>
+            <a:spLocks noGrp="1"/>
+          </p:cNvSpPr>
+          <p:nvPr>
+            <p:ph type="hdr" sz="quarter"/>
+          </p:nvPr>
+        </p:nvSpPr>
+        <p:spPr>
+          <a:xfrm>
+            <a:off x="0" y="0"/>
+            <a:ext cx="2971800" cy="458788"/>
+          </a:xfrm>
+          <a:prstGeom prst="rect">
+            <a:avLst/>
+          </a:prstGeom>
+        </p:spPr>
+        <p:txBody>
+          <a:bodyPr vert="horz" lIns="91440" tIns="45720" rIns="91440" bIns="45720" rtlCol="0"/>
+          <a:lstStyle>
+            <a:lvl1pPr algn="l">
+              <a:defRPr sz="1200"/>
+            </a:lvl1pPr>
+          </a:lstStyle>
+          <a:p>
+            <a:endParaRPr lang="en-US"/>
+          </a:p>
+        </p:txBody>
+      </p:sp>
+      <p:sp>
+        <p:nvSpPr>
+          <p:cNvPr id="3" name="Marcador de fecha 2"/>
+          <p:cNvSpPr>
+            <a:spLocks noGrp="1"/>
+          </p:cNvSpPr>
+          <p:nvPr>
+            <p:ph type="dt" idx="1"/>
+          </p:nvPr>
+        </p:nvSpPr>
+        <p:spPr>
+          <a:xfrm>
+            <a:off x="3884613" y="0"/>
+            <a:ext cx="2971800" cy="458788"/>
+          </a:xfrm>
+          <a:prstGeom prst="rect">
+            <a:avLst/>
+          </a:prstGeom>
+        </p:spPr>
+        <p:txBody>
+          <a:bodyPr vert="horz" lIns="91440" tIns="45720" rIns="91440" bIns="45720" rtlCol="0"/>
+          <a:lstStyle>
+            <a:lvl1pPr algn="r">
+              <a:defRPr sz="1200"/>
+            </a:lvl1pPr>
+          </a:lstStyle>
+          <a:p>
+            <a:fld id="{48AEEB72-D29C-4654-B131-6A67889F7FFC}" type="datetimeFigureOut">
+              <a:rPr lang="en-US" smtClean="0"/>
+              <a:t>02-Sep-17</a:t>
+            </a:fld>
+            <a:endParaRPr lang="en-US"/>
+          </a:p>
+        </p:txBody>
+      </p:sp>
+      <p:sp>
+        <p:nvSpPr>
+          <p:cNvPr id="4" name="Marcador de imagen de diapositiva 3"/>
+          <p:cNvSpPr>
+            <a:spLocks noGrp="1" noRot="1" noChangeAspect="1"/>
+          </p:cNvSpPr>
+          <p:nvPr>
+            <p:ph type="sldImg" idx="2"/>
+          </p:nvPr>
+        </p:nvSpPr>
+        <p:spPr>
+          <a:xfrm>
+            <a:off x="1371600" y="1143000"/>
+            <a:ext cx="4114800" cy="3086100"/>
+          </a:xfrm>
+          <a:prstGeom prst="rect">
+            <a:avLst/>
+          </a:prstGeom>
+          <a:noFill/>
+          <a:ln w="12700">
+            <a:solidFill>
+              <a:prstClr val="black"/>
+            </a:solidFill>
+          </a:ln>
+        </p:spPr>
+        <p:txBody>
+          <a:bodyPr vert="horz" lIns="91440" tIns="45720" rIns="91440" bIns="45720" rtlCol="0" anchor="ctr"/>
+          <a:lstStyle/>
+          <a:p>
+            <a:endParaRPr lang="en-US"/>
+          </a:p>
+        </p:txBody>
+      </p:sp>
+      <p:sp>
+        <p:nvSpPr>
+          <p:cNvPr id="5" name="Marcador de notas 4"/>
+          <p:cNvSpPr>
+            <a:spLocks noGrp="1"/>
+          </p:cNvSpPr>
+          <p:nvPr>
+            <p:ph type="body" sz="quarter" idx="3"/>
+          </p:nvPr>
+        </p:nvSpPr>
+        <p:spPr>
+          <a:xfrm>
+            <a:off x="685800" y="4400550"/>
+            <a:ext cx="5486400" cy="3600450"/>
+          </a:xfrm>
+          <a:prstGeom prst="rect">
+            <a:avLst/>
+          </a:prstGeom>
+        </p:spPr>
+        <p:txBody>
+          <a:bodyPr vert="horz" lIns="91440" tIns="45720" rIns="91440" bIns="45720" rtlCol="0"/>
+          <a:lstStyle/>
+          <a:p>
+            <a:pPr lvl="0"/>
+            <a:r>
+              <a:rPr lang="es-ES" smtClean="0"/>
+              <a:t>Haga clic para modificar el estilo de texto del patrón</a:t>
+            </a:r>
+          </a:p>
+          <a:p>
+            <a:pPr lvl="1"/>
+            <a:r>
+              <a:rPr lang="es-ES" smtClean="0"/>
+              <a:t>Segundo nivel</a:t>
+            </a:r>
+          </a:p>
+          <a:p>
+            <a:pPr lvl="2"/>
+            <a:r>
+              <a:rPr lang="es-ES" smtClean="0"/>
+              <a:t>Tercer nivel</a:t>
+            </a:r>
+          </a:p>
+          <a:p>
+            <a:pPr lvl="3"/>
+            <a:r>
+              <a:rPr lang="es-ES" smtClean="0"/>
+              <a:t>Cuarto nivel</a:t>
+            </a:r>
+          </a:p>
+          <a:p>
+            <a:pPr lvl="4"/>
+            <a:r>
+              <a:rPr lang="es-ES" smtClean="0"/>
+              <a:t>Quinto nivel</a:t>
+            </a:r>
+            <a:endParaRPr lang="en-US"/>
+          </a:p>
+        </p:txBody>
+      </p:sp>
+      <p:sp>
+        <p:nvSpPr>
+          <p:cNvPr id="6" name="Marcador de pie de página 5"/>
+          <p:cNvSpPr>
+            <a:spLocks noGrp="1"/>
+          </p:cNvSpPr>
+          <p:nvPr>
+            <p:ph type="ftr" sz="quarter" idx="4"/>
+          </p:nvPr>
+        </p:nvSpPr>
+        <p:spPr>
+          <a:xfrm>
+            <a:off x="0" y="8685213"/>
+            <a:ext cx="2971800" cy="458787"/>
+          </a:xfrm>
+          <a:prstGeom prst="rect">
+            <a:avLst/>
+          </a:prstGeom>
+        </p:spPr>
+        <p:txBody>
+          <a:bodyPr vert="horz" lIns="91440" tIns="45720" rIns="91440" bIns="45720" rtlCol="0" anchor="b"/>
+          <a:lstStyle>
+            <a:lvl1pPr algn="l">
+              <a:defRPr sz="1200"/>
+            </a:lvl1pPr>
+          </a:lstStyle>
+          <a:p>
+            <a:endParaRPr lang="en-US"/>
+          </a:p>
+        </p:txBody>
+      </p:sp>
+      <p:sp>
+        <p:nvSpPr>
+          <p:cNvPr id="7" name="Marcador de número de diapositiva 6"/>
+          <p:cNvSpPr>
+            <a:spLocks noGrp="1"/>
+          </p:cNvSpPr>
+          <p:nvPr>
+            <p:ph type="sldNum" sz="quarter" idx="5"/>
+          </p:nvPr>
+        </p:nvSpPr>
+        <p:spPr>
+          <a:xfrm>
+            <a:off x="3884613" y="8685213"/>
+            <a:ext cx="2971800" cy="458787"/>
+          </a:xfrm>
+          <a:prstGeom prst="rect">
+            <a:avLst/>
+          </a:prstGeom>
+        </p:spPr>
+        <p:txBody>
+          <a:bodyPr vert="horz" lIns="91440" tIns="45720" rIns="91440" bIns="45720" rtlCol="0" anchor="b"/>
+          <a:lstStyle>
+            <a:lvl1pPr algn="r">
+              <a:defRPr sz="1200"/>
+            </a:lvl1pPr>
+          </a:lstStyle>
+          <a:p>
+            <a:fld id="{46954217-3FE3-4BD5-82D5-FFD692405A63}" type="slidenum">
+              <a:rPr lang="en-US" smtClean="0"/>
+              <a:t>‹Nº›</a:t>
+            </a:fld>
+            <a:endParaRPr lang="en-US"/>
+          </a:p>
+        </p:txBody>
+      </p:sp>
+    </p:spTree>
+    <p:extLst>
+      <p:ext uri="{BB962C8B-B14F-4D97-AF65-F5344CB8AC3E}">
+        <p14:creationId xmlns:p14="http://schemas.microsoft.com/office/powerpoint/2010/main" val="104058438"/>
+      </p:ext>
+    </p:extLst>
+  </p:cSld>
+  <p:clrMap bg1="lt1" tx1="dk1" bg2="lt2" tx2="dk2" accent1="accent1" accent2="accent2" accent3="accent3" accent4="accent4" accent5="accent5" accent6="accent6" hlink="hlink" folHlink="folHlink"/>
+  <p:notesStyle>
+    <a:lvl1pPr marL="0" algn="l" defTabSz="914400" rtl="0" eaLnBrk="1" latinLnBrk="0" hangingPunct="1">
+      <a:defRPr sz="1200" kern="1200">
+        <a:solidFill>
+          <a:schemeClr val="tx1"/>
+        </a:solidFill>
+        <a:latin typeface="+mn-lt"/>
+        <a:ea typeface="+mn-ea"/>
+        <a:cs typeface="+mn-cs"/>
+      </a:defRPr>
+    </a:lvl1pPr>
+    <a:lvl2pPr marL="457200" algn="l" defTabSz="914400" rtl="0" eaLnBrk="1" latinLnBrk="0" hangingPunct="1">
+      <a:defRPr sz="1200" kern="1200">
+        <a:solidFill>
+          <a:schemeClr val="tx1"/>
+        </a:solidFill>
+        <a:latin typeface="+mn-lt"/>
+        <a:ea typeface="+mn-ea"/>
+        <a:cs typeface="+mn-cs"/>
+      </a:defRPr>
+    </a:lvl2pPr>
+    <a:lvl3pPr marL="914400" algn="l" defTabSz="914400" rtl="0" eaLnBrk="1" latinLnBrk="0" hangingPunct="1">
+      <a:defRPr sz="1200" kern="1200">
+        <a:solidFill>
+          <a:schemeClr val="tx1"/>
+        </a:solidFill>
+        <a:latin typeface="+mn-lt"/>
+        <a:ea typeface="+mn-ea"/>
+        <a:cs typeface="+mn-cs"/>
+      </a:defRPr>
+    </a:lvl3pPr>
+    <a:lvl4pPr marL="1371600" algn="l" defTabSz="914400" rtl="0" eaLnBrk="1" latinLnBrk="0" hangingPunct="1">
+      <a:defRPr sz="1200" kern="1200">
+        <a:solidFill>
+          <a:schemeClr val="tx1"/>
+        </a:solidFill>
+        <a:latin typeface="+mn-lt"/>
+        <a:ea typeface="+mn-ea"/>
+        <a:cs typeface="+mn-cs"/>
+      </a:defRPr>
+    </a:lvl4pPr>
+    <a:lvl5pPr marL="1828800" algn="l" defTabSz="914400" rtl="0" eaLnBrk="1" latinLnBrk="0" hangingPunct="1">
+      <a:defRPr sz="1200" kern="1200">
+        <a:solidFill>
+          <a:schemeClr val="tx1"/>
+        </a:solidFill>
+        <a:latin typeface="+mn-lt"/>
+        <a:ea typeface="+mn-ea"/>
+        <a:cs typeface="+mn-cs"/>
+      </a:defRPr>
+    </a:lvl5pPr>
+    <a:lvl6pPr marL="2286000" algn="l" defTabSz="914400" rtl="0" eaLnBrk="1" latinLnBrk="0" hangingPunct="1">
+      <a:defRPr sz="1200" kern="1200">
+        <a:solidFill>
+          <a:schemeClr val="tx1"/>
+        </a:solidFill>
+        <a:latin typeface="+mn-lt"/>
+        <a:ea typeface="+mn-ea"/>
+        <a:cs typeface="+mn-cs"/>
+      </a:defRPr>
+    </a:lvl6pPr>
+    <a:lvl7pPr marL="2743200" algn="l" defTabSz="914400" rtl="0" eaLnBrk="1" latinLnBrk="0" hangingPunct="1">
+      <a:defRPr sz="1200" kern="1200">
+        <a:solidFill>
+          <a:schemeClr val="tx1"/>
+        </a:solidFill>
+        <a:latin typeface="+mn-lt"/>
+        <a:ea typeface="+mn-ea"/>
+        <a:cs typeface="+mn-cs"/>
+      </a:defRPr>
+    </a:lvl7pPr>
+    <a:lvl8pPr marL="3200400" algn="l" defTabSz="914400" rtl="0" eaLnBrk="1" latinLnBrk="0" hangingPunct="1">
+      <a:defRPr sz="1200" kern="1200">
+        <a:solidFill>
+          <a:schemeClr val="tx1"/>
+        </a:solidFill>
+        <a:latin typeface="+mn-lt"/>
+        <a:ea typeface="+mn-ea"/>
+        <a:cs typeface="+mn-cs"/>
+      </a:defRPr>
+    </a:lvl8pPr>
+    <a:lvl9pPr marL="3657600" algn="l" defTabSz="914400" rtl="0" eaLnBrk="1" latinLnBrk="0" hangingPunct="1">
+      <a:defRPr sz="1200" kern="1200">
+        <a:solidFill>
+          <a:schemeClr val="tx1"/>
+        </a:solidFill>
+        <a:latin typeface="+mn-lt"/>
+        <a:ea typeface="+mn-ea"/>
+        <a:cs typeface="+mn-cs"/>
+      </a:defRPr>
+    </a:lvl9pPr>
+  </p:notesStyle>
+</p:notesMaster>
+</file>
+
+<file path=ppt/notesSlides/notesSlide1.xml><?xml version="1.0" encoding="utf-8"?>
+<p:notes xmlns:a="http://schemas.openxmlformats.org/drawingml/2006/main" xmlns:r="http://schemas.openxmlformats.org/officeDocument/2006/relationships" xmlns:p="http://schemas.openxmlformats.org/presentationml/2006/main">
+  <p:cSld>
+    <p:spTree>
+      <p:nvGrpSpPr>
+        <p:cNvPr id="1" name=""/>
+        <p:cNvGrpSpPr/>
+        <p:nvPr/>
+      </p:nvGrpSpPr>
+      <p:grpSpPr>
+        <a:xfrm>
+          <a:off x="0" y="0"/>
+          <a:ext cx="0" cy="0"/>
+          <a:chOff x="0" y="0"/>
+          <a:chExt cx="0" cy="0"/>
+        </a:xfrm>
+      </p:grpSpPr>
+      <p:sp>
+        <p:nvSpPr>
+          <p:cNvPr id="2" name="Marcador de imagen de diapositiva 1"/>
+          <p:cNvSpPr>
+            <a:spLocks noGrp="1" noRot="1" noChangeAspect="1"/>
+          </p:cNvSpPr>
+          <p:nvPr>
+            <p:ph type="sldImg"/>
+          </p:nvPr>
+        </p:nvSpPr>
+        <p:spPr/>
+      </p:sp>
+      <p:sp>
+        <p:nvSpPr>
+          <p:cNvPr id="3" name="Marcador de notas 2"/>
+          <p:cNvSpPr>
+            <a:spLocks noGrp="1"/>
+          </p:cNvSpPr>
+          <p:nvPr>
+            <p:ph type="body" idx="1"/>
+          </p:nvPr>
+        </p:nvSpPr>
+        <p:spPr/>
+        <p:txBody>
+          <a:bodyPr/>
+          <a:lstStyle/>
+          <a:p>
+            <a:endParaRPr lang="en-US"/>
+          </a:p>
+        </p:txBody>
+      </p:sp>
+      <p:sp>
+        <p:nvSpPr>
+          <p:cNvPr id="4" name="Marcador de número de diapositiva 3"/>
+          <p:cNvSpPr>
+            <a:spLocks noGrp="1"/>
+          </p:cNvSpPr>
+          <p:nvPr>
+            <p:ph type="sldNum" sz="quarter" idx="10"/>
+          </p:nvPr>
+        </p:nvSpPr>
+        <p:spPr/>
+        <p:txBody>
+          <a:bodyPr/>
+          <a:lstStyle/>
+          <a:p>
+            <a:fld id="{46954217-3FE3-4BD5-82D5-FFD692405A63}" type="slidenum">
+              <a:rPr lang="en-US" smtClean="0"/>
+              <a:t>2</a:t>
+            </a:fld>
+            <a:endParaRPr lang="en-US"/>
+          </a:p>
+        </p:txBody>
+      </p:sp>
+    </p:spTree>
+    <p:extLst>
+      <p:ext uri="{BB962C8B-B14F-4D97-AF65-F5344CB8AC3E}">
+        <p14:creationId xmlns:p14="http://schemas.microsoft.com/office/powerpoint/2010/main" val="3552782636"/>
+      </p:ext>
+    </p:extLst>
+  </p:cSld>
+  <p:clrMapOvr>
+    <a:masterClrMapping/>
+  </p:clrMapOvr>
+</p:notes>
 </file>
 
 <file path=ppt/slideLayouts/slideLayout1.xml><?xml version="1.0" encoding="utf-8"?>
@@ -655,9 +1093,9 @@
           <a:bodyPr/>
           <a:lstStyle/>
           <a:p>
-            <a:fld id="{216C5678-EE20-4FA5-88E2-6E0BD67A2E26}" type="datetime1">
+            <a:fld id="{6B44C3FB-0C1B-4587-AA30-CCEEC4CE2AF2}" type="datetime1">
               <a:rPr lang="en-US" smtClean="0"/>
-              <a:t>9/2/2017</a:t>
+              <a:t>02-Sep-17</a:t>
             </a:fld>
             <a:endParaRPr lang="en-US" dirty="0"/>
           </a:p>
@@ -763,7 +1201,7 @@
           </a:ln>
           <a:extLst>
             <a:ext uri="{91240B29-F687-4f45-9708-019B960494DF}">
-              <a14:hiddenLine xmlns="" xmlns:a14="http://schemas.microsoft.com/office/drawing/2010/main" w="9525">
+              <a14:hiddenLine xmlns:a14="http://schemas.microsoft.com/office/drawing/2010/main" xmlns="" w="9525">
                 <a:solidFill>
                   <a:srgbClr val="000000"/>
                 </a:solidFill>
@@ -818,7 +1256,7 @@
           </a:ln>
           <a:extLst>
             <a:ext uri="{91240B29-F687-4f45-9708-019B960494DF}">
-              <a14:hiddenLine xmlns="" xmlns:a14="http://schemas.microsoft.com/office/drawing/2010/main" w="9525">
+              <a14:hiddenLine xmlns:a14="http://schemas.microsoft.com/office/drawing/2010/main" xmlns="" w="9525">
                 <a:solidFill>
                   <a:srgbClr val="000000"/>
                 </a:solidFill>
@@ -1071,9 +1509,9 @@
           <a:bodyPr/>
           <a:lstStyle/>
           <a:p>
-            <a:fld id="{B0C4986D-6BE9-4264-908F-02DB36FD8D6C}" type="datetime1">
+            <a:fld id="{2DBCBCC0-40FC-491B-8D10-C384AE9F1066}" type="datetime1">
               <a:rPr lang="en-US" smtClean="0"/>
-              <a:t>9/2/2017</a:t>
+              <a:t>02-Sep-17</a:t>
             </a:fld>
             <a:endParaRPr lang="en-US" dirty="0"/>
           </a:p>
@@ -1136,7 +1574,6 @@
   <p:clrMapOvr>
     <a:masterClrMapping/>
   </p:clrMapOvr>
-  <p:hf hdr="0"/>
 </p:sldLayout>
 </file>
 
@@ -1325,9 +1762,9 @@
           <a:bodyPr/>
           <a:lstStyle/>
           <a:p>
-            <a:fld id="{B0C4986D-6BE9-4264-908F-02DB36FD8D6C}" type="datetime1">
+            <a:fld id="{A427DC72-6895-476B-B521-5DD2E1CEADC2}" type="datetime1">
               <a:rPr lang="en-US" smtClean="0"/>
-              <a:t>9/2/2017</a:t>
+              <a:t>02-Sep-17</a:t>
             </a:fld>
             <a:endParaRPr lang="en-US" dirty="0"/>
           </a:p>
@@ -1390,7 +1827,6 @@
   <p:clrMapOvr>
     <a:masterClrMapping/>
   </p:clrMapOvr>
-  <p:hf hdr="0"/>
 </p:sldLayout>
 </file>
 
@@ -1871,9 +2307,9 @@
           <a:bodyPr/>
           <a:lstStyle/>
           <a:p>
-            <a:fld id="{B0C4986D-6BE9-4264-908F-02DB36FD8D6C}" type="datetime1">
+            <a:fld id="{C26F630A-F03F-47CE-94AC-CE3D55FF32E3}" type="datetime1">
               <a:rPr lang="en-US" smtClean="0"/>
-              <a:t>9/2/2017</a:t>
+              <a:t>02-Sep-17</a:t>
             </a:fld>
             <a:endParaRPr lang="en-US" dirty="0"/>
           </a:p>
@@ -1936,7 +2372,6 @@
   <p:clrMapOvr>
     <a:masterClrMapping/>
   </p:clrMapOvr>
-  <p:hf hdr="0"/>
 </p:sldLayout>
 </file>
 
@@ -2125,9 +2560,9 @@
           <a:bodyPr/>
           <a:lstStyle/>
           <a:p>
-            <a:fld id="{B0C4986D-6BE9-4264-908F-02DB36FD8D6C}" type="datetime1">
+            <a:fld id="{39BF7FC1-8C1C-4627-94FE-6C54B7745E0D}" type="datetime1">
               <a:rPr lang="en-US" smtClean="0"/>
-              <a:t>9/2/2017</a:t>
+              <a:t>02-Sep-17</a:t>
             </a:fld>
             <a:endParaRPr lang="en-US" dirty="0"/>
           </a:p>
@@ -2190,7 +2625,6 @@
   <p:clrMapOvr>
     <a:masterClrMapping/>
   </p:clrMapOvr>
-  <p:hf hdr="0"/>
 </p:sldLayout>
 </file>
 
@@ -2663,9 +3097,9 @@
           <a:bodyPr/>
           <a:lstStyle/>
           <a:p>
-            <a:fld id="{B0C4986D-6BE9-4264-908F-02DB36FD8D6C}" type="datetime1">
+            <a:fld id="{ECF3D208-4F67-4D96-83A9-7C2FAC0713C8}" type="datetime1">
               <a:rPr lang="en-US" smtClean="0"/>
-              <a:t>9/2/2017</a:t>
+              <a:t>02-Sep-17</a:t>
             </a:fld>
             <a:endParaRPr lang="en-US" dirty="0"/>
           </a:p>
@@ -2728,7 +3162,6 @@
   <p:clrMapOvr>
     <a:masterClrMapping/>
   </p:clrMapOvr>
-  <p:hf hdr="0"/>
 </p:sldLayout>
 </file>
 
@@ -2966,9 +3399,9 @@
           <a:bodyPr/>
           <a:lstStyle/>
           <a:p>
-            <a:fld id="{B0C4986D-6BE9-4264-908F-02DB36FD8D6C}" type="datetime1">
+            <a:fld id="{A602FC23-FDBB-4B95-8885-16FBB27F6D13}" type="datetime1">
               <a:rPr lang="en-US" smtClean="0"/>
-              <a:t>9/2/2017</a:t>
+              <a:t>02-Sep-17</a:t>
             </a:fld>
             <a:endParaRPr lang="en-US" dirty="0"/>
           </a:p>
@@ -3031,7 +3464,6 @@
   <p:clrMapOvr>
     <a:masterClrMapping/>
   </p:clrMapOvr>
-  <p:hf hdr="0"/>
 </p:sldLayout>
 </file>
 
@@ -3146,9 +3578,9 @@
           <a:bodyPr/>
           <a:lstStyle/>
           <a:p>
-            <a:fld id="{EA051B39-B140-43FE-96DB-472A2B59CE7C}" type="datetime1">
+            <a:fld id="{CF9F94BE-B64F-42AF-8EBF-368519F43054}" type="datetime1">
               <a:rPr lang="en-US" smtClean="0"/>
-              <a:t>9/2/2017</a:t>
+              <a:t>02-Sep-17</a:t>
             </a:fld>
             <a:endParaRPr lang="en-US"/>
           </a:p>
@@ -3331,9 +3763,9 @@
           <a:bodyPr/>
           <a:lstStyle/>
           <a:p>
-            <a:fld id="{DA600BB2-27C5-458B-ABCE-839C88CF47CE}" type="datetime1">
+            <a:fld id="{E321066C-EE91-4652-BF2E-C8A3185F8078}" type="datetime1">
               <a:rPr lang="en-US" smtClean="0"/>
-              <a:t>9/2/2017</a:t>
+              <a:t>02-Sep-17</a:t>
             </a:fld>
             <a:endParaRPr lang="en-US"/>
           </a:p>
@@ -3521,9 +3953,9 @@
           <a:bodyPr/>
           <a:lstStyle/>
           <a:p>
-            <a:fld id="{B11D738E-8962-435F-8C43-147B8DD7E819}" type="datetime1">
+            <a:fld id="{BDA91702-395E-4E81-BEED-6E52DCF43BC5}" type="datetime1">
               <a:rPr lang="en-US" smtClean="0"/>
-              <a:t>9/2/2017</a:t>
+              <a:t>02-Sep-17</a:t>
             </a:fld>
             <a:endParaRPr lang="en-US"/>
           </a:p>
@@ -3782,9 +4214,9 @@
           <a:bodyPr/>
           <a:lstStyle/>
           <a:p>
-            <a:fld id="{09CAEA93-55E7-4DA9-90C2-089A26EEFEC4}" type="datetime1">
+            <a:fld id="{F25A2487-6AC6-46E3-B33D-5D05B123D4A7}" type="datetime1">
               <a:rPr lang="en-US" smtClean="0"/>
-              <a:t>9/2/2017</a:t>
+              <a:t>02-Sep-17</a:t>
             </a:fld>
             <a:endParaRPr lang="en-US"/>
           </a:p>
@@ -4089,9 +4521,9 @@
           <a:bodyPr/>
           <a:lstStyle/>
           <a:p>
-            <a:fld id="{E34CF3C7-6809-4F39-BD67-A75817BDDE0A}" type="datetime1">
+            <a:fld id="{F4C275C9-F92A-47FB-9FCC-3D0924A5F798}" type="datetime1">
               <a:rPr lang="en-US" smtClean="0"/>
-              <a:t>9/2/2017</a:t>
+              <a:t>02-Sep-17</a:t>
             </a:fld>
             <a:endParaRPr lang="en-US"/>
           </a:p>
@@ -4536,9 +4968,9 @@
           <a:bodyPr/>
           <a:lstStyle/>
           <a:p>
-            <a:fld id="{F7EAEB24-CE78-465C-A726-91D0868FA48F}" type="datetime1">
+            <a:fld id="{EE401011-EE6D-47E3-A183-A83860EF6B77}" type="datetime1">
               <a:rPr lang="en-US" smtClean="0"/>
-              <a:t>9/2/2017</a:t>
+              <a:t>02-Sep-17</a:t>
             </a:fld>
             <a:endParaRPr lang="en-US"/>
           </a:p>
@@ -4659,9 +5091,9 @@
           <a:bodyPr/>
           <a:lstStyle/>
           <a:p>
-            <a:fld id="{B0C4986D-6BE9-4264-908F-02DB36FD8D6C}" type="datetime1">
+            <a:fld id="{63A2ADCF-5041-4F5A-9331-2A3E5401F304}" type="datetime1">
               <a:rPr lang="en-US" smtClean="0"/>
-              <a:t>9/2/2017</a:t>
+              <a:t>02-Sep-17</a:t>
             </a:fld>
             <a:endParaRPr lang="en-US" dirty="0"/>
           </a:p>
@@ -4724,7 +5156,6 @@
   <p:clrMapOvr>
     <a:masterClrMapping/>
   </p:clrMapOvr>
-  <p:hf hdr="0"/>
 </p:sldLayout>
 </file>
 
@@ -4760,9 +5191,9 @@
           <a:bodyPr/>
           <a:lstStyle/>
           <a:p>
-            <a:fld id="{A8AF628A-A867-4937-BBE5-207DB6F9C51A}" type="datetime1">
+            <a:fld id="{E9BCB32F-AA65-4962-8231-1A87B5955612}" type="datetime1">
               <a:rPr lang="en-US" smtClean="0"/>
-              <a:t>9/2/2017</a:t>
+              <a:t>02-Sep-17</a:t>
             </a:fld>
             <a:endParaRPr lang="en-US"/>
           </a:p>
@@ -5048,9 +5479,9 @@
           <a:bodyPr/>
           <a:lstStyle/>
           <a:p>
-            <a:fld id="{118BBB94-68E6-4675-A946-F1C5994EDBD7}" type="datetime1">
+            <a:fld id="{B0ED3D63-26E0-49D8-BAA7-43843CC8105C}" type="datetime1">
               <a:rPr lang="en-US" smtClean="0"/>
-              <a:t>9/2/2017</a:t>
+              <a:t>02-Sep-17</a:t>
             </a:fld>
             <a:endParaRPr lang="en-US"/>
           </a:p>
@@ -5344,9 +5775,9 @@
           <a:bodyPr/>
           <a:lstStyle/>
           <a:p>
-            <a:fld id="{DC3B8377-21E3-4835-B75D-4E2847E2750F}" type="datetime1">
+            <a:fld id="{AA6280C2-7C8C-45EA-8ECA-EDC8E027C302}" type="datetime1">
               <a:rPr lang="en-US" smtClean="0"/>
-              <a:t>9/2/2017</a:t>
+              <a:t>02-Sep-17</a:t>
             </a:fld>
             <a:endParaRPr lang="en-US"/>
           </a:p>
@@ -5873,9 +6304,9 @@
             </a:lvl1pPr>
           </a:lstStyle>
           <a:p>
-            <a:fld id="{B0C4986D-6BE9-4264-908F-02DB36FD8D6C}" type="datetime1">
+            <a:fld id="{86270A0B-8AA3-43C5-9EE0-1493BF60B2CA}" type="datetime1">
               <a:rPr lang="en-US" smtClean="0"/>
-              <a:t>9/2/2017</a:t>
+              <a:t>02-Sep-17</a:t>
             </a:fld>
             <a:endParaRPr lang="en-US" dirty="0"/>
           </a:p>
@@ -5991,7 +6422,7 @@
     <p:sldLayoutId id="2147483856" r:id="rId16"/>
     <p:sldLayoutId id="2147483857" r:id="rId17"/>
   </p:sldLayoutIdLst>
-  <p:hf hdr="0"/>
+  <p:hf sldNum="0" hdr="0" ftr="0" dt="0"/>
   <p:txStyles>
     <p:titleStyle>
       <a:lvl1pPr algn="ctr" defTabSz="457200" rtl="0" eaLnBrk="1" latinLnBrk="0" hangingPunct="1">
@@ -6467,30 +6898,6 @@
       </p:sp>
       <p:sp>
         <p:nvSpPr>
-          <p:cNvPr id="6" name="5 Marcador de número de diapositiva"/>
-          <p:cNvSpPr>
-            <a:spLocks noGrp="1"/>
-          </p:cNvSpPr>
-          <p:nvPr>
-            <p:ph type="sldNum" sz="quarter" idx="12"/>
-          </p:nvPr>
-        </p:nvSpPr>
-        <p:spPr/>
-        <p:txBody>
-          <a:bodyPr/>
-          <a:lstStyle/>
-          <a:p>
-            <a:fld id="{BA9B540C-44DA-4F69-89C9-7C84606640D3}" type="slidenum">
-              <a:rPr lang="en-US" smtClean="0"/>
-              <a:pPr/>
-              <a:t>1</a:t>
-            </a:fld>
-            <a:endParaRPr lang="en-US"/>
-          </a:p>
-        </p:txBody>
-      </p:sp>
-      <p:sp>
-        <p:nvSpPr>
           <p:cNvPr id="10" name="Rectangle 2"/>
           <p:cNvSpPr>
             <a:spLocks noChangeArrowheads="1"/>
@@ -6816,8 +7223,8 @@
         </p:nvSpPr>
         <p:spPr>
           <a:xfrm>
-            <a:off x="1887574" y="4494320"/>
-            <a:ext cx="5379169" cy="2585323"/>
+            <a:off x="1903846" y="4581128"/>
+            <a:ext cx="5379169" cy="2031325"/>
           </a:xfrm>
           <a:prstGeom prst="rect">
             <a:avLst/>
@@ -6910,7 +7317,11 @@
             <a:pPr algn="ctr"/>
             <a:r>
               <a:rPr lang="es-ES" b="1" dirty="0" smtClean="0"/>
-              <a:t>UTN-FRC </a:t>
+              <a:t>CLEI/JAIIO 2017</a:t>
+            </a:r>
+            <a:r>
+              <a:rPr lang="es-ES" b="1" dirty="0" smtClean="0"/>
+              <a:t> </a:t>
             </a:r>
             <a:r>
               <a:rPr lang="es-ES" b="1" dirty="0"/>
@@ -6918,24 +7329,13 @@
             </a:r>
             <a:r>
               <a:rPr lang="es-ES" b="1" dirty="0" smtClean="0"/>
-              <a:t>Córdoba – Argentina</a:t>
+              <a:t>Córdoba – </a:t>
+            </a:r>
+            <a:r>
+              <a:rPr lang="es-ES" b="1" dirty="0" smtClean="0"/>
+              <a:t>Argentina</a:t>
             </a:r>
             <a:endParaRPr lang="es-PY" b="1" dirty="0"/>
-          </a:p>
-          <a:p>
-            <a:pPr algn="ctr"/>
-            <a:r>
-              <a:rPr lang="es-PY" b="1" dirty="0"/>
-              <a:t>Septiembre, </a:t>
-            </a:r>
-            <a:r>
-              <a:rPr lang="es-PY" b="1" dirty="0" smtClean="0"/>
-              <a:t>2017</a:t>
-            </a:r>
-            <a:endParaRPr lang="es-ES" b="1" dirty="0"/>
-          </a:p>
-          <a:p>
-            <a:endParaRPr lang="es-PY" dirty="0"/>
           </a:p>
         </p:txBody>
       </p:sp>
@@ -7008,30 +7408,6 @@
       </p:grpSpPr>
       <p:sp>
         <p:nvSpPr>
-          <p:cNvPr id="6" name="5 Marcador de número de diapositiva"/>
-          <p:cNvSpPr>
-            <a:spLocks noGrp="1"/>
-          </p:cNvSpPr>
-          <p:nvPr>
-            <p:ph type="sldNum" sz="quarter" idx="12"/>
-          </p:nvPr>
-        </p:nvSpPr>
-        <p:spPr/>
-        <p:txBody>
-          <a:bodyPr/>
-          <a:lstStyle/>
-          <a:p>
-            <a:fld id="{BA9B540C-44DA-4F69-89C9-7C84606640D3}" type="slidenum">
-              <a:rPr lang="en-US" smtClean="0"/>
-              <a:pPr/>
-              <a:t>10</a:t>
-            </a:fld>
-            <a:endParaRPr lang="en-US"/>
-          </a:p>
-        </p:txBody>
-      </p:sp>
-      <p:sp>
-        <p:nvSpPr>
           <p:cNvPr id="8" name="1 Título"/>
           <p:cNvSpPr txBox="1">
             <a:spLocks/>
@@ -7548,30 +7924,6 @@
           <a:chExt cx="0" cy="0"/>
         </a:xfrm>
       </p:grpSpPr>
-      <p:sp>
-        <p:nvSpPr>
-          <p:cNvPr id="6" name="5 Marcador de número de diapositiva"/>
-          <p:cNvSpPr>
-            <a:spLocks noGrp="1"/>
-          </p:cNvSpPr>
-          <p:nvPr>
-            <p:ph type="sldNum" sz="quarter" idx="12"/>
-          </p:nvPr>
-        </p:nvSpPr>
-        <p:spPr/>
-        <p:txBody>
-          <a:bodyPr/>
-          <a:lstStyle/>
-          <a:p>
-            <a:fld id="{BA9B540C-44DA-4F69-89C9-7C84606640D3}" type="slidenum">
-              <a:rPr lang="en-US" smtClean="0"/>
-              <a:pPr/>
-              <a:t>11</a:t>
-            </a:fld>
-            <a:endParaRPr lang="en-US"/>
-          </a:p>
-        </p:txBody>
-      </p:sp>
       <p:sp>
         <p:nvSpPr>
           <p:cNvPr id="8" name="1 Título"/>
@@ -8155,30 +8507,6 @@
       </p:grpSpPr>
       <p:sp>
         <p:nvSpPr>
-          <p:cNvPr id="6" name="5 Marcador de número de diapositiva"/>
-          <p:cNvSpPr>
-            <a:spLocks noGrp="1"/>
-          </p:cNvSpPr>
-          <p:nvPr>
-            <p:ph type="sldNum" sz="quarter" idx="12"/>
-          </p:nvPr>
-        </p:nvSpPr>
-        <p:spPr/>
-        <p:txBody>
-          <a:bodyPr/>
-          <a:lstStyle/>
-          <a:p>
-            <a:fld id="{BA9B540C-44DA-4F69-89C9-7C84606640D3}" type="slidenum">
-              <a:rPr lang="en-US" smtClean="0"/>
-              <a:pPr/>
-              <a:t>12</a:t>
-            </a:fld>
-            <a:endParaRPr lang="en-US"/>
-          </a:p>
-        </p:txBody>
-      </p:sp>
-      <p:sp>
-        <p:nvSpPr>
           <p:cNvPr id="8" name="1 Título"/>
           <p:cNvSpPr txBox="1">
             <a:spLocks/>
@@ -8355,30 +8683,6 @@
           <a:chExt cx="0" cy="0"/>
         </a:xfrm>
       </p:grpSpPr>
-      <p:sp>
-        <p:nvSpPr>
-          <p:cNvPr id="6" name="5 Marcador de número de diapositiva"/>
-          <p:cNvSpPr>
-            <a:spLocks noGrp="1"/>
-          </p:cNvSpPr>
-          <p:nvPr>
-            <p:ph type="sldNum" sz="quarter" idx="12"/>
-          </p:nvPr>
-        </p:nvSpPr>
-        <p:spPr/>
-        <p:txBody>
-          <a:bodyPr/>
-          <a:lstStyle/>
-          <a:p>
-            <a:fld id="{BA9B540C-44DA-4F69-89C9-7C84606640D3}" type="slidenum">
-              <a:rPr lang="en-US" smtClean="0"/>
-              <a:pPr/>
-              <a:t>13</a:t>
-            </a:fld>
-            <a:endParaRPr lang="en-US"/>
-          </a:p>
-        </p:txBody>
-      </p:sp>
       <p:sp>
         <p:nvSpPr>
           <p:cNvPr id="8" name="1 Título"/>
@@ -9024,30 +9328,6 @@
       </p:grpSpPr>
       <p:sp>
         <p:nvSpPr>
-          <p:cNvPr id="6" name="5 Marcador de número de diapositiva"/>
-          <p:cNvSpPr>
-            <a:spLocks noGrp="1"/>
-          </p:cNvSpPr>
-          <p:nvPr>
-            <p:ph type="sldNum" sz="quarter" idx="12"/>
-          </p:nvPr>
-        </p:nvSpPr>
-        <p:spPr/>
-        <p:txBody>
-          <a:bodyPr/>
-          <a:lstStyle/>
-          <a:p>
-            <a:fld id="{BA9B540C-44DA-4F69-89C9-7C84606640D3}" type="slidenum">
-              <a:rPr lang="en-US" smtClean="0"/>
-              <a:pPr/>
-              <a:t>14</a:t>
-            </a:fld>
-            <a:endParaRPr lang="en-US"/>
-          </a:p>
-        </p:txBody>
-      </p:sp>
-      <p:sp>
-        <p:nvSpPr>
           <p:cNvPr id="8" name="1 Título"/>
           <p:cNvSpPr txBox="1">
             <a:spLocks/>
@@ -9535,30 +9815,6 @@
       </p:grpSpPr>
       <p:sp>
         <p:nvSpPr>
-          <p:cNvPr id="6" name="5 Marcador de número de diapositiva"/>
-          <p:cNvSpPr>
-            <a:spLocks noGrp="1"/>
-          </p:cNvSpPr>
-          <p:nvPr>
-            <p:ph type="sldNum" sz="quarter" idx="12"/>
-          </p:nvPr>
-        </p:nvSpPr>
-        <p:spPr/>
-        <p:txBody>
-          <a:bodyPr/>
-          <a:lstStyle/>
-          <a:p>
-            <a:fld id="{BA9B540C-44DA-4F69-89C9-7C84606640D3}" type="slidenum">
-              <a:rPr lang="en-US" smtClean="0"/>
-              <a:pPr/>
-              <a:t>15</a:t>
-            </a:fld>
-            <a:endParaRPr lang="en-US"/>
-          </a:p>
-        </p:txBody>
-      </p:sp>
-      <p:sp>
-        <p:nvSpPr>
           <p:cNvPr id="8" name="1 Título"/>
           <p:cNvSpPr txBox="1">
             <a:spLocks/>
@@ -10050,30 +10306,6 @@
       </p:grpSpPr>
       <p:sp>
         <p:nvSpPr>
-          <p:cNvPr id="6" name="5 Marcador de número de diapositiva"/>
-          <p:cNvSpPr>
-            <a:spLocks noGrp="1"/>
-          </p:cNvSpPr>
-          <p:nvPr>
-            <p:ph type="sldNum" sz="quarter" idx="12"/>
-          </p:nvPr>
-        </p:nvSpPr>
-        <p:spPr/>
-        <p:txBody>
-          <a:bodyPr/>
-          <a:lstStyle/>
-          <a:p>
-            <a:fld id="{BA9B540C-44DA-4F69-89C9-7C84606640D3}" type="slidenum">
-              <a:rPr lang="en-US" smtClean="0"/>
-              <a:pPr/>
-              <a:t>16</a:t>
-            </a:fld>
-            <a:endParaRPr lang="en-US"/>
-          </a:p>
-        </p:txBody>
-      </p:sp>
-      <p:sp>
-        <p:nvSpPr>
           <p:cNvPr id="8" name="1 Título"/>
           <p:cNvSpPr txBox="1">
             <a:spLocks/>
@@ -10560,30 +10792,6 @@
       </p:grpSpPr>
       <p:sp>
         <p:nvSpPr>
-          <p:cNvPr id="6" name="5 Marcador de número de diapositiva"/>
-          <p:cNvSpPr>
-            <a:spLocks noGrp="1"/>
-          </p:cNvSpPr>
-          <p:nvPr>
-            <p:ph type="sldNum" sz="quarter" idx="12"/>
-          </p:nvPr>
-        </p:nvSpPr>
-        <p:spPr/>
-        <p:txBody>
-          <a:bodyPr/>
-          <a:lstStyle/>
-          <a:p>
-            <a:fld id="{BA9B540C-44DA-4F69-89C9-7C84606640D3}" type="slidenum">
-              <a:rPr lang="en-US" smtClean="0"/>
-              <a:pPr/>
-              <a:t>17</a:t>
-            </a:fld>
-            <a:endParaRPr lang="en-US"/>
-          </a:p>
-        </p:txBody>
-      </p:sp>
-      <p:sp>
-        <p:nvSpPr>
           <p:cNvPr id="8" name="1 Título"/>
           <p:cNvSpPr txBox="1">
             <a:spLocks/>
@@ -11071,30 +11279,6 @@
       </p:grpSpPr>
       <p:sp>
         <p:nvSpPr>
-          <p:cNvPr id="6" name="5 Marcador de número de diapositiva"/>
-          <p:cNvSpPr>
-            <a:spLocks noGrp="1"/>
-          </p:cNvSpPr>
-          <p:nvPr>
-            <p:ph type="sldNum" sz="quarter" idx="12"/>
-          </p:nvPr>
-        </p:nvSpPr>
-        <p:spPr/>
-        <p:txBody>
-          <a:bodyPr/>
-          <a:lstStyle/>
-          <a:p>
-            <a:fld id="{BA9B540C-44DA-4F69-89C9-7C84606640D3}" type="slidenum">
-              <a:rPr lang="en-US" smtClean="0"/>
-              <a:pPr/>
-              <a:t>18</a:t>
-            </a:fld>
-            <a:endParaRPr lang="en-US"/>
-          </a:p>
-        </p:txBody>
-      </p:sp>
-      <p:sp>
-        <p:nvSpPr>
           <p:cNvPr id="8" name="1 Título"/>
           <p:cNvSpPr txBox="1">
             <a:spLocks/>
@@ -11223,7 +11407,7 @@
         </p:spPr>
         <p:txBody>
           <a:bodyPr vert="horz" lIns="91440" tIns="45720" rIns="91440" bIns="45720" rtlCol="0" anchor="t">
-            <a:normAutofit fontScale="85000" lnSpcReduction="20000"/>
+            <a:normAutofit fontScale="70000" lnSpcReduction="20000"/>
           </a:bodyPr>
           <a:lstStyle>
             <a:lvl1pPr marL="0" indent="0" algn="r" defTabSz="457200" rtl="0" eaLnBrk="1" latinLnBrk="0" hangingPunct="1">
@@ -11469,104 +11653,160 @@
             </a:lvl9pPr>
           </a:lstStyle>
           <a:p>
-            <a:pPr marL="457200" indent="-457200" algn="just">
+            <a:pPr marL="514350" indent="-514350" algn="just">
               <a:buFont typeface="+mj-lt"/>
               <a:buAutoNum type="arabicPeriod"/>
             </a:pPr>
             <a:r>
-              <a:rPr lang="es-ES" sz="2800" b="1" u="sng" dirty="0" smtClean="0"/>
+              <a:rPr lang="es-ES" sz="2900" b="1" u="sng" dirty="0" smtClean="0"/>
               <a:t>Impacto </a:t>
             </a:r>
             <a:r>
-              <a:rPr lang="es-ES" sz="2800" b="1" u="sng" dirty="0"/>
+              <a:rPr lang="es-ES" sz="2900" b="1" u="sng" dirty="0"/>
               <a:t>del período de </a:t>
             </a:r>
             <a:r>
-              <a:rPr lang="es-ES" sz="2800" b="1" u="sng" dirty="0" smtClean="0"/>
+              <a:rPr lang="es-ES" sz="2900" b="1" u="sng" dirty="0" smtClean="0"/>
               <a:t>análisis</a:t>
             </a:r>
           </a:p>
           <a:p>
             <a:pPr algn="just"/>
             <a:r>
-              <a:rPr lang="es-ES" sz="2100" dirty="0"/>
+              <a:rPr lang="es-ES" sz="2600" dirty="0" smtClean="0"/>
               <a:t>Una de las decisiones que se debe tomar es acerca del </a:t>
             </a:r>
             <a:r>
-              <a:rPr lang="es-ES" sz="2100" b="1" dirty="0"/>
+              <a:rPr lang="es-ES" sz="2600" b="1" dirty="0" smtClean="0"/>
               <a:t>tiempo asignado al período de análisis</a:t>
             </a:r>
             <a:r>
-              <a:rPr lang="es-ES" sz="2100" dirty="0"/>
+              <a:rPr lang="es-ES" sz="2600" dirty="0" smtClean="0"/>
               <a:t>. En este trabajo se analizaron tres períodos distintos: mensuales, quincenales y semanales con propósitos experimentales y por ser los más comunes en el ámbito comercial. En la práctica, la elección del período es una </a:t>
             </a:r>
             <a:r>
-              <a:rPr lang="es-ES" sz="2100" b="1" dirty="0"/>
+              <a:rPr lang="es-ES" sz="2600" b="1" dirty="0" smtClean="0"/>
               <a:t>decisión estratégica</a:t>
             </a:r>
             <a:r>
-              <a:rPr lang="es-ES" sz="2100" dirty="0"/>
+              <a:rPr lang="es-ES" sz="2600" dirty="0" smtClean="0"/>
               <a:t> a nivel gerencial que depende en gran medida del sector y tamaño de la empresa, tipos de productos, etc.</a:t>
             </a:r>
           </a:p>
           <a:p>
             <a:pPr algn="just"/>
             <a:r>
-              <a:rPr lang="es-ES" sz="2100" dirty="0"/>
-              <a:t>En el presente trabajo, por tratarse de períodos de tiempo muy cercanos (1, 2 y 4 semanas) no se observan diferencias significativas en el porcentaje de aciertos. Otro factor a tener en cuenta es que para períodos de tiempo muy extensos (6, 12 meses) existe mayor incertidumbre en el pronóstico</a:t>
-            </a:r>
-            <a:r>
-              <a:rPr lang="es-ES" sz="2100" dirty="0" smtClean="0"/>
+              <a:rPr lang="es-ES" sz="2600" dirty="0" smtClean="0"/>
+              <a:t>En </a:t>
+            </a:r>
+            <a:r>
+              <a:rPr lang="es-ES" sz="2600" dirty="0"/>
+              <a:t>el presente trabajo, por tratarse de períodos de tiempo muy cercanos (1, 2 y 4 semanas) no se observan diferencias significativas en el porcentaje de aciertos. Otro factor a tener en cuenta es que para períodos de tiempo muy extensos (6, 12 meses) existe mayor incertidumbre en el pronóstico</a:t>
+            </a:r>
+            <a:r>
+              <a:rPr lang="es-ES" sz="2600" dirty="0" smtClean="0"/>
               <a:t>.</a:t>
             </a:r>
-            <a:endParaRPr lang="es-ES" sz="2100" b="1" u="sng" dirty="0" smtClean="0"/>
-          </a:p>
-          <a:p>
-            <a:pPr marL="457200" indent="-457200" algn="just">
+            <a:endParaRPr lang="es-ES" sz="2600" b="1" u="sng" dirty="0" smtClean="0"/>
+          </a:p>
+          <a:p>
+            <a:pPr marL="514350" indent="-514350" algn="just">
               <a:buFont typeface="+mj-lt"/>
-              <a:buAutoNum type="arabicPeriod"/>
+              <a:buAutoNum type="arabicPeriod" startAt="2"/>
             </a:pPr>
             <a:r>
-              <a:rPr lang="es-ES" sz="2800" b="1" u="sng" dirty="0"/>
-              <a:t>Impacto del </a:t>
-            </a:r>
-            <a:r>
-              <a:rPr lang="es-ES" sz="2800" b="1" u="sng" dirty="0" smtClean="0"/>
+              <a:rPr lang="es-ES" sz="2900" b="1" u="sng" dirty="0" smtClean="0"/>
+              <a:t>Impacto </a:t>
+            </a:r>
+            <a:r>
+              <a:rPr lang="es-ES" sz="2900" b="1" u="sng" dirty="0"/>
+              <a:t>del </a:t>
+            </a:r>
+            <a:r>
+              <a:rPr lang="es-ES" sz="2900" b="1" u="sng" dirty="0" smtClean="0"/>
               <a:t>etiquetado</a:t>
             </a:r>
-            <a:endParaRPr lang="es-ES" sz="2800" b="1" u="sng" dirty="0"/>
+            <a:endParaRPr lang="es-ES" sz="2900" b="1" u="sng" dirty="0"/>
           </a:p>
           <a:p>
             <a:pPr algn="just"/>
             <a:r>
-              <a:rPr lang="es-ES" sz="2100" dirty="0"/>
-              <a:t>La técnica propuesta se trata de un </a:t>
-            </a:r>
-            <a:r>
-              <a:rPr lang="es-ES" sz="2100" b="1" dirty="0"/>
+              <a:rPr lang="es-ES" sz="2600" dirty="0" smtClean="0"/>
+              <a:t>La </a:t>
+            </a:r>
+            <a:r>
+              <a:rPr lang="es-ES" sz="2600" dirty="0"/>
+              <a:t>técnica propuesta se trata de un </a:t>
+            </a:r>
+            <a:r>
+              <a:rPr lang="es-ES" sz="2600" b="1" dirty="0"/>
               <a:t>sistema parametrizado</a:t>
             </a:r>
             <a:r>
-              <a:rPr lang="es-ES" sz="2100" dirty="0"/>
+              <a:rPr lang="es-ES" sz="2600" dirty="0"/>
               <a:t>, donde las variables principales son el </a:t>
             </a:r>
             <a:r>
-              <a:rPr lang="es-ES" sz="2100" b="1" dirty="0"/>
+              <a:rPr lang="es-ES" sz="2600" b="1" dirty="0"/>
               <a:t>período comercial</a:t>
             </a:r>
             <a:r>
-              <a:rPr lang="es-ES" sz="2100" dirty="0"/>
+              <a:rPr lang="es-ES" sz="2600" dirty="0"/>
               <a:t> y las </a:t>
             </a:r>
             <a:r>
-              <a:rPr lang="es-ES" sz="2100" b="1" dirty="0"/>
+              <a:rPr lang="es-ES" sz="2600" b="1" dirty="0"/>
               <a:t>etiquetas</a:t>
             </a:r>
             <a:r>
-              <a:rPr lang="es-ES" sz="2100" dirty="0"/>
-              <a:t> seleccionadas para la clasificación. Por cuestiones de practicidad y generalidad se eligió para este trabajo un enfoque de problema de clasificación. El etiquetado proporciona mayor flexibilidad al sistema y un entorno más controlable, en comparación a un sistema de asignación de valores continuos. La flexibilidad del sistema permitió emular la opinión del experto en compras y encontrar una cantidad eficiente de etiquetas.</a:t>
-            </a:r>
-            <a:endParaRPr lang="en-US" sz="2100" dirty="0" smtClean="0"/>
+              <a:rPr lang="es-ES" sz="2600" dirty="0"/>
+              <a:t> seleccionadas para la clasificación. Por cuestiones de </a:t>
+            </a:r>
+            <a:r>
+              <a:rPr lang="es-ES" sz="2600" b="1" dirty="0"/>
+              <a:t>practicidad y generalidad</a:t>
+            </a:r>
+            <a:r>
+              <a:rPr lang="es-ES" sz="2600" dirty="0"/>
+              <a:t> se eligió para este trabajo un enfoque de problema de clasificación. El etiquetado proporciona mayor </a:t>
+            </a:r>
+            <a:r>
+              <a:rPr lang="es-ES" sz="2600" b="1" dirty="0"/>
+              <a:t>flexibilidad</a:t>
+            </a:r>
+            <a:r>
+              <a:rPr lang="es-ES" sz="2600" dirty="0"/>
+              <a:t> al sistema y un entorno más </a:t>
+            </a:r>
+            <a:r>
+              <a:rPr lang="es-ES" sz="2600" b="1" dirty="0"/>
+              <a:t>controlable</a:t>
+            </a:r>
+            <a:r>
+              <a:rPr lang="es-ES" sz="2600" dirty="0"/>
+              <a:t>, en comparación a un sistema de asignación de valores continuos. </a:t>
+            </a:r>
+            <a:r>
+              <a:rPr lang="es-ES" sz="2600" dirty="0" smtClean="0"/>
+              <a:t>“</a:t>
+            </a:r>
+            <a:r>
+              <a:rPr lang="es-ES" sz="2600" b="1" i="1" dirty="0" smtClean="0"/>
+              <a:t>La </a:t>
+            </a:r>
+            <a:r>
+              <a:rPr lang="es-ES" sz="2600" b="1" i="1" dirty="0"/>
+              <a:t>flexibilidad del sistema permitió emular la opinión del experto en compras y encontrar una cantidad eficiente de </a:t>
+            </a:r>
+            <a:r>
+              <a:rPr lang="es-ES" sz="2600" b="1" i="1" dirty="0" smtClean="0"/>
+              <a:t>etiquetas”</a:t>
+            </a:r>
+            <a:r>
+              <a:rPr lang="es-ES" sz="2600" dirty="0" smtClean="0"/>
+              <a:t>.</a:t>
+            </a:r>
+            <a:endParaRPr lang="en-US" sz="2600" dirty="0" smtClean="0"/>
           </a:p>
           <a:p>
             <a:pPr marL="457200" indent="-457200" algn="just">
@@ -11628,30 +11868,6 @@
       </p:grpSpPr>
       <p:sp>
         <p:nvSpPr>
-          <p:cNvPr id="6" name="5 Marcador de número de diapositiva"/>
-          <p:cNvSpPr>
-            <a:spLocks noGrp="1"/>
-          </p:cNvSpPr>
-          <p:nvPr>
-            <p:ph type="sldNum" sz="quarter" idx="12"/>
-          </p:nvPr>
-        </p:nvSpPr>
-        <p:spPr/>
-        <p:txBody>
-          <a:bodyPr/>
-          <a:lstStyle/>
-          <a:p>
-            <a:fld id="{BA9B540C-44DA-4F69-89C9-7C84606640D3}" type="slidenum">
-              <a:rPr lang="en-US" smtClean="0"/>
-              <a:pPr/>
-              <a:t>19</a:t>
-            </a:fld>
-            <a:endParaRPr lang="en-US"/>
-          </a:p>
-        </p:txBody>
-      </p:sp>
-      <p:sp>
-        <p:nvSpPr>
           <p:cNvPr id="8" name="1 Título"/>
           <p:cNvSpPr txBox="1">
             <a:spLocks/>
@@ -12170,30 +12386,6 @@
       </p:grpSpPr>
       <p:sp>
         <p:nvSpPr>
-          <p:cNvPr id="6" name="5 Marcador de número de diapositiva"/>
-          <p:cNvSpPr>
-            <a:spLocks noGrp="1"/>
-          </p:cNvSpPr>
-          <p:nvPr>
-            <p:ph type="sldNum" sz="quarter" idx="12"/>
-          </p:nvPr>
-        </p:nvSpPr>
-        <p:spPr/>
-        <p:txBody>
-          <a:bodyPr/>
-          <a:lstStyle/>
-          <a:p>
-            <a:fld id="{BA9B540C-44DA-4F69-89C9-7C84606640D3}" type="slidenum">
-              <a:rPr lang="en-US" smtClean="0"/>
-              <a:pPr/>
-              <a:t>2</a:t>
-            </a:fld>
-            <a:endParaRPr lang="en-US"/>
-          </a:p>
-        </p:txBody>
-      </p:sp>
-      <p:sp>
-        <p:nvSpPr>
           <p:cNvPr id="11" name="1 Título"/>
           <p:cNvSpPr txBox="1">
             <a:spLocks/>
@@ -12608,6 +12800,150 @@
     <p:extLst>
       <p:ext uri="{BB962C8B-B14F-4D97-AF65-F5344CB8AC3E}">
         <p14:creationId xmlns:p14="http://schemas.microsoft.com/office/powerpoint/2010/main" val="3480905040"/>
+      </p:ext>
+    </p:extLst>
+  </p:cSld>
+  <p:clrMapOvr>
+    <a:masterClrMapping/>
+  </p:clrMapOvr>
+  <p:timing>
+    <p:tnLst>
+      <p:par>
+        <p:cTn id="1" dur="indefinite" restart="never" nodeType="tmRoot"/>
+      </p:par>
+    </p:tnLst>
+  </p:timing>
+</p:sld>
+</file>
+
+<file path=ppt/slides/slide20.xml><?xml version="1.0" encoding="utf-8"?>
+<p:sld xmlns:a="http://schemas.openxmlformats.org/drawingml/2006/main" xmlns:r="http://schemas.openxmlformats.org/officeDocument/2006/relationships" xmlns:p="http://schemas.openxmlformats.org/presentationml/2006/main">
+  <p:cSld>
+    <p:spTree>
+      <p:nvGrpSpPr>
+        <p:cNvPr id="1" name=""/>
+        <p:cNvGrpSpPr/>
+        <p:nvPr/>
+      </p:nvGrpSpPr>
+      <p:grpSpPr>
+        <a:xfrm>
+          <a:off x="0" y="0"/>
+          <a:ext cx="0" cy="0"/>
+          <a:chOff x="0" y="0"/>
+          <a:chExt cx="0" cy="0"/>
+        </a:xfrm>
+      </p:grpSpPr>
+      <p:sp>
+        <p:nvSpPr>
+          <p:cNvPr id="8" name="1 Título"/>
+          <p:cNvSpPr txBox="1">
+            <a:spLocks/>
+          </p:cNvSpPr>
+          <p:nvPr/>
+        </p:nvSpPr>
+        <p:spPr>
+          <a:xfrm>
+            <a:off x="1979712" y="3140968"/>
+            <a:ext cx="6069360" cy="1066800"/>
+          </a:xfrm>
+          <a:prstGeom prst="rect">
+            <a:avLst/>
+          </a:prstGeom>
+          <a:effectLst/>
+        </p:spPr>
+        <p:txBody>
+          <a:bodyPr vert="horz" lIns="91440" tIns="45720" rIns="91440" bIns="45720" rtlCol="0" anchor="b">
+            <a:normAutofit/>
+          </a:bodyPr>
+          <a:lstStyle>
+            <a:lvl1pPr algn="r" defTabSz="457200" rtl="0" eaLnBrk="1" latinLnBrk="0" hangingPunct="1">
+              <a:spcBef>
+                <a:spcPct val="0"/>
+              </a:spcBef>
+              <a:buNone/>
+              <a:defRPr sz="5400" kern="1200" cap="none">
+                <a:ln w="3175" cmpd="sng">
+                  <a:noFill/>
+                </a:ln>
+                <a:solidFill>
+                  <a:schemeClr val="tx1"/>
+                </a:solidFill>
+                <a:effectLst/>
+                <a:latin typeface="+mj-lt"/>
+                <a:ea typeface="+mj-ea"/>
+                <a:cs typeface="+mj-cs"/>
+              </a:defRPr>
+            </a:lvl1pPr>
+            <a:lvl2pPr eaLnBrk="1" hangingPunct="1">
+              <a:defRPr>
+                <a:solidFill>
+                  <a:schemeClr val="tx2"/>
+                </a:solidFill>
+              </a:defRPr>
+            </a:lvl2pPr>
+            <a:lvl3pPr eaLnBrk="1" hangingPunct="1">
+              <a:defRPr>
+                <a:solidFill>
+                  <a:schemeClr val="tx2"/>
+                </a:solidFill>
+              </a:defRPr>
+            </a:lvl3pPr>
+            <a:lvl4pPr eaLnBrk="1" hangingPunct="1">
+              <a:defRPr>
+                <a:solidFill>
+                  <a:schemeClr val="tx2"/>
+                </a:solidFill>
+              </a:defRPr>
+            </a:lvl4pPr>
+            <a:lvl5pPr eaLnBrk="1" hangingPunct="1">
+              <a:defRPr>
+                <a:solidFill>
+                  <a:schemeClr val="tx2"/>
+                </a:solidFill>
+              </a:defRPr>
+            </a:lvl5pPr>
+            <a:lvl6pPr eaLnBrk="1" hangingPunct="1">
+              <a:defRPr>
+                <a:solidFill>
+                  <a:schemeClr val="tx2"/>
+                </a:solidFill>
+              </a:defRPr>
+            </a:lvl6pPr>
+            <a:lvl7pPr eaLnBrk="1" hangingPunct="1">
+              <a:defRPr>
+                <a:solidFill>
+                  <a:schemeClr val="tx2"/>
+                </a:solidFill>
+              </a:defRPr>
+            </a:lvl7pPr>
+            <a:lvl8pPr eaLnBrk="1" hangingPunct="1">
+              <a:defRPr>
+                <a:solidFill>
+                  <a:schemeClr val="tx2"/>
+                </a:solidFill>
+              </a:defRPr>
+            </a:lvl8pPr>
+            <a:lvl9pPr eaLnBrk="1" hangingPunct="1">
+              <a:defRPr>
+                <a:solidFill>
+                  <a:schemeClr val="tx2"/>
+                </a:solidFill>
+              </a:defRPr>
+            </a:lvl9pPr>
+          </a:lstStyle>
+          <a:p>
+            <a:r>
+              <a:rPr lang="es-PY" b="1" dirty="0" smtClean="0"/>
+              <a:t>Gracias!!</a:t>
+            </a:r>
+            <a:endParaRPr lang="es-PY" dirty="0"/>
+          </a:p>
+        </p:txBody>
+      </p:sp>
+    </p:spTree>
+    <p:extLst>
+      <p:ext uri="{BB962C8B-B14F-4D97-AF65-F5344CB8AC3E}">
+        <p14:creationId xmlns:p14="http://schemas.microsoft.com/office/powerpoint/2010/main" val="1170299198"/>
       </p:ext>
     </p:extLst>
   </p:cSld>
@@ -12643,30 +12979,6 @@
       </p:grpSpPr>
       <p:sp>
         <p:nvSpPr>
-          <p:cNvPr id="5" name="4 Marcador de número de diapositiva"/>
-          <p:cNvSpPr>
-            <a:spLocks noGrp="1"/>
-          </p:cNvSpPr>
-          <p:nvPr>
-            <p:ph type="sldNum" sz="quarter" idx="12"/>
-          </p:nvPr>
-        </p:nvSpPr>
-        <p:spPr/>
-        <p:txBody>
-          <a:bodyPr/>
-          <a:lstStyle/>
-          <a:p>
-            <a:fld id="{BA9B540C-44DA-4F69-89C9-7C84606640D3}" type="slidenum">
-              <a:rPr lang="en-US" smtClean="0"/>
-              <a:pPr/>
-              <a:t>3</a:t>
-            </a:fld>
-            <a:endParaRPr lang="en-US" dirty="0"/>
-          </a:p>
-        </p:txBody>
-      </p:sp>
-      <p:sp>
-        <p:nvSpPr>
           <p:cNvPr id="9" name="1 Título"/>
           <p:cNvSpPr txBox="1">
             <a:spLocks/>
@@ -13043,7 +13355,31 @@
             </a:r>
             <a:r>
               <a:rPr lang="es-ES" dirty="0"/>
-              <a:t>ciertos eventos constituye una actividad por la cual el ser humano siempre sintió fascinación y necesidad de realizarlo. En la actualidad, uno de esos eventos se relacionan con las empresas y consiste en pronosticar la demanda de ventas para un período futuro, a su vez representa uno de los más importantes retos con que se enfrenta una organización. Este pronóstico de demanda disminuirá la incertidumbre del Gerente de Compras en el momento de tomar decisiones acerca del volumen de productos a adquirir para la reposición de stock.</a:t>
+              <a:t>ciertos eventos constituye una actividad por la cual el ser humano siempre sintió fascinación y </a:t>
+            </a:r>
+            <a:r>
+              <a:rPr lang="es-ES" b="1" dirty="0"/>
+              <a:t>necesidad de realizarlo</a:t>
+            </a:r>
+            <a:r>
+              <a:rPr lang="es-ES" dirty="0"/>
+              <a:t>. En la actualidad, uno de esos eventos se relacionan con las empresas y consiste en </a:t>
+            </a:r>
+            <a:r>
+              <a:rPr lang="es-ES" b="1" dirty="0"/>
+              <a:t>pronosticar la demanda de ventas</a:t>
+            </a:r>
+            <a:r>
+              <a:rPr lang="es-ES" dirty="0"/>
+              <a:t> para un período futuro, a su vez representa uno de los más importantes retos con que se enfrenta una organización. Este pronóstico de demanda disminuirá la incertidumbre del </a:t>
+            </a:r>
+            <a:r>
+              <a:rPr lang="es-ES" b="1" dirty="0"/>
+              <a:t>Gerente de Compras</a:t>
+            </a:r>
+            <a:r>
+              <a:rPr lang="es-ES" dirty="0"/>
+              <a:t> en el momento de tomar decisiones acerca del volumen de productos a adquirir para la reposición de stock.</a:t>
             </a:r>
           </a:p>
           <a:p>
@@ -13089,30 +13425,6 @@
           <a:chExt cx="0" cy="0"/>
         </a:xfrm>
       </p:grpSpPr>
-      <p:sp>
-        <p:nvSpPr>
-          <p:cNvPr id="6" name="5 Marcador de número de diapositiva"/>
-          <p:cNvSpPr>
-            <a:spLocks noGrp="1"/>
-          </p:cNvSpPr>
-          <p:nvPr>
-            <p:ph type="sldNum" sz="quarter" idx="12"/>
-          </p:nvPr>
-        </p:nvSpPr>
-        <p:spPr/>
-        <p:txBody>
-          <a:bodyPr/>
-          <a:lstStyle/>
-          <a:p>
-            <a:fld id="{BA9B540C-44DA-4F69-89C9-7C84606640D3}" type="slidenum">
-              <a:rPr lang="en-US" smtClean="0"/>
-              <a:pPr/>
-              <a:t>4</a:t>
-            </a:fld>
-            <a:endParaRPr lang="en-US"/>
-          </a:p>
-        </p:txBody>
-      </p:sp>
       <p:sp>
         <p:nvSpPr>
           <p:cNvPr id="7" name="1 Título"/>
@@ -14224,30 +14536,6 @@
       </p:grpSpPr>
       <p:sp>
         <p:nvSpPr>
-          <p:cNvPr id="6" name="5 Marcador de número de diapositiva"/>
-          <p:cNvSpPr>
-            <a:spLocks noGrp="1"/>
-          </p:cNvSpPr>
-          <p:nvPr>
-            <p:ph type="sldNum" sz="quarter" idx="12"/>
-          </p:nvPr>
-        </p:nvSpPr>
-        <p:spPr/>
-        <p:txBody>
-          <a:bodyPr/>
-          <a:lstStyle/>
-          <a:p>
-            <a:fld id="{BA9B540C-44DA-4F69-89C9-7C84606640D3}" type="slidenum">
-              <a:rPr lang="en-US" smtClean="0"/>
-              <a:pPr/>
-              <a:t>5</a:t>
-            </a:fld>
-            <a:endParaRPr lang="en-US"/>
-          </a:p>
-        </p:txBody>
-      </p:sp>
-      <p:sp>
-        <p:nvSpPr>
           <p:cNvPr id="8" name="1 Título"/>
           <p:cNvSpPr txBox="1">
             <a:spLocks/>
@@ -14948,30 +15236,6 @@
       </p:grpSpPr>
       <p:sp>
         <p:nvSpPr>
-          <p:cNvPr id="6" name="5 Marcador de número de diapositiva"/>
-          <p:cNvSpPr>
-            <a:spLocks noGrp="1"/>
-          </p:cNvSpPr>
-          <p:nvPr>
-            <p:ph type="sldNum" sz="quarter" idx="12"/>
-          </p:nvPr>
-        </p:nvSpPr>
-        <p:spPr/>
-        <p:txBody>
-          <a:bodyPr/>
-          <a:lstStyle/>
-          <a:p>
-            <a:fld id="{BA9B540C-44DA-4F69-89C9-7C84606640D3}" type="slidenum">
-              <a:rPr lang="en-US" smtClean="0"/>
-              <a:pPr/>
-              <a:t>6</a:t>
-            </a:fld>
-            <a:endParaRPr lang="en-US"/>
-          </a:p>
-        </p:txBody>
-      </p:sp>
-      <p:sp>
-        <p:nvSpPr>
           <p:cNvPr id="9" name="2 Marcador de contenido"/>
           <p:cNvSpPr txBox="1">
             <a:spLocks/>
@@ -15461,23 +15725,7 @@
                   <a:schemeClr val="tx1"/>
                 </a:solidFill>
               </a:rPr>
-              <a:t>NOV- 2013 </a:t>
-            </a:r>
-            <a:r>
-              <a:rPr lang="es-PY" sz="1400" b="1" dirty="0">
-                <a:solidFill>
-                  <a:schemeClr val="tx1"/>
-                </a:solidFill>
-              </a:rPr>
-              <a:t>a </a:t>
-            </a:r>
-            <a:r>
-              <a:rPr lang="es-PY" sz="1400" b="1" dirty="0">
-                <a:solidFill>
-                  <a:schemeClr val="tx1"/>
-                </a:solidFill>
-              </a:rPr>
-              <a:t>OCT-2016 </a:t>
+              <a:t>NOV- 2013 a OCT-2016 </a:t>
             </a:r>
             <a:endParaRPr lang="es-ES" sz="1400" b="1" dirty="0">
               <a:solidFill>
@@ -15695,11 +15943,6 @@
               </a:rPr>
               <a:t>.</a:t>
             </a:r>
-            <a:endParaRPr lang="es-PY" sz="1400" dirty="0">
-              <a:solidFill>
-                <a:schemeClr val="tx1"/>
-              </a:solidFill>
-            </a:endParaRPr>
           </a:p>
           <a:p>
             <a:pPr marL="432000" lvl="1" algn="just">
@@ -15940,30 +16183,6 @@
           <a:chExt cx="0" cy="0"/>
         </a:xfrm>
       </p:grpSpPr>
-      <p:sp>
-        <p:nvSpPr>
-          <p:cNvPr id="6" name="5 Marcador de número de diapositiva"/>
-          <p:cNvSpPr>
-            <a:spLocks noGrp="1"/>
-          </p:cNvSpPr>
-          <p:nvPr>
-            <p:ph type="sldNum" sz="quarter" idx="12"/>
-          </p:nvPr>
-        </p:nvSpPr>
-        <p:spPr/>
-        <p:txBody>
-          <a:bodyPr/>
-          <a:lstStyle/>
-          <a:p>
-            <a:fld id="{BA9B540C-44DA-4F69-89C9-7C84606640D3}" type="slidenum">
-              <a:rPr lang="en-US" smtClean="0"/>
-              <a:pPr/>
-              <a:t>7</a:t>
-            </a:fld>
-            <a:endParaRPr lang="en-US"/>
-          </a:p>
-        </p:txBody>
-      </p:sp>
       <p:sp>
         <p:nvSpPr>
           <p:cNvPr id="9" name="2 Marcador de contenido"/>
@@ -16678,30 +16897,6 @@
       </p:grpSpPr>
       <p:sp>
         <p:nvSpPr>
-          <p:cNvPr id="6" name="5 Marcador de número de diapositiva"/>
-          <p:cNvSpPr>
-            <a:spLocks noGrp="1"/>
-          </p:cNvSpPr>
-          <p:nvPr>
-            <p:ph type="sldNum" sz="quarter" idx="12"/>
-          </p:nvPr>
-        </p:nvSpPr>
-        <p:spPr/>
-        <p:txBody>
-          <a:bodyPr/>
-          <a:lstStyle/>
-          <a:p>
-            <a:fld id="{BA9B540C-44DA-4F69-89C9-7C84606640D3}" type="slidenum">
-              <a:rPr lang="en-US" smtClean="0"/>
-              <a:pPr/>
-              <a:t>8</a:t>
-            </a:fld>
-            <a:endParaRPr lang="en-US"/>
-          </a:p>
-        </p:txBody>
-      </p:sp>
-      <p:sp>
-        <p:nvSpPr>
           <p:cNvPr id="9" name="2 Marcador de contenido"/>
           <p:cNvSpPr txBox="1">
             <a:spLocks/>
@@ -17389,30 +17584,6 @@
           <a:chExt cx="0" cy="0"/>
         </a:xfrm>
       </p:grpSpPr>
-      <p:sp>
-        <p:nvSpPr>
-          <p:cNvPr id="6" name="5 Marcador de número de diapositiva"/>
-          <p:cNvSpPr>
-            <a:spLocks noGrp="1"/>
-          </p:cNvSpPr>
-          <p:nvPr>
-            <p:ph type="sldNum" sz="quarter" idx="12"/>
-          </p:nvPr>
-        </p:nvSpPr>
-        <p:spPr/>
-        <p:txBody>
-          <a:bodyPr/>
-          <a:lstStyle/>
-          <a:p>
-            <a:fld id="{BA9B540C-44DA-4F69-89C9-7C84606640D3}" type="slidenum">
-              <a:rPr lang="en-US" smtClean="0"/>
-              <a:pPr/>
-              <a:t>9</a:t>
-            </a:fld>
-            <a:endParaRPr lang="en-US"/>
-          </a:p>
-        </p:txBody>
-      </p:sp>
       <p:sp>
         <p:nvSpPr>
           <p:cNvPr id="8" name="1 Título"/>
@@ -18395,4 +18566,265 @@
     </a:ext>
   </a:extLst>
 </a:theme>
+</file>
+
+<file path=ppt/theme/theme2.xml><?xml version="1.0" encoding="utf-8"?>
+<a:theme xmlns:a="http://schemas.openxmlformats.org/drawingml/2006/main" name="Tema de Office">
+  <a:themeElements>
+    <a:clrScheme name="Office">
+      <a:dk1>
+        <a:sysClr val="windowText" lastClr="000000"/>
+      </a:dk1>
+      <a:lt1>
+        <a:sysClr val="window" lastClr="FFFFFF"/>
+      </a:lt1>
+      <a:dk2>
+        <a:srgbClr val="44546A"/>
+      </a:dk2>
+      <a:lt2>
+        <a:srgbClr val="E7E6E6"/>
+      </a:lt2>
+      <a:accent1>
+        <a:srgbClr val="5B9BD5"/>
+      </a:accent1>
+      <a:accent2>
+        <a:srgbClr val="ED7D31"/>
+      </a:accent2>
+      <a:accent3>
+        <a:srgbClr val="A5A5A5"/>
+      </a:accent3>
+      <a:accent4>
+        <a:srgbClr val="FFC000"/>
+      </a:accent4>
+      <a:accent5>
+        <a:srgbClr val="4472C4"/>
+      </a:accent5>
+      <a:accent6>
+        <a:srgbClr val="70AD47"/>
+      </a:accent6>
+      <a:hlink>
+        <a:srgbClr val="0563C1"/>
+      </a:hlink>
+      <a:folHlink>
+        <a:srgbClr val="954F72"/>
+      </a:folHlink>
+    </a:clrScheme>
+    <a:fontScheme name="Office">
+      <a:majorFont>
+        <a:latin typeface="Calibri Light" panose="020F0302020204030204"/>
+        <a:ea typeface=""/>
+        <a:cs typeface=""/>
+        <a:font script="Jpan" typeface="ＭＳ Ｐゴシック"/>
+        <a:font script="Hang" typeface="맑은 고딕"/>
+        <a:font script="Hans" typeface="宋体"/>
+        <a:font script="Hant" typeface="新細明體"/>
+        <a:font script="Arab" typeface="Times New Roman"/>
+        <a:font script="Hebr" typeface="Times New Roman"/>
+        <a:font script="Thai" typeface="Angsana New"/>
+        <a:font script="Ethi" typeface="Nyala"/>
+        <a:font script="Beng" typeface="Vrinda"/>
+        <a:font script="Gujr" typeface="Shruti"/>
+        <a:font script="Khmr" typeface="MoolBoran"/>
+        <a:font script="Knda" typeface="Tunga"/>
+        <a:font script="Guru" typeface="Raavi"/>
+        <a:font script="Cans" typeface="Euphemia"/>
+        <a:font script="Cher" typeface="Plantagenet Cherokee"/>
+        <a:font script="Yiii" typeface="Microsoft Yi Baiti"/>
+        <a:font script="Tibt" typeface="Microsoft Himalaya"/>
+        <a:font script="Thaa" typeface="MV Boli"/>
+        <a:font script="Deva" typeface="Mangal"/>
+        <a:font script="Telu" typeface="Gautami"/>
+        <a:font script="Taml" typeface="Latha"/>
+        <a:font script="Syrc" typeface="Estrangelo Edessa"/>
+        <a:font script="Orya" typeface="Kalinga"/>
+        <a:font script="Mlym" typeface="Kartika"/>
+        <a:font script="Laoo" typeface="DokChampa"/>
+        <a:font script="Sinh" typeface="Iskoola Pota"/>
+        <a:font script="Mong" typeface="Mongolian Baiti"/>
+        <a:font script="Viet" typeface="Times New Roman"/>
+        <a:font script="Uigh" typeface="Microsoft Uighur"/>
+        <a:font script="Geor" typeface="Sylfaen"/>
+      </a:majorFont>
+      <a:minorFont>
+        <a:latin typeface="Calibri" panose="020F0502020204030204"/>
+        <a:ea typeface=""/>
+        <a:cs typeface=""/>
+        <a:font script="Jpan" typeface="ＭＳ Ｐゴシック"/>
+        <a:font script="Hang" typeface="맑은 고딕"/>
+        <a:font script="Hans" typeface="宋体"/>
+        <a:font script="Hant" typeface="新細明體"/>
+        <a:font script="Arab" typeface="Arial"/>
+        <a:font script="Hebr" typeface="Arial"/>
+        <a:font script="Thai" typeface="Cordia New"/>
+        <a:font script="Ethi" typeface="Nyala"/>
+        <a:font script="Beng" typeface="Vrinda"/>
+        <a:font script="Gujr" typeface="Shruti"/>
+        <a:font script="Khmr" typeface="DaunPenh"/>
+        <a:font script="Knda" typeface="Tunga"/>
+        <a:font script="Guru" typeface="Raavi"/>
+        <a:font script="Cans" typeface="Euphemia"/>
+        <a:font script="Cher" typeface="Plantagenet Cherokee"/>
+        <a:font script="Yiii" typeface="Microsoft Yi Baiti"/>
+        <a:font script="Tibt" typeface="Microsoft Himalaya"/>
+        <a:font script="Thaa" typeface="MV Boli"/>
+        <a:font script="Deva" typeface="Mangal"/>
+        <a:font script="Telu" typeface="Gautami"/>
+        <a:font script="Taml" typeface="Latha"/>
+        <a:font script="Syrc" typeface="Estrangelo Edessa"/>
+        <a:font script="Orya" typeface="Kalinga"/>
+        <a:font script="Mlym" typeface="Kartika"/>
+        <a:font script="Laoo" typeface="DokChampa"/>
+        <a:font script="Sinh" typeface="Iskoola Pota"/>
+        <a:font script="Mong" typeface="Mongolian Baiti"/>
+        <a:font script="Viet" typeface="Arial"/>
+        <a:font script="Uigh" typeface="Microsoft Uighur"/>
+        <a:font script="Geor" typeface="Sylfaen"/>
+      </a:minorFont>
+    </a:fontScheme>
+    <a:fmtScheme name="Office">
+      <a:fillStyleLst>
+        <a:solidFill>
+          <a:schemeClr val="phClr"/>
+        </a:solidFill>
+        <a:gradFill rotWithShape="1">
+          <a:gsLst>
+            <a:gs pos="0">
+              <a:schemeClr val="phClr">
+                <a:lumMod val="110000"/>
+                <a:satMod val="105000"/>
+                <a:tint val="67000"/>
+              </a:schemeClr>
+            </a:gs>
+            <a:gs pos="50000">
+              <a:schemeClr val="phClr">
+                <a:lumMod val="105000"/>
+                <a:satMod val="103000"/>
+                <a:tint val="73000"/>
+              </a:schemeClr>
+            </a:gs>
+            <a:gs pos="100000">
+              <a:schemeClr val="phClr">
+                <a:lumMod val="105000"/>
+                <a:satMod val="109000"/>
+                <a:tint val="81000"/>
+              </a:schemeClr>
+            </a:gs>
+          </a:gsLst>
+          <a:lin ang="5400000" scaled="0"/>
+        </a:gradFill>
+        <a:gradFill rotWithShape="1">
+          <a:gsLst>
+            <a:gs pos="0">
+              <a:schemeClr val="phClr">
+                <a:satMod val="103000"/>
+                <a:lumMod val="102000"/>
+                <a:tint val="94000"/>
+              </a:schemeClr>
+            </a:gs>
+            <a:gs pos="50000">
+              <a:schemeClr val="phClr">
+                <a:satMod val="110000"/>
+                <a:lumMod val="100000"/>
+                <a:shade val="100000"/>
+              </a:schemeClr>
+            </a:gs>
+            <a:gs pos="100000">
+              <a:schemeClr val="phClr">
+                <a:lumMod val="99000"/>
+                <a:satMod val="120000"/>
+                <a:shade val="78000"/>
+              </a:schemeClr>
+            </a:gs>
+          </a:gsLst>
+          <a:lin ang="5400000" scaled="0"/>
+        </a:gradFill>
+      </a:fillStyleLst>
+      <a:lnStyleLst>
+        <a:ln w="6350" cap="flat" cmpd="sng" algn="ctr">
+          <a:solidFill>
+            <a:schemeClr val="phClr"/>
+          </a:solidFill>
+          <a:prstDash val="solid"/>
+          <a:miter lim="800000"/>
+        </a:ln>
+        <a:ln w="12700" cap="flat" cmpd="sng" algn="ctr">
+          <a:solidFill>
+            <a:schemeClr val="phClr"/>
+          </a:solidFill>
+          <a:prstDash val="solid"/>
+          <a:miter lim="800000"/>
+        </a:ln>
+        <a:ln w="19050" cap="flat" cmpd="sng" algn="ctr">
+          <a:solidFill>
+            <a:schemeClr val="phClr"/>
+          </a:solidFill>
+          <a:prstDash val="solid"/>
+          <a:miter lim="800000"/>
+        </a:ln>
+      </a:lnStyleLst>
+      <a:effectStyleLst>
+        <a:effectStyle>
+          <a:effectLst/>
+        </a:effectStyle>
+        <a:effectStyle>
+          <a:effectLst/>
+        </a:effectStyle>
+        <a:effectStyle>
+          <a:effectLst>
+            <a:outerShdw blurRad="57150" dist="19050" dir="5400000" algn="ctr" rotWithShape="0">
+              <a:srgbClr val="000000">
+                <a:alpha val="63000"/>
+              </a:srgbClr>
+            </a:outerShdw>
+          </a:effectLst>
+        </a:effectStyle>
+      </a:effectStyleLst>
+      <a:bgFillStyleLst>
+        <a:solidFill>
+          <a:schemeClr val="phClr"/>
+        </a:solidFill>
+        <a:solidFill>
+          <a:schemeClr val="phClr">
+            <a:tint val="95000"/>
+            <a:satMod val="170000"/>
+          </a:schemeClr>
+        </a:solidFill>
+        <a:gradFill rotWithShape="1">
+          <a:gsLst>
+            <a:gs pos="0">
+              <a:schemeClr val="phClr">
+                <a:tint val="93000"/>
+                <a:satMod val="150000"/>
+                <a:shade val="98000"/>
+                <a:lumMod val="102000"/>
+              </a:schemeClr>
+            </a:gs>
+            <a:gs pos="50000">
+              <a:schemeClr val="phClr">
+                <a:tint val="98000"/>
+                <a:satMod val="130000"/>
+                <a:shade val="90000"/>
+                <a:lumMod val="103000"/>
+              </a:schemeClr>
+            </a:gs>
+            <a:gs pos="100000">
+              <a:schemeClr val="phClr">
+                <a:shade val="63000"/>
+                <a:satMod val="120000"/>
+              </a:schemeClr>
+            </a:gs>
+          </a:gsLst>
+          <a:lin ang="5400000" scaled="0"/>
+        </a:gradFill>
+      </a:bgFillStyleLst>
+    </a:fmtScheme>
+  </a:themeElements>
+  <a:objectDefaults/>
+  <a:extraClrSchemeLst/>
+  <a:extLst>
+    <a:ext uri="{05A4C25C-085E-4340-85A3-A5531E510DB2}">
+      <thm15:themeFamily xmlns:thm15="http://schemas.microsoft.com/office/thememl/2012/main" name="Office Theme" id="{62F939B6-93AF-4DB8-9C6B-D6C7DFDC589F}" vid="{4A3C46E8-61CC-4603-A589-7422A47A8E4A}"/>
+    </a:ext>
+  </a:extLst>
+</a:theme>
 </file>
--- a/Presentacion CLEI-JAIIO 2017.pptx
+++ b/Presentacion CLEI-JAIIO 2017.pptx
@@ -194,7 +194,7 @@
             </a:lvl1pPr>
           </a:lstStyle>
           <a:p>
-            <a:endParaRPr lang="en-US"/>
+            <a:endParaRPr lang="en-US" dirty="0"/>
           </a:p>
         </p:txBody>
       </p:sp>
@@ -227,9 +227,9 @@
           <a:p>
             <a:fld id="{48AEEB72-D29C-4654-B131-6A67889F7FFC}" type="datetimeFigureOut">
               <a:rPr lang="en-US" smtClean="0"/>
-              <a:t>02-Sep-17</a:t>
+              <a:t>9/6/2017</a:t>
             </a:fld>
-            <a:endParaRPr lang="en-US"/>
+            <a:endParaRPr lang="en-US" dirty="0"/>
           </a:p>
         </p:txBody>
       </p:sp>
@@ -262,7 +262,7 @@
           <a:bodyPr vert="horz" lIns="91440" tIns="45720" rIns="91440" bIns="45720" rtlCol="0" anchor="ctr"/>
           <a:lstStyle/>
           <a:p>
-            <a:endParaRPr lang="en-US"/>
+            <a:endParaRPr lang="en-US" dirty="0"/>
           </a:p>
         </p:txBody>
       </p:sp>
@@ -353,7 +353,7 @@
             </a:lvl1pPr>
           </a:lstStyle>
           <a:p>
-            <a:endParaRPr lang="en-US"/>
+            <a:endParaRPr lang="en-US" dirty="0"/>
           </a:p>
         </p:txBody>
       </p:sp>
@@ -388,7 +388,7 @@
               <a:rPr lang="en-US" smtClean="0"/>
               <a:t>‹Nº›</a:t>
             </a:fld>
-            <a:endParaRPr lang="en-US"/>
+            <a:endParaRPr lang="en-US" dirty="0"/>
           </a:p>
         </p:txBody>
       </p:sp>
@@ -539,7 +539,7 @@
           <a:bodyPr/>
           <a:lstStyle/>
           <a:p>
-            <a:endParaRPr lang="en-US"/>
+            <a:endParaRPr lang="en-US" dirty="0"/>
           </a:p>
         </p:txBody>
       </p:sp>
@@ -562,7 +562,7 @@
               <a:rPr lang="en-US" smtClean="0"/>
               <a:t>2</a:t>
             </a:fld>
-            <a:endParaRPr lang="en-US"/>
+            <a:endParaRPr lang="en-US" dirty="0"/>
           </a:p>
         </p:txBody>
       </p:sp>
@@ -1095,7 +1095,7 @@
           <a:p>
             <a:fld id="{6B44C3FB-0C1B-4587-AA30-CCEEC4CE2AF2}" type="datetime1">
               <a:rPr lang="en-US" smtClean="0"/>
-              <a:t>02-Sep-17</a:t>
+              <a:t>9/6/2017</a:t>
             </a:fld>
             <a:endParaRPr lang="en-US" dirty="0"/>
           </a:p>
@@ -1122,7 +1122,7 @@
           <a:lstStyle/>
           <a:p>
             <a:r>
-              <a:rPr lang="en-US" smtClean="0"/>
+              <a:rPr lang="en-US" dirty="0" smtClean="0"/>
               <a:t>Footer Text</a:t>
             </a:r>
             <a:endParaRPr lang="en-US" dirty="0"/>
@@ -1201,7 +1201,7 @@
           </a:ln>
           <a:extLst>
             <a:ext uri="{91240B29-F687-4f45-9708-019B960494DF}">
-              <a14:hiddenLine xmlns:a14="http://schemas.microsoft.com/office/drawing/2010/main" xmlns="" w="9525">
+              <a14:hiddenLine xmlns="" xmlns:a14="http://schemas.microsoft.com/office/drawing/2010/main" w="9525">
                 <a:solidFill>
                   <a:srgbClr val="000000"/>
                 </a:solidFill>
@@ -1256,7 +1256,7 @@
           </a:ln>
           <a:extLst>
             <a:ext uri="{91240B29-F687-4f45-9708-019B960494DF}">
-              <a14:hiddenLine xmlns:a14="http://schemas.microsoft.com/office/drawing/2010/main" xmlns="" w="9525">
+              <a14:hiddenLine xmlns="" xmlns:a14="http://schemas.microsoft.com/office/drawing/2010/main" w="9525">
                 <a:solidFill>
                   <a:srgbClr val="000000"/>
                 </a:solidFill>
@@ -1420,7 +1420,7 @@
           </a:lstStyle>
           <a:p>
             <a:r>
-              <a:rPr lang="es-ES" smtClean="0"/>
+              <a:rPr lang="es-ES" dirty="0" smtClean="0"/>
               <a:t>Haga clic en el icono para agregar una imagen</a:t>
             </a:r>
             <a:endParaRPr lang="en-US" dirty="0"/>
@@ -1511,7 +1511,7 @@
           <a:p>
             <a:fld id="{2DBCBCC0-40FC-491B-8D10-C384AE9F1066}" type="datetime1">
               <a:rPr lang="en-US" smtClean="0"/>
-              <a:t>02-Sep-17</a:t>
+              <a:t>9/6/2017</a:t>
             </a:fld>
             <a:endParaRPr lang="en-US" dirty="0"/>
           </a:p>
@@ -1533,7 +1533,7 @@
           <a:lstStyle/>
           <a:p>
             <a:r>
-              <a:rPr lang="en-US" smtClean="0"/>
+              <a:rPr lang="en-US" dirty="0" smtClean="0"/>
               <a:t>Footer Text</a:t>
             </a:r>
             <a:endParaRPr lang="en-US" dirty="0"/>
@@ -1764,7 +1764,7 @@
           <a:p>
             <a:fld id="{A427DC72-6895-476B-B521-5DD2E1CEADC2}" type="datetime1">
               <a:rPr lang="en-US" smtClean="0"/>
-              <a:t>02-Sep-17</a:t>
+              <a:t>9/6/2017</a:t>
             </a:fld>
             <a:endParaRPr lang="en-US" dirty="0"/>
           </a:p>
@@ -1786,7 +1786,7 @@
           <a:lstStyle/>
           <a:p>
             <a:r>
-              <a:rPr lang="en-US" smtClean="0"/>
+              <a:rPr lang="en-US" dirty="0" smtClean="0"/>
               <a:t>Footer Text</a:t>
             </a:r>
             <a:endParaRPr lang="en-US" dirty="0"/>
@@ -2309,7 +2309,7 @@
           <a:p>
             <a:fld id="{C26F630A-F03F-47CE-94AC-CE3D55FF32E3}" type="datetime1">
               <a:rPr lang="en-US" smtClean="0"/>
-              <a:t>02-Sep-17</a:t>
+              <a:t>9/6/2017</a:t>
             </a:fld>
             <a:endParaRPr lang="en-US" dirty="0"/>
           </a:p>
@@ -2331,7 +2331,7 @@
           <a:lstStyle/>
           <a:p>
             <a:r>
-              <a:rPr lang="en-US" smtClean="0"/>
+              <a:rPr lang="en-US" dirty="0" smtClean="0"/>
               <a:t>Footer Text</a:t>
             </a:r>
             <a:endParaRPr lang="en-US" dirty="0"/>
@@ -2562,7 +2562,7 @@
           <a:p>
             <a:fld id="{39BF7FC1-8C1C-4627-94FE-6C54B7745E0D}" type="datetime1">
               <a:rPr lang="en-US" smtClean="0"/>
-              <a:t>02-Sep-17</a:t>
+              <a:t>9/6/2017</a:t>
             </a:fld>
             <a:endParaRPr lang="en-US" dirty="0"/>
           </a:p>
@@ -2584,7 +2584,7 @@
           <a:lstStyle/>
           <a:p>
             <a:r>
-              <a:rPr lang="en-US" smtClean="0"/>
+              <a:rPr lang="en-US" dirty="0" smtClean="0"/>
               <a:t>Footer Text</a:t>
             </a:r>
             <a:endParaRPr lang="en-US" dirty="0"/>
@@ -3099,7 +3099,7 @@
           <a:p>
             <a:fld id="{ECF3D208-4F67-4D96-83A9-7C2FAC0713C8}" type="datetime1">
               <a:rPr lang="en-US" smtClean="0"/>
-              <a:t>02-Sep-17</a:t>
+              <a:t>9/6/2017</a:t>
             </a:fld>
             <a:endParaRPr lang="en-US" dirty="0"/>
           </a:p>
@@ -3121,7 +3121,7 @@
           <a:lstStyle/>
           <a:p>
             <a:r>
-              <a:rPr lang="en-US" smtClean="0"/>
+              <a:rPr lang="en-US" dirty="0" smtClean="0"/>
               <a:t>Footer Text</a:t>
             </a:r>
             <a:endParaRPr lang="en-US" dirty="0"/>
@@ -3401,7 +3401,7 @@
           <a:p>
             <a:fld id="{A602FC23-FDBB-4B95-8885-16FBB27F6D13}" type="datetime1">
               <a:rPr lang="en-US" smtClean="0"/>
-              <a:t>02-Sep-17</a:t>
+              <a:t>9/6/2017</a:t>
             </a:fld>
             <a:endParaRPr lang="en-US" dirty="0"/>
           </a:p>
@@ -3423,7 +3423,7 @@
           <a:lstStyle/>
           <a:p>
             <a:r>
-              <a:rPr lang="en-US" smtClean="0"/>
+              <a:rPr lang="en-US" dirty="0" smtClean="0"/>
               <a:t>Footer Text</a:t>
             </a:r>
             <a:endParaRPr lang="en-US" dirty="0"/>
@@ -3580,9 +3580,9 @@
           <a:p>
             <a:fld id="{CF9F94BE-B64F-42AF-8EBF-368519F43054}" type="datetime1">
               <a:rPr lang="en-US" smtClean="0"/>
-              <a:t>02-Sep-17</a:t>
+              <a:t>9/6/2017</a:t>
             </a:fld>
-            <a:endParaRPr lang="en-US"/>
+            <a:endParaRPr lang="en-US" dirty="0"/>
           </a:p>
         </p:txBody>
       </p:sp>
@@ -3602,10 +3602,10 @@
           <a:lstStyle/>
           <a:p>
             <a:r>
-              <a:rPr lang="en-US" smtClean="0"/>
+              <a:rPr lang="en-US" dirty="0" smtClean="0"/>
               <a:t>Footer Text</a:t>
             </a:r>
-            <a:endParaRPr lang="en-US"/>
+            <a:endParaRPr lang="en-US" dirty="0"/>
           </a:p>
         </p:txBody>
       </p:sp>
@@ -3629,7 +3629,7 @@
               <a:pPr/>
               <a:t>‹Nº›</a:t>
             </a:fld>
-            <a:endParaRPr lang="en-US"/>
+            <a:endParaRPr lang="en-US" dirty="0"/>
           </a:p>
         </p:txBody>
       </p:sp>
@@ -3765,9 +3765,9 @@
           <a:p>
             <a:fld id="{E321066C-EE91-4652-BF2E-C8A3185F8078}" type="datetime1">
               <a:rPr lang="en-US" smtClean="0"/>
-              <a:t>02-Sep-17</a:t>
+              <a:t>9/6/2017</a:t>
             </a:fld>
-            <a:endParaRPr lang="en-US"/>
+            <a:endParaRPr lang="en-US" dirty="0"/>
           </a:p>
         </p:txBody>
       </p:sp>
@@ -3787,10 +3787,10 @@
           <a:lstStyle/>
           <a:p>
             <a:r>
-              <a:rPr lang="en-US" smtClean="0"/>
+              <a:rPr lang="en-US" dirty="0" smtClean="0"/>
               <a:t>Footer Text</a:t>
             </a:r>
-            <a:endParaRPr lang="en-US"/>
+            <a:endParaRPr lang="en-US" dirty="0"/>
           </a:p>
         </p:txBody>
       </p:sp>
@@ -3814,7 +3814,7 @@
               <a:pPr/>
               <a:t>‹Nº›</a:t>
             </a:fld>
-            <a:endParaRPr lang="en-US"/>
+            <a:endParaRPr lang="en-US" dirty="0"/>
           </a:p>
         </p:txBody>
       </p:sp>
@@ -3955,9 +3955,9 @@
           <a:p>
             <a:fld id="{BDA91702-395E-4E81-BEED-6E52DCF43BC5}" type="datetime1">
               <a:rPr lang="en-US" smtClean="0"/>
-              <a:t>02-Sep-17</a:t>
+              <a:t>9/6/2017</a:t>
             </a:fld>
-            <a:endParaRPr lang="en-US"/>
+            <a:endParaRPr lang="en-US" dirty="0"/>
           </a:p>
         </p:txBody>
       </p:sp>
@@ -3982,10 +3982,10 @@
           <a:lstStyle/>
           <a:p>
             <a:r>
-              <a:rPr lang="en-US" smtClean="0"/>
+              <a:rPr lang="en-US" dirty="0" smtClean="0"/>
               <a:t>Footer Text</a:t>
             </a:r>
-            <a:endParaRPr lang="en-US"/>
+            <a:endParaRPr lang="en-US" dirty="0"/>
           </a:p>
         </p:txBody>
       </p:sp>
@@ -4014,7 +4014,7 @@
               <a:pPr/>
               <a:t>‹Nº›</a:t>
             </a:fld>
-            <a:endParaRPr lang="en-US"/>
+            <a:endParaRPr lang="en-US" dirty="0"/>
           </a:p>
         </p:txBody>
       </p:sp>
@@ -4216,9 +4216,9 @@
           <a:p>
             <a:fld id="{F25A2487-6AC6-46E3-B33D-5D05B123D4A7}" type="datetime1">
               <a:rPr lang="en-US" smtClean="0"/>
-              <a:t>02-Sep-17</a:t>
+              <a:t>9/6/2017</a:t>
             </a:fld>
-            <a:endParaRPr lang="en-US"/>
+            <a:endParaRPr lang="en-US" dirty="0"/>
           </a:p>
         </p:txBody>
       </p:sp>
@@ -4238,10 +4238,10 @@
           <a:lstStyle/>
           <a:p>
             <a:r>
-              <a:rPr lang="en-US" smtClean="0"/>
+              <a:rPr lang="en-US" dirty="0" smtClean="0"/>
               <a:t>Footer Text</a:t>
             </a:r>
-            <a:endParaRPr lang="en-US"/>
+            <a:endParaRPr lang="en-US" dirty="0"/>
           </a:p>
         </p:txBody>
       </p:sp>
@@ -4270,7 +4270,7 @@
               <a:pPr/>
               <a:t>‹Nº›</a:t>
             </a:fld>
-            <a:endParaRPr lang="en-US"/>
+            <a:endParaRPr lang="en-US" dirty="0"/>
           </a:p>
         </p:txBody>
       </p:sp>
@@ -4523,9 +4523,9 @@
           <a:p>
             <a:fld id="{F4C275C9-F92A-47FB-9FCC-3D0924A5F798}" type="datetime1">
               <a:rPr lang="en-US" smtClean="0"/>
-              <a:t>02-Sep-17</a:t>
+              <a:t>9/6/2017</a:t>
             </a:fld>
-            <a:endParaRPr lang="en-US"/>
+            <a:endParaRPr lang="en-US" dirty="0"/>
           </a:p>
         </p:txBody>
       </p:sp>
@@ -4545,10 +4545,10 @@
           <a:lstStyle/>
           <a:p>
             <a:r>
-              <a:rPr lang="en-US" smtClean="0"/>
+              <a:rPr lang="en-US" dirty="0" smtClean="0"/>
               <a:t>Footer Text</a:t>
             </a:r>
-            <a:endParaRPr lang="en-US"/>
+            <a:endParaRPr lang="en-US" dirty="0"/>
           </a:p>
         </p:txBody>
       </p:sp>
@@ -4572,7 +4572,7 @@
               <a:pPr/>
               <a:t>‹Nº›</a:t>
             </a:fld>
-            <a:endParaRPr lang="en-US"/>
+            <a:endParaRPr lang="en-US" dirty="0"/>
           </a:p>
         </p:txBody>
       </p:sp>
@@ -4970,9 +4970,9 @@
           <a:p>
             <a:fld id="{EE401011-EE6D-47E3-A183-A83860EF6B77}" type="datetime1">
               <a:rPr lang="en-US" smtClean="0"/>
-              <a:t>02-Sep-17</a:t>
+              <a:t>9/6/2017</a:t>
             </a:fld>
-            <a:endParaRPr lang="en-US"/>
+            <a:endParaRPr lang="en-US" dirty="0"/>
           </a:p>
         </p:txBody>
       </p:sp>
@@ -4992,10 +4992,10 @@
           <a:lstStyle/>
           <a:p>
             <a:r>
-              <a:rPr lang="en-US" smtClean="0"/>
+              <a:rPr lang="en-US" dirty="0" smtClean="0"/>
               <a:t>Footer Text</a:t>
             </a:r>
-            <a:endParaRPr lang="en-US"/>
+            <a:endParaRPr lang="en-US" dirty="0"/>
           </a:p>
         </p:txBody>
       </p:sp>
@@ -5019,7 +5019,7 @@
               <a:pPr/>
               <a:t>‹Nº›</a:t>
             </a:fld>
-            <a:endParaRPr lang="en-US"/>
+            <a:endParaRPr lang="en-US" dirty="0"/>
           </a:p>
         </p:txBody>
       </p:sp>
@@ -5093,7 +5093,7 @@
           <a:p>
             <a:fld id="{63A2ADCF-5041-4F5A-9331-2A3E5401F304}" type="datetime1">
               <a:rPr lang="en-US" smtClean="0"/>
-              <a:t>02-Sep-17</a:t>
+              <a:t>9/6/2017</a:t>
             </a:fld>
             <a:endParaRPr lang="en-US" dirty="0"/>
           </a:p>
@@ -5115,7 +5115,7 @@
           <a:lstStyle/>
           <a:p>
             <a:r>
-              <a:rPr lang="en-US" smtClean="0"/>
+              <a:rPr lang="en-US" dirty="0" smtClean="0"/>
               <a:t>Footer Text</a:t>
             </a:r>
             <a:endParaRPr lang="en-US" dirty="0"/>
@@ -5193,9 +5193,9 @@
           <a:p>
             <a:fld id="{E9BCB32F-AA65-4962-8231-1A87B5955612}" type="datetime1">
               <a:rPr lang="en-US" smtClean="0"/>
-              <a:t>02-Sep-17</a:t>
+              <a:t>9/6/2017</a:t>
             </a:fld>
-            <a:endParaRPr lang="en-US"/>
+            <a:endParaRPr lang="en-US" dirty="0"/>
           </a:p>
         </p:txBody>
       </p:sp>
@@ -5215,10 +5215,10 @@
           <a:lstStyle/>
           <a:p>
             <a:r>
-              <a:rPr lang="en-US" smtClean="0"/>
+              <a:rPr lang="en-US" dirty="0" smtClean="0"/>
               <a:t>Footer Text</a:t>
             </a:r>
-            <a:endParaRPr lang="en-US"/>
+            <a:endParaRPr lang="en-US" dirty="0"/>
           </a:p>
         </p:txBody>
       </p:sp>
@@ -5242,7 +5242,7 @@
               <a:pPr/>
               <a:t>‹Nº›</a:t>
             </a:fld>
-            <a:endParaRPr lang="en-US"/>
+            <a:endParaRPr lang="en-US" dirty="0"/>
           </a:p>
         </p:txBody>
       </p:sp>
@@ -5481,9 +5481,9 @@
           <a:p>
             <a:fld id="{B0ED3D63-26E0-49D8-BAA7-43843CC8105C}" type="datetime1">
               <a:rPr lang="en-US" smtClean="0"/>
-              <a:t>02-Sep-17</a:t>
+              <a:t>9/6/2017</a:t>
             </a:fld>
-            <a:endParaRPr lang="en-US"/>
+            <a:endParaRPr lang="en-US" dirty="0"/>
           </a:p>
         </p:txBody>
       </p:sp>
@@ -5503,10 +5503,10 @@
           <a:lstStyle/>
           <a:p>
             <a:r>
-              <a:rPr lang="en-US" smtClean="0"/>
+              <a:rPr lang="en-US" dirty="0" smtClean="0"/>
               <a:t>Footer Text</a:t>
             </a:r>
-            <a:endParaRPr lang="en-US"/>
+            <a:endParaRPr lang="en-US" dirty="0"/>
           </a:p>
         </p:txBody>
       </p:sp>
@@ -5530,7 +5530,7 @@
               <a:pPr/>
               <a:t>‹Nº›</a:t>
             </a:fld>
-            <a:endParaRPr lang="en-US"/>
+            <a:endParaRPr lang="en-US" dirty="0"/>
           </a:p>
         </p:txBody>
       </p:sp>
@@ -5686,7 +5686,7 @@
           </a:lstStyle>
           <a:p>
             <a:r>
-              <a:rPr lang="es-ES" smtClean="0"/>
+              <a:rPr lang="es-ES" dirty="0" smtClean="0"/>
               <a:t>Haga clic en el icono para agregar una imagen</a:t>
             </a:r>
             <a:endParaRPr lang="en-US" dirty="0"/>
@@ -5777,9 +5777,9 @@
           <a:p>
             <a:fld id="{AA6280C2-7C8C-45EA-8ECA-EDC8E027C302}" type="datetime1">
               <a:rPr lang="en-US" smtClean="0"/>
-              <a:t>02-Sep-17</a:t>
+              <a:t>9/6/2017</a:t>
             </a:fld>
-            <a:endParaRPr lang="en-US"/>
+            <a:endParaRPr lang="en-US" dirty="0"/>
           </a:p>
         </p:txBody>
       </p:sp>
@@ -5799,10 +5799,10 @@
           <a:lstStyle/>
           <a:p>
             <a:r>
-              <a:rPr lang="en-US" smtClean="0"/>
+              <a:rPr lang="en-US" dirty="0" smtClean="0"/>
               <a:t>Footer Text</a:t>
             </a:r>
-            <a:endParaRPr lang="en-US"/>
+            <a:endParaRPr lang="en-US" dirty="0"/>
           </a:p>
         </p:txBody>
       </p:sp>
@@ -5826,7 +5826,7 @@
               <a:pPr/>
               <a:t>‹Nº›</a:t>
             </a:fld>
-            <a:endParaRPr lang="en-US"/>
+            <a:endParaRPr lang="en-US" dirty="0"/>
           </a:p>
         </p:txBody>
       </p:sp>
@@ -6306,7 +6306,7 @@
           <a:p>
             <a:fld id="{86270A0B-8AA3-43C5-9EE0-1493BF60B2CA}" type="datetime1">
               <a:rPr lang="en-US" smtClean="0"/>
-              <a:t>02-Sep-17</a:t>
+              <a:t>9/6/2017</a:t>
             </a:fld>
             <a:endParaRPr lang="en-US" dirty="0"/>
           </a:p>
@@ -6346,7 +6346,7 @@
           </a:lstStyle>
           <a:p>
             <a:r>
-              <a:rPr lang="en-US" smtClean="0"/>
+              <a:rPr lang="en-US" dirty="0" smtClean="0"/>
               <a:t>Footer Text</a:t>
             </a:r>
             <a:endParaRPr lang="en-US" dirty="0"/>
@@ -6930,18 +6930,10 @@
             </a:pPr>
             <a:r>
               <a:rPr lang="es-ES" sz="3200" b="1" dirty="0"/>
-              <a:t>Técnica de pronóstico de la demanda basada en Business </a:t>
-            </a:r>
-            <a:r>
-              <a:rPr lang="es-ES" sz="3200" b="1" dirty="0" err="1"/>
-              <a:t>Intelligence</a:t>
+              <a:t>Técnica de pronóstico de la demanda basada en Business Intelligence y Machine </a:t>
             </a:r>
             <a:r>
               <a:rPr lang="es-ES" sz="3200" b="1" dirty="0"/>
-              <a:t> y Machine </a:t>
-            </a:r>
-            <a:r>
-              <a:rPr lang="es-ES" sz="3200" b="1" dirty="0" err="1"/>
               <a:t>Learning</a:t>
             </a:r>
             <a:r>
@@ -7162,7 +7154,7 @@
               <a:t>Alberto </a:t>
             </a:r>
             <a:r>
-              <a:rPr lang="es-ES" sz="2400" dirty="0" err="1" smtClean="0">
+              <a:rPr lang="es-ES" sz="2400" dirty="0" smtClean="0">
                 <a:latin typeface="Times New Roman" pitchFamily="18" charset="0"/>
                 <a:cs typeface="Times New Roman" pitchFamily="18" charset="0"/>
               </a:rPr>
@@ -7256,7 +7248,7 @@
           <a:p>
             <a:pPr algn="ctr"/>
             <a:r>
-              <a:rPr lang="es-ES" sz="2400" dirty="0" err="1" smtClean="0">
+              <a:rPr lang="es-ES" sz="2400" dirty="0" smtClean="0">
                 <a:latin typeface="Times New Roman" pitchFamily="18" charset="0"/>
                 <a:cs typeface="Times New Roman" pitchFamily="18" charset="0"/>
               </a:rPr>
@@ -7287,7 +7279,7 @@
               <a:t>Ing. </a:t>
             </a:r>
             <a:r>
-              <a:rPr lang="es-ES" sz="2400" dirty="0" err="1" smtClean="0">
+              <a:rPr lang="es-ES" sz="2400" dirty="0" smtClean="0">
                 <a:latin typeface="Times New Roman" pitchFamily="18" charset="0"/>
                 <a:cs typeface="Times New Roman" pitchFamily="18" charset="0"/>
               </a:rPr>
@@ -7317,11 +7309,7 @@
             <a:pPr algn="ctr"/>
             <a:r>
               <a:rPr lang="es-ES" b="1" dirty="0" smtClean="0"/>
-              <a:t>CLEI/JAIIO 2017</a:t>
-            </a:r>
-            <a:r>
-              <a:rPr lang="es-ES" b="1" dirty="0" smtClean="0"/>
-              <a:t> </a:t>
+              <a:t>CLEI/JAIIO 2017 </a:t>
             </a:r>
             <a:r>
               <a:rPr lang="es-ES" b="1" dirty="0"/>
@@ -7329,11 +7317,7 @@
             </a:r>
             <a:r>
               <a:rPr lang="es-ES" b="1" dirty="0" smtClean="0"/>
-              <a:t>Córdoba – </a:t>
-            </a:r>
-            <a:r>
-              <a:rPr lang="es-ES" b="1" dirty="0" smtClean="0"/>
-              <a:t>Argentina</a:t>
+              <a:t>Córdoba – Argentina</a:t>
             </a:r>
             <a:endParaRPr lang="es-PY" b="1" dirty="0"/>
           </a:p>
@@ -7510,7 +7494,7 @@
               <a:t>Machine </a:t>
             </a:r>
             <a:r>
-              <a:rPr lang="es-ES" b="1" dirty="0" err="1" smtClean="0"/>
+              <a:rPr lang="es-ES" b="1" dirty="0" smtClean="0"/>
               <a:t>Learning</a:t>
             </a:r>
             <a:r>
@@ -7824,7 +7808,7 @@
               <a:t>(</a:t>
             </a:r>
             <a:r>
-              <a:rPr lang="es-ES" sz="1900" b="1" dirty="0" err="1"/>
+              <a:rPr lang="es-ES" sz="1900" b="1" dirty="0"/>
               <a:t>examples</a:t>
             </a:r>
             <a:r>
@@ -7840,7 +7824,7 @@
               <a:t>(</a:t>
             </a:r>
             <a:r>
-              <a:rPr lang="es-ES" sz="1900" b="1" dirty="0" err="1"/>
+              <a:rPr lang="es-ES" sz="1900" b="1" dirty="0"/>
               <a:t>features</a:t>
             </a:r>
             <a:r>
@@ -7849,15 +7833,7 @@
             </a:r>
             <a:r>
               <a:rPr lang="es-ES" sz="1900" dirty="0"/>
-              <a:t>. Para el problema de estudio el proceso de Business </a:t>
-            </a:r>
-            <a:r>
-              <a:rPr lang="es-ES" sz="1900" dirty="0" err="1"/>
-              <a:t>Intelligence</a:t>
-            </a:r>
-            <a:r>
-              <a:rPr lang="es-ES" sz="1900" dirty="0"/>
-              <a:t> es quien provee las instancias. El grupo de ejemplos o instancias utilizados en el proceso de entrenamiento de los algoritmos de aprendizaje automático constituyen el conjunto de entrenamiento </a:t>
+              <a:t>. Para el problema de estudio el proceso de Business Intelligence es quien provee las instancias. El grupo de ejemplos o instancias utilizados en el proceso de entrenamiento de los algoritmos de aprendizaje automático constituyen el conjunto de entrenamiento </a:t>
             </a:r>
             <a:r>
               <a:rPr lang="es-ES" sz="1900" b="1" dirty="0"/>
@@ -8028,7 +8004,7 @@
               <a:t>Machine </a:t>
             </a:r>
             <a:r>
-              <a:rPr lang="es-ES" b="1" dirty="0" err="1" smtClean="0"/>
+              <a:rPr lang="es-ES" b="1" dirty="0" smtClean="0"/>
               <a:t>Learning</a:t>
             </a:r>
             <a:r>
@@ -8377,7 +8353,7 @@
               <a:buChar char="ü"/>
             </a:pPr>
             <a:r>
-              <a:rPr lang="en-US" sz="2000" dirty="0" err="1"/>
+              <a:rPr lang="en-US" sz="2000" dirty="0"/>
               <a:t>Porcentaje</a:t>
             </a:r>
             <a:r>
@@ -8385,7 +8361,7 @@
               <a:t> de </a:t>
             </a:r>
             <a:r>
-              <a:rPr lang="en-US" sz="2000" dirty="0" err="1" smtClean="0"/>
+              <a:rPr lang="en-US" sz="2000" dirty="0" smtClean="0"/>
               <a:t>Aciertos</a:t>
             </a:r>
             <a:endParaRPr lang="en-US" sz="2000" dirty="0" smtClean="0"/>
@@ -8396,7 +8372,7 @@
               <a:buChar char="ü"/>
             </a:pPr>
             <a:r>
-              <a:rPr lang="en-US" sz="2000" dirty="0" err="1"/>
+              <a:rPr lang="en-US" sz="2000" dirty="0"/>
               <a:t>Estadística</a:t>
             </a:r>
             <a:r>
@@ -9073,10 +9049,9 @@
               <a:t>Datos proveídos por Business </a:t>
             </a:r>
             <a:r>
-              <a:rPr lang="es-ES" sz="2400" b="1" u="sng" dirty="0" err="1" smtClean="0"/>
+              <a:rPr lang="es-ES" sz="2400" b="1" u="sng" dirty="0" smtClean="0"/>
               <a:t>Intelligence</a:t>
             </a:r>
-            <a:endParaRPr lang="es-ES" sz="2400" b="1" u="sng" dirty="0" smtClean="0"/>
           </a:p>
           <a:p>
             <a:pPr algn="just"/>
@@ -12249,23 +12224,7 @@
             </a:r>
             <a:r>
               <a:rPr lang="es-ES" sz="2400" dirty="0"/>
-              <a:t> de estimación de la demanda de productos, para reposición de stock en empresas </a:t>
-            </a:r>
-            <a:r>
-              <a:rPr lang="es-ES" sz="2400" dirty="0" err="1"/>
-              <a:t>retail</a:t>
-            </a:r>
-            <a:r>
-              <a:rPr lang="es-ES" sz="2400" dirty="0"/>
-              <a:t>. Como se mencionó en la Sección 2, la gestión de compras es uno los ejes centrales en la actividad empresarial y la decisión del volumen de compras para cada producto es un desafío que enfrentan las empresas al momento de reponer el stock. Partiendo de esta premisa y analizando las técnicas de pronóstico de la demanda empleadas en la actualidad, y el creciente incremento del uso de tecnologías de Business </a:t>
-            </a:r>
-            <a:r>
-              <a:rPr lang="es-ES" sz="2400" dirty="0" err="1"/>
-              <a:t>Intelligence</a:t>
-            </a:r>
-            <a:r>
-              <a:rPr lang="es-ES" sz="2400" dirty="0"/>
-              <a:t> en las organizaciones, se encontró la oportunidad de desarrollar una nueva técnica de pronóstico. En esta nueva técnica se utilizan los </a:t>
+              <a:t> de estimación de la demanda de productos, para reposición de stock en empresas retail. Como se mencionó en la Sección 2, la gestión de compras es uno los ejes centrales en la actividad empresarial y la decisión del volumen de compras para cada producto es un desafío que enfrentan las empresas al momento de reponer el stock. Partiendo de esta premisa y analizando las técnicas de pronóstico de la demanda empleadas en la actualidad, y el creciente incremento del uso de tecnologías de Business Intelligence en las organizaciones, se encontró la oportunidad de desarrollar una nueva técnica de pronóstico. En esta nueva técnica se utilizan los </a:t>
             </a:r>
             <a:r>
               <a:rPr lang="es-ES" sz="2400" b="1" dirty="0"/>
@@ -12292,7 +12251,7 @@
               <a:t>algoritmos de clasificación de Machine </a:t>
             </a:r>
             <a:r>
-              <a:rPr lang="es-ES" sz="2400" b="1" dirty="0" err="1"/>
+              <a:rPr lang="es-ES" sz="2400" b="1" dirty="0"/>
               <a:t>Learning</a:t>
             </a:r>
             <a:r>
@@ -12774,18 +12733,10 @@
             </a:r>
             <a:r>
               <a:rPr lang="es-PY" dirty="0"/>
-              <a:t>Business </a:t>
-            </a:r>
-            <a:r>
-              <a:rPr lang="es-PY" dirty="0" err="1"/>
-              <a:t>Intelligence</a:t>
-            </a:r>
-            <a:r>
-              <a:rPr lang="es-PY" dirty="0"/>
-              <a:t> y Machine </a:t>
-            </a:r>
-            <a:r>
-              <a:rPr lang="es-PY" dirty="0" err="1" smtClean="0"/>
+              <a:t>Business Intelligence y Machine </a:t>
+            </a:r>
+            <a:r>
+              <a:rPr lang="es-PY" dirty="0" smtClean="0"/>
               <a:t>Learning</a:t>
             </a:r>
             <a:r>
@@ -13809,7 +13760,7 @@
               <a:buAutoNum type="arabicPeriod"/>
             </a:pPr>
             <a:r>
-              <a:rPr lang="en-US" sz="2100" b="1" dirty="0" err="1" smtClean="0"/>
+              <a:rPr lang="en-US" sz="2100" b="1" dirty="0" smtClean="0"/>
               <a:t>Métodos</a:t>
             </a:r>
             <a:r>
@@ -13821,7 +13772,7 @@
               <a:t>de </a:t>
             </a:r>
             <a:r>
-              <a:rPr lang="en-US" sz="2100" b="1" dirty="0" err="1"/>
+              <a:rPr lang="en-US" sz="2100" b="1" dirty="0"/>
               <a:t>pronósticos</a:t>
             </a:r>
             <a:r>
@@ -13829,7 +13780,7 @@
               <a:t> </a:t>
             </a:r>
             <a:r>
-              <a:rPr lang="en-US" sz="2100" b="1" dirty="0" err="1" smtClean="0"/>
+              <a:rPr lang="en-US" sz="2100" b="1" dirty="0" smtClean="0"/>
               <a:t>cualitativos</a:t>
             </a:r>
             <a:endParaRPr lang="en-US" sz="2100" b="1" dirty="0" smtClean="0"/>
@@ -13939,7 +13890,7 @@
               <a:buAutoNum type="arabicPeriod"/>
             </a:pPr>
             <a:r>
-              <a:rPr lang="en-US" sz="2100" b="1" dirty="0" err="1" smtClean="0"/>
+              <a:rPr lang="en-US" sz="2100" b="1" dirty="0" smtClean="0"/>
               <a:t>Métodos</a:t>
             </a:r>
             <a:r>
@@ -13951,7 +13902,7 @@
               <a:t>de </a:t>
             </a:r>
             <a:r>
-              <a:rPr lang="en-US" sz="2100" b="1" dirty="0" err="1"/>
+              <a:rPr lang="en-US" sz="2100" b="1" dirty="0"/>
               <a:t>pronósticos</a:t>
             </a:r>
             <a:r>
@@ -13959,7 +13910,7 @@
               <a:t> </a:t>
             </a:r>
             <a:r>
-              <a:rPr lang="en-US" sz="2100" b="1" dirty="0" err="1" smtClean="0"/>
+              <a:rPr lang="en-US" sz="2100" b="1" dirty="0" smtClean="0"/>
               <a:t>cuantitativos</a:t>
             </a:r>
             <a:endParaRPr lang="en-US" sz="2100" b="1" dirty="0"/>
@@ -14067,7 +14018,7 @@
               <a:t>	2.1.4 El método de pronóstico por </a:t>
             </a:r>
             <a:r>
-              <a:rPr lang="es-ES" sz="2100" dirty="0" err="1">
+              <a:rPr lang="es-ES" sz="2100" dirty="0">
                 <a:solidFill>
                   <a:schemeClr val="tx1"/>
                 </a:solidFill>
@@ -14113,7 +14064,7 @@
               <a:t>	2.1.5 El método de </a:t>
             </a:r>
             <a:r>
-              <a:rPr lang="es-ES" sz="2100" dirty="0" err="1">
+              <a:rPr lang="es-ES" sz="2100" dirty="0">
                 <a:solidFill>
                   <a:schemeClr val="tx1"/>
                 </a:solidFill>
@@ -14164,7 +14115,7 @@
               <a:t>2.2 </a:t>
             </a:r>
             <a:r>
-              <a:rPr lang="en-US" sz="2100" b="1" dirty="0" err="1" smtClean="0">
+              <a:rPr lang="en-US" sz="2100" b="1" dirty="0" smtClean="0">
                 <a:solidFill>
                   <a:schemeClr val="tx1"/>
                 </a:solidFill>
@@ -14180,7 +14131,7 @@
               <a:t> </a:t>
             </a:r>
             <a:r>
-              <a:rPr lang="en-US" sz="2100" b="1" dirty="0" err="1" smtClean="0">
+              <a:rPr lang="en-US" sz="2100" b="1" dirty="0" smtClean="0">
                 <a:solidFill>
                   <a:schemeClr val="tx1"/>
                 </a:solidFill>
@@ -14369,7 +14320,7 @@
         </p:blipFill>
         <p:spPr>
           <a:xfrm>
-            <a:off x="3410498" y="5335474"/>
+            <a:off x="3410498" y="5301208"/>
             <a:ext cx="4848902" cy="257211"/>
           </a:xfrm>
           <a:prstGeom prst="rect">
@@ -14399,7 +14350,7 @@
         </p:blipFill>
         <p:spPr>
           <a:xfrm>
-            <a:off x="3410498" y="5605187"/>
+            <a:off x="3410498" y="5548053"/>
             <a:ext cx="4248743" cy="257211"/>
           </a:xfrm>
           <a:prstGeom prst="rect">
@@ -14429,7 +14380,7 @@
         </p:blipFill>
         <p:spPr>
           <a:xfrm>
-            <a:off x="2704202" y="5846808"/>
+            <a:off x="2704202" y="5805264"/>
             <a:ext cx="6258798" cy="247685"/>
           </a:xfrm>
           <a:prstGeom prst="rect">
@@ -14635,15 +14586,7 @@
           <a:p>
             <a:r>
               <a:rPr lang="es-ES" sz="5200" b="1" dirty="0"/>
-              <a:t>Business </a:t>
-            </a:r>
-            <a:r>
-              <a:rPr lang="es-ES" sz="5200" b="1" dirty="0" err="1"/>
-              <a:t>Intelligence</a:t>
-            </a:r>
-            <a:r>
-              <a:rPr lang="es-ES" sz="5200" b="1" dirty="0"/>
-              <a:t> </a:t>
+              <a:t>Business Intelligence </a:t>
             </a:r>
             <a:r>
               <a:rPr lang="es-PY" sz="5200" dirty="0" smtClean="0"/>
@@ -14925,42 +14868,10 @@
                   <a:schemeClr val="tx1"/>
                 </a:solidFill>
               </a:rPr>
-              <a:t>“Business </a:t>
-            </a:r>
-            <a:r>
-              <a:rPr lang="es-ES" sz="1800" i="1" dirty="0" err="1">
-                <a:solidFill>
-                  <a:schemeClr val="tx1"/>
-                </a:solidFill>
-              </a:rPr>
-              <a:t>Intelligence</a:t>
+              <a:t>“Business Intelligence es un término paraguas que abarca los procesos, las herramientas y las tecnologías para convertir datos en información, información en conocimiento y planes para conducir de forma eficaz las actividades de los negocios. Business Intelligence abarca las tecnologías de </a:t>
             </a:r>
             <a:r>
               <a:rPr lang="es-ES" sz="1800" i="1" dirty="0">
-                <a:solidFill>
-                  <a:schemeClr val="tx1"/>
-                </a:solidFill>
-              </a:rPr>
-              <a:t> es un término paraguas que abarca los procesos, las herramientas y las tecnologías para convertir datos en información, información en conocimiento y planes para conducir de forma eficaz las actividades de los negocios. Business </a:t>
-            </a:r>
-            <a:r>
-              <a:rPr lang="es-ES" sz="1800" i="1" dirty="0" err="1">
-                <a:solidFill>
-                  <a:schemeClr val="tx1"/>
-                </a:solidFill>
-              </a:rPr>
-              <a:t>Intelligence</a:t>
-            </a:r>
-            <a:r>
-              <a:rPr lang="es-ES" sz="1800" i="1" dirty="0">
-                <a:solidFill>
-                  <a:schemeClr val="tx1"/>
-                </a:solidFill>
-              </a:rPr>
-              <a:t> abarca las tecnologías de </a:t>
-            </a:r>
-            <a:r>
-              <a:rPr lang="es-ES" sz="1800" i="1" dirty="0" err="1">
                 <a:solidFill>
                   <a:schemeClr val="tx1"/>
                 </a:solidFill>
@@ -14976,7 +14887,7 @@
               <a:t>, los procesos en el 'back </a:t>
             </a:r>
             <a:r>
-              <a:rPr lang="es-ES" sz="1800" i="1" dirty="0" err="1">
+              <a:rPr lang="es-ES" sz="1800" i="1" dirty="0">
                 <a:solidFill>
                   <a:schemeClr val="tx1"/>
                 </a:solidFill>
@@ -14989,26 +14900,10 @@
                   <a:schemeClr val="tx1"/>
                 </a:solidFill>
               </a:rPr>
-              <a:t>', consultas, informes, análisis y las herramientas para mostrar información (herramientas de Business </a:t>
-            </a:r>
-            <a:r>
-              <a:rPr lang="es-ES" sz="1800" i="1" dirty="0" err="1">
-                <a:solidFill>
-                  <a:schemeClr val="tx1"/>
-                </a:solidFill>
-              </a:rPr>
-              <a:t>Intelligence</a:t>
+              <a:t>', consultas, informes, análisis y las herramientas para mostrar información (herramientas de Business Intelligence) y los procesos en el '</a:t>
             </a:r>
             <a:r>
               <a:rPr lang="es-ES" sz="1800" i="1" dirty="0">
-                <a:solidFill>
-                  <a:schemeClr val="tx1"/>
-                </a:solidFill>
-              </a:rPr>
-              <a:t>) y los procesos en el '</a:t>
-            </a:r>
-            <a:r>
-              <a:rPr lang="es-ES" sz="1800" i="1" dirty="0" err="1">
                 <a:solidFill>
                   <a:schemeClr val="tx1"/>
                 </a:solidFill>
@@ -15024,7 +14919,7 @@
               <a:t> </a:t>
             </a:r>
             <a:r>
-              <a:rPr lang="es-ES" sz="1800" i="1" dirty="0" err="1">
+              <a:rPr lang="es-ES" sz="1800" i="1" dirty="0">
                 <a:solidFill>
                   <a:schemeClr val="tx1"/>
                 </a:solidFill>
@@ -15125,7 +15020,7 @@
               <a:t>El </a:t>
             </a:r>
             <a:r>
-              <a:rPr lang="es-PY" sz="1600" dirty="0" err="1" smtClean="0">
+              <a:rPr lang="es-PY" sz="1600" dirty="0" smtClean="0">
                 <a:solidFill>
                   <a:schemeClr val="tx1"/>
                 </a:solidFill>
@@ -15244,7 +15139,7 @@
         </p:nvSpPr>
         <p:spPr>
           <a:xfrm>
-            <a:off x="755576" y="1124744"/>
+            <a:off x="792089" y="980728"/>
             <a:ext cx="8388423" cy="5472607"/>
           </a:xfrm>
           <a:prstGeom prst="rect">
@@ -15253,7 +15148,7 @@
         </p:spPr>
         <p:txBody>
           <a:bodyPr vert="horz" lIns="91440" tIns="45720" rIns="91440" bIns="45720" rtlCol="0" anchor="t">
-            <a:normAutofit/>
+            <a:normAutofit lnSpcReduction="10000"/>
           </a:bodyPr>
           <a:lstStyle>
             <a:lvl1pPr marL="0" indent="0" algn="r" defTabSz="457200" rtl="0" eaLnBrk="1" latinLnBrk="0" hangingPunct="1">
@@ -15501,7 +15396,7 @@
           <a:p>
             <a:pPr algn="just"/>
             <a:r>
-              <a:rPr lang="en-US" sz="2400" b="1" dirty="0" err="1" smtClean="0"/>
+              <a:rPr lang="en-US" sz="2400" b="1" dirty="0" smtClean="0"/>
               <a:t>Modelado</a:t>
             </a:r>
             <a:r>
@@ -15509,7 +15404,7 @@
               <a:t> del </a:t>
             </a:r>
             <a:r>
-              <a:rPr lang="en-US" sz="2400" b="1" dirty="0" err="1" smtClean="0"/>
+              <a:rPr lang="en-US" sz="2400" b="1" dirty="0" smtClean="0"/>
               <a:t>problema</a:t>
             </a:r>
             <a:endParaRPr lang="es-ES" sz="2400" b="1" dirty="0" smtClean="0">
@@ -15759,12 +15654,52 @@
               <a:t>Proceso ETL: </a:t>
             </a:r>
             <a:r>
+              <a:rPr lang="es-PY" sz="1400" b="1" dirty="0">
+                <a:solidFill>
+                  <a:schemeClr val="tx1"/>
+                </a:solidFill>
+              </a:rPr>
+              <a:t>Productos</a:t>
+            </a:r>
+            <a:r>
+              <a:rPr lang="es-PY" sz="1400" dirty="0">
+                <a:solidFill>
+                  <a:schemeClr val="tx1"/>
+                </a:solidFill>
+              </a:rPr>
+              <a:t> </a:t>
+            </a:r>
+            <a:r>
+              <a:rPr lang="es-PY" sz="1400" b="1" dirty="0" smtClean="0">
+                <a:solidFill>
+                  <a:schemeClr val="tx1"/>
+                </a:solidFill>
+              </a:rPr>
+              <a:t>con proveedor </a:t>
+            </a:r>
+            <a:r>
+              <a:rPr lang="es-PY" sz="1400" b="1" dirty="0">
+                <a:solidFill>
+                  <a:schemeClr val="tx1"/>
+                </a:solidFill>
+              </a:rPr>
+              <a:t>nulo</a:t>
+            </a:r>
+            <a:r>
+              <a:rPr lang="es-PY" sz="1400" dirty="0">
+                <a:solidFill>
+                  <a:schemeClr val="tx1"/>
+                </a:solidFill>
+              </a:rPr>
+              <a:t> al cual se asignó un proveedor por defecto de la tabla </a:t>
+            </a:r>
+            <a:r>
               <a:rPr lang="es-PY" sz="1400" dirty="0" smtClean="0">
                 <a:solidFill>
                   <a:schemeClr val="tx1"/>
                 </a:solidFill>
               </a:rPr>
-              <a:t>Durante </a:t>
+              <a:t>proveedores</a:t>
             </a:r>
             <a:r>
               <a:rPr lang="es-PY" sz="1400" dirty="0">
@@ -15772,7 +15707,31 @@
                   <a:schemeClr val="tx1"/>
                 </a:solidFill>
               </a:rPr>
-              <a:t>el proceso ETL se realizó </a:t>
+              <a:t>, </a:t>
+            </a:r>
+            <a:r>
+              <a:rPr lang="es-PY" sz="1400" b="1" dirty="0" smtClean="0">
+                <a:solidFill>
+                  <a:schemeClr val="tx1"/>
+                </a:solidFill>
+              </a:rPr>
+              <a:t>productos con </a:t>
+            </a:r>
+            <a:r>
+              <a:rPr lang="es-PY" sz="1400" b="1" dirty="0">
+                <a:solidFill>
+                  <a:schemeClr val="tx1"/>
+                </a:solidFill>
+              </a:rPr>
+              <a:t>costo cero</a:t>
+            </a:r>
+            <a:r>
+              <a:rPr lang="es-PY" sz="1400" dirty="0">
+                <a:solidFill>
+                  <a:schemeClr val="tx1"/>
+                </a:solidFill>
+              </a:rPr>
+              <a:t>, en tal caso dichos valores eran asignados con un costo promedio </a:t>
             </a:r>
             <a:r>
               <a:rPr lang="es-PY" sz="1400" dirty="0" smtClean="0">
@@ -15780,7 +15739,7 @@
                   <a:schemeClr val="tx1"/>
                 </a:solidFill>
               </a:rPr>
-              <a:t>la extracción de los datos de la fuentes de origen, </a:t>
+              <a:t>de </a:t>
             </a:r>
             <a:r>
               <a:rPr lang="es-PY" sz="1400" dirty="0">
@@ -15788,7 +15747,7 @@
                   <a:schemeClr val="tx1"/>
                 </a:solidFill>
               </a:rPr>
-              <a:t>limpieza </a:t>
+              <a:t>la tabla de Ventas </a:t>
             </a:r>
             <a:r>
               <a:rPr lang="es-PY" sz="1400" dirty="0" smtClean="0">
@@ -15796,7 +15755,7 @@
                   <a:schemeClr val="tx1"/>
                 </a:solidFill>
               </a:rPr>
-              <a:t> y </a:t>
+              <a:t>Detalle, en </a:t>
             </a:r>
             <a:r>
               <a:rPr lang="es-PY" sz="1400" dirty="0">
@@ -15804,7 +15763,63 @@
                   <a:schemeClr val="tx1"/>
                 </a:solidFill>
               </a:rPr>
-              <a:t>transformación de los datos </a:t>
+              <a:t>la tabla de </a:t>
+            </a:r>
+            <a:r>
+              <a:rPr lang="es-PY" sz="1400" b="1" dirty="0">
+                <a:solidFill>
+                  <a:schemeClr val="tx1"/>
+                </a:solidFill>
+              </a:rPr>
+              <a:t>Ventas Detalle </a:t>
+            </a:r>
+            <a:r>
+              <a:rPr lang="es-PY" sz="1400" b="1" dirty="0" smtClean="0">
+                <a:solidFill>
+                  <a:schemeClr val="tx1"/>
+                </a:solidFill>
+              </a:rPr>
+              <a:t>con </a:t>
+            </a:r>
+            <a:r>
+              <a:rPr lang="es-PY" sz="1400" b="1" dirty="0">
+                <a:solidFill>
+                  <a:schemeClr val="tx1"/>
+                </a:solidFill>
+              </a:rPr>
+              <a:t>registros </a:t>
+            </a:r>
+            <a:r>
+              <a:rPr lang="es-PY" sz="1400" b="1" dirty="0" smtClean="0">
+                <a:solidFill>
+                  <a:schemeClr val="tx1"/>
+                </a:solidFill>
+              </a:rPr>
+              <a:t>de valores </a:t>
+            </a:r>
+            <a:r>
+              <a:rPr lang="es-PY" sz="1400" b="1" dirty="0">
+                <a:solidFill>
+                  <a:schemeClr val="tx1"/>
+                </a:solidFill>
+              </a:rPr>
+              <a:t>de costo </a:t>
+            </a:r>
+            <a:r>
+              <a:rPr lang="es-PY" sz="1400" b="1" dirty="0" smtClean="0">
+                <a:solidFill>
+                  <a:schemeClr val="tx1"/>
+                </a:solidFill>
+              </a:rPr>
+              <a:t>cero</a:t>
+            </a:r>
+            <a:r>
+              <a:rPr lang="es-PY" sz="1400" dirty="0">
+                <a:solidFill>
+                  <a:schemeClr val="tx1"/>
+                </a:solidFill>
+              </a:rPr>
+              <a:t>, los cuales eran modificados por el costo promedio del producto </a:t>
             </a:r>
             <a:r>
               <a:rPr lang="es-PY" sz="1400" dirty="0" smtClean="0">
@@ -15812,7 +15827,7 @@
                   <a:schemeClr val="tx1"/>
                 </a:solidFill>
               </a:rPr>
-              <a:t>y el volcado a la fuente destino. </a:t>
+              <a:t>. </a:t>
             </a:r>
             <a:endParaRPr lang="es-ES" sz="1400" dirty="0">
               <a:solidFill>
@@ -15846,7 +15861,7 @@
               <a:t> </a:t>
             </a:r>
             <a:r>
-              <a:rPr lang="es-PY" sz="1800" b="1" dirty="0" err="1" smtClean="0">
+              <a:rPr lang="es-PY" sz="1800" b="1" dirty="0" smtClean="0">
                 <a:solidFill>
                   <a:schemeClr val="tx1"/>
                 </a:solidFill>
@@ -15919,30 +15934,11 @@
               </a:rPr>
               <a:t> </a:t>
             </a:r>
-            <a:r>
-              <a:rPr lang="es-PY" sz="1400" dirty="0">
-                <a:solidFill>
-                  <a:schemeClr val="tx1"/>
-                </a:solidFill>
-              </a:rPr>
-              <a:t>Cabecera, Detalles y </a:t>
-            </a:r>
-            <a:r>
-              <a:rPr lang="es-PY" sz="1400" dirty="0" smtClean="0">
-                <a:solidFill>
-                  <a:schemeClr val="tx1"/>
-                </a:solidFill>
-              </a:rPr>
-              <a:t>Stock</a:t>
-            </a:r>
-            <a:r>
-              <a:rPr lang="es-PY" sz="1400" dirty="0">
-                <a:solidFill>
-                  <a:schemeClr val="tx1"/>
-                </a:solidFill>
-              </a:rPr>
-              <a:t>.</a:t>
-            </a:r>
+            <a:endParaRPr lang="es-PY" dirty="0" smtClean="0">
+              <a:solidFill>
+                <a:schemeClr val="tx1"/>
+              </a:solidFill>
+            </a:endParaRPr>
           </a:p>
           <a:p>
             <a:pPr marL="432000" lvl="1" algn="just">
@@ -15954,7 +15950,7 @@
               </a:spcAft>
             </a:pPr>
             <a:r>
-              <a:rPr lang="es-PY" dirty="0">
+              <a:rPr lang="es-PY" sz="1400" dirty="0">
                 <a:solidFill>
                   <a:schemeClr val="tx1"/>
                 </a:solidFill>
@@ -15962,6 +15958,113 @@
               <a:t>	</a:t>
             </a:r>
             <a:r>
+              <a:rPr lang="es-PY" sz="1400" dirty="0" smtClean="0">
+                <a:solidFill>
+                  <a:schemeClr val="tx1"/>
+                </a:solidFill>
+              </a:rPr>
+              <a:t>	- </a:t>
+            </a:r>
+            <a:r>
+              <a:rPr lang="es-PY" sz="1400" dirty="0" smtClean="0">
+                <a:solidFill>
+                  <a:schemeClr val="tx1"/>
+                </a:solidFill>
+              </a:rPr>
+              <a:t>Cabecera </a:t>
+            </a:r>
+          </a:p>
+          <a:p>
+            <a:pPr marL="432000" lvl="1" algn="just">
+              <a:spcBef>
+                <a:spcPts val="0"/>
+              </a:spcBef>
+              <a:spcAft>
+                <a:spcPts val="0"/>
+              </a:spcAft>
+            </a:pPr>
+            <a:r>
+              <a:rPr lang="es-PY" sz="1400" dirty="0">
+                <a:solidFill>
+                  <a:schemeClr val="tx1"/>
+                </a:solidFill>
+              </a:rPr>
+              <a:t>	</a:t>
+            </a:r>
+            <a:r>
+              <a:rPr lang="es-PY" sz="1400" dirty="0" smtClean="0">
+                <a:solidFill>
+                  <a:schemeClr val="tx1"/>
+                </a:solidFill>
+              </a:rPr>
+              <a:t>	- </a:t>
+            </a:r>
+            <a:r>
+              <a:rPr lang="es-PY" sz="1400" dirty="0" smtClean="0">
+                <a:solidFill>
+                  <a:schemeClr val="tx1"/>
+                </a:solidFill>
+              </a:rPr>
+              <a:t>Detalles</a:t>
+            </a:r>
+          </a:p>
+          <a:p>
+            <a:pPr marL="432000" lvl="1" algn="just">
+              <a:spcBef>
+                <a:spcPts val="0"/>
+              </a:spcBef>
+              <a:spcAft>
+                <a:spcPts val="0"/>
+              </a:spcAft>
+            </a:pPr>
+            <a:r>
+              <a:rPr lang="es-PY" sz="1400" dirty="0">
+                <a:solidFill>
+                  <a:schemeClr val="tx1"/>
+                </a:solidFill>
+              </a:rPr>
+              <a:t>	</a:t>
+            </a:r>
+            <a:r>
+              <a:rPr lang="es-PY" sz="1400" dirty="0" smtClean="0">
+                <a:solidFill>
+                  <a:schemeClr val="tx1"/>
+                </a:solidFill>
+              </a:rPr>
+              <a:t>	- </a:t>
+            </a:r>
+            <a:r>
+              <a:rPr lang="es-PY" sz="1400" dirty="0" smtClean="0">
+                <a:solidFill>
+                  <a:schemeClr val="tx1"/>
+                </a:solidFill>
+              </a:rPr>
+              <a:t>Stock. </a:t>
+            </a:r>
+            <a:endParaRPr lang="es-PY" sz="1400" dirty="0">
+              <a:solidFill>
+                <a:schemeClr val="tx1"/>
+              </a:solidFill>
+            </a:endParaRPr>
+          </a:p>
+          <a:p>
+            <a:pPr marL="432000" lvl="1" algn="just">
+              <a:spcBef>
+                <a:spcPts val="0"/>
+              </a:spcBef>
+              <a:spcAft>
+                <a:spcPts val="0"/>
+              </a:spcAft>
+            </a:pPr>
+            <a:r>
+              <a:rPr lang="es-PY" dirty="0">
+                <a:solidFill>
+                  <a:schemeClr val="tx1"/>
+                </a:solidFill>
+              </a:rPr>
+              <a:t>	</a:t>
+            </a:r>
+            <a:r>
               <a:rPr lang="es-PY" sz="1600" dirty="0" smtClean="0">
                 <a:solidFill>
                   <a:schemeClr val="tx1"/>
@@ -15977,13 +16080,188 @@
               </a:rPr>
               <a:t>Dimensiones: </a:t>
             </a:r>
+            <a:endParaRPr lang="es-PY" sz="1600" dirty="0" smtClean="0">
+              <a:solidFill>
+                <a:schemeClr val="tx1"/>
+              </a:solidFill>
+            </a:endParaRPr>
+          </a:p>
+          <a:p>
+            <a:pPr marL="432000" lvl="1" algn="just">
+              <a:spcBef>
+                <a:spcPts val="0"/>
+              </a:spcBef>
+              <a:spcAft>
+                <a:spcPts val="0"/>
+              </a:spcAft>
+            </a:pPr>
+            <a:r>
+              <a:rPr lang="es-PY" sz="1600" dirty="0">
+                <a:solidFill>
+                  <a:schemeClr val="tx1"/>
+                </a:solidFill>
+              </a:rPr>
+              <a:t>	</a:t>
+            </a:r>
+            <a:r>
+              <a:rPr lang="es-PY" sz="1600" dirty="0" smtClean="0">
+                <a:solidFill>
+                  <a:schemeClr val="tx1"/>
+                </a:solidFill>
+              </a:rPr>
+              <a:t>	- </a:t>
+            </a:r>
+            <a:r>
+              <a:rPr lang="es-PY" sz="1400" dirty="0" smtClean="0">
+                <a:solidFill>
+                  <a:schemeClr val="tx1"/>
+                </a:solidFill>
+              </a:rPr>
+              <a:t>Fecha</a:t>
+            </a:r>
+          </a:p>
+          <a:p>
+            <a:pPr marL="432000" lvl="1" algn="just">
+              <a:spcBef>
+                <a:spcPts val="0"/>
+              </a:spcBef>
+              <a:spcAft>
+                <a:spcPts val="0"/>
+              </a:spcAft>
+            </a:pPr>
             <a:r>
               <a:rPr lang="es-PY" sz="1400" dirty="0">
                 <a:solidFill>
                   <a:schemeClr val="tx1"/>
                 </a:solidFill>
               </a:rPr>
-              <a:t>Fecha, Productos, Proveedores, Clientes, Cajas.</a:t>
+              <a:t>	</a:t>
+            </a:r>
+            <a:r>
+              <a:rPr lang="es-PY" sz="1400" dirty="0" smtClean="0">
+                <a:solidFill>
+                  <a:schemeClr val="tx1"/>
+                </a:solidFill>
+              </a:rPr>
+              <a:t>	- </a:t>
+            </a:r>
+            <a:r>
+              <a:rPr lang="es-PY" sz="1400" dirty="0" smtClean="0">
+                <a:solidFill>
+                  <a:schemeClr val="tx1"/>
+                </a:solidFill>
+              </a:rPr>
+              <a:t>Productos</a:t>
+            </a:r>
+          </a:p>
+          <a:p>
+            <a:pPr marL="432000" lvl="1" algn="just">
+              <a:spcBef>
+                <a:spcPts val="0"/>
+              </a:spcBef>
+              <a:spcAft>
+                <a:spcPts val="0"/>
+              </a:spcAft>
+            </a:pPr>
+            <a:r>
+              <a:rPr lang="es-PY" sz="1400" dirty="0">
+                <a:solidFill>
+                  <a:schemeClr val="tx1"/>
+                </a:solidFill>
+              </a:rPr>
+              <a:t>	</a:t>
+            </a:r>
+            <a:r>
+              <a:rPr lang="es-PY" sz="1400" dirty="0" smtClean="0">
+                <a:solidFill>
+                  <a:schemeClr val="tx1"/>
+                </a:solidFill>
+              </a:rPr>
+              <a:t>	- </a:t>
+            </a:r>
+            <a:r>
+              <a:rPr lang="es-PY" sz="1400" dirty="0" smtClean="0">
+                <a:solidFill>
+                  <a:schemeClr val="tx1"/>
+                </a:solidFill>
+              </a:rPr>
+              <a:t>Proveedores</a:t>
+            </a:r>
+          </a:p>
+          <a:p>
+            <a:pPr marL="432000" lvl="1" algn="just">
+              <a:spcBef>
+                <a:spcPts val="0"/>
+              </a:spcBef>
+              <a:spcAft>
+                <a:spcPts val="0"/>
+              </a:spcAft>
+            </a:pPr>
+            <a:r>
+              <a:rPr lang="es-PY" sz="1400" dirty="0">
+                <a:solidFill>
+                  <a:schemeClr val="tx1"/>
+                </a:solidFill>
+              </a:rPr>
+              <a:t>	</a:t>
+            </a:r>
+            <a:r>
+              <a:rPr lang="es-PY" sz="1400" dirty="0" smtClean="0">
+                <a:solidFill>
+                  <a:schemeClr val="tx1"/>
+                </a:solidFill>
+              </a:rPr>
+              <a:t>	- </a:t>
+            </a:r>
+            <a:r>
+              <a:rPr lang="es-PY" sz="1400" dirty="0" smtClean="0">
+                <a:solidFill>
+                  <a:schemeClr val="tx1"/>
+                </a:solidFill>
+              </a:rPr>
+              <a:t>Clientes</a:t>
+            </a:r>
+          </a:p>
+          <a:p>
+            <a:pPr marL="432000" lvl="1" algn="just">
+              <a:spcBef>
+                <a:spcPts val="0"/>
+              </a:spcBef>
+              <a:spcAft>
+                <a:spcPts val="0"/>
+              </a:spcAft>
+            </a:pPr>
+            <a:r>
+              <a:rPr lang="es-PY" sz="1400" dirty="0">
+                <a:solidFill>
+                  <a:schemeClr val="tx1"/>
+                </a:solidFill>
+              </a:rPr>
+              <a:t>	</a:t>
+            </a:r>
+            <a:r>
+              <a:rPr lang="es-PY" sz="1400" dirty="0" smtClean="0">
+                <a:solidFill>
+                  <a:schemeClr val="tx1"/>
+                </a:solidFill>
+              </a:rPr>
+              <a:t>	- </a:t>
+            </a:r>
+            <a:r>
+              <a:rPr lang="es-PY" sz="1400" dirty="0" smtClean="0">
+                <a:solidFill>
+                  <a:schemeClr val="tx1"/>
+                </a:solidFill>
+              </a:rPr>
+              <a:t>Cajas</a:t>
+            </a:r>
+            <a:r>
+              <a:rPr lang="es-PY" sz="1400" dirty="0">
+                <a:solidFill>
+                  <a:schemeClr val="tx1"/>
+                </a:solidFill>
+              </a:rPr>
+              <a:t>.</a:t>
             </a:r>
             <a:endParaRPr lang="es-ES" sz="1400" dirty="0">
               <a:solidFill>
@@ -16098,15 +16376,7 @@
           <a:p>
             <a:r>
               <a:rPr lang="es-ES" sz="5200" b="1" dirty="0"/>
-              <a:t>Business </a:t>
-            </a:r>
-            <a:r>
-              <a:rPr lang="es-ES" sz="5200" b="1" dirty="0" err="1"/>
-              <a:t>Intelligence</a:t>
-            </a:r>
-            <a:r>
-              <a:rPr lang="es-ES" sz="5200" b="1" dirty="0"/>
-              <a:t> </a:t>
+              <a:t>Business Intelligence </a:t>
             </a:r>
             <a:r>
               <a:rPr lang="es-PY" sz="5200" dirty="0" smtClean="0"/>
@@ -16138,8 +16408,8 @@
         </p:blipFill>
         <p:spPr>
           <a:xfrm>
-            <a:off x="5220072" y="3861048"/>
-            <a:ext cx="3851920" cy="2852936"/>
+            <a:off x="4283968" y="3573016"/>
+            <a:ext cx="4421336" cy="3274676"/>
           </a:xfrm>
           <a:prstGeom prst="rect">
             <a:avLst/>
@@ -16450,7 +16720,7 @@
           <a:p>
             <a:pPr algn="just"/>
             <a:r>
-              <a:rPr lang="en-US" sz="2100" b="1" dirty="0" err="1"/>
+              <a:rPr lang="en-US" sz="2100" b="1" dirty="0"/>
               <a:t>Indicadores</a:t>
             </a:r>
             <a:r>
@@ -16458,7 +16728,7 @@
               <a:t> Claves de </a:t>
             </a:r>
             <a:r>
-              <a:rPr lang="en-US" sz="2100" b="1" dirty="0" err="1" smtClean="0"/>
+              <a:rPr lang="en-US" sz="2100" b="1" dirty="0" smtClean="0"/>
               <a:t>Rendimiento</a:t>
             </a:r>
             <a:endParaRPr lang="en-US" sz="2100" b="1" dirty="0" smtClean="0"/>
@@ -16482,7 +16752,7 @@
               <a:t>KPI (Key Performance </a:t>
             </a:r>
             <a:r>
-              <a:rPr lang="es-PY" sz="1900" dirty="0" err="1">
+              <a:rPr lang="es-PY" sz="1900" dirty="0">
                 <a:solidFill>
                   <a:schemeClr val="tx1"/>
                 </a:solidFill>
@@ -16696,15 +16966,7 @@
           <a:p>
             <a:r>
               <a:rPr lang="es-ES" sz="5200" b="1" dirty="0"/>
-              <a:t>Business </a:t>
-            </a:r>
-            <a:r>
-              <a:rPr lang="es-ES" sz="5200" b="1" dirty="0" err="1"/>
-              <a:t>Intelligence</a:t>
-            </a:r>
-            <a:r>
-              <a:rPr lang="es-ES" sz="5200" b="1" dirty="0"/>
-              <a:t> </a:t>
+              <a:t>Business Intelligence </a:t>
             </a:r>
             <a:r>
               <a:rPr lang="es-PY" sz="5200" dirty="0" smtClean="0"/>
@@ -17162,120 +17424,141 @@
           <a:p>
             <a:pPr algn="just"/>
             <a:r>
-              <a:rPr lang="en-US" sz="2100" b="1" dirty="0" err="1" smtClean="0"/>
+              <a:rPr lang="es-PY" sz="2100" b="1" dirty="0" smtClean="0"/>
               <a:t>Asignación</a:t>
+            </a:r>
+            <a:r>
+              <a:rPr lang="en-US" sz="2100" b="1" dirty="0" smtClean="0"/>
+              <a:t> </a:t>
+            </a:r>
+            <a:r>
+              <a:rPr lang="en-US" sz="2100" b="1" dirty="0" smtClean="0"/>
+              <a:t>de </a:t>
+            </a:r>
+            <a:r>
+              <a:rPr lang="en-US" sz="2100" b="1" dirty="0" smtClean="0"/>
+              <a:t>etiquetas</a:t>
+            </a:r>
+            <a:endParaRPr lang="en-US" sz="2100" b="1" dirty="0" smtClean="0"/>
+          </a:p>
+          <a:p>
+            <a:pPr marL="180000" algn="just"/>
+            <a:r>
+              <a:rPr lang="es-PY" sz="1600" dirty="0"/>
+              <a:t>A cada </a:t>
+            </a:r>
+            <a:r>
+              <a:rPr lang="es-PY" sz="1600" dirty="0" smtClean="0"/>
+              <a:t>fila </a:t>
+            </a:r>
+            <a:r>
+              <a:rPr lang="es-PY" sz="1600" dirty="0"/>
+              <a:t>de valores KPI obtenidos para cada producto se </a:t>
+            </a:r>
+            <a:r>
+              <a:rPr lang="es-PY" sz="1600" dirty="0" smtClean="0"/>
+              <a:t>asigna </a:t>
+            </a:r>
+            <a:r>
+              <a:rPr lang="es-PY" sz="1600" dirty="0"/>
+              <a:t>una etiqueta </a:t>
+            </a:r>
+            <a:r>
+              <a:rPr lang="es-PY" sz="1600" dirty="0" smtClean="0"/>
+              <a:t>que debe ser </a:t>
+            </a:r>
+            <a:r>
+              <a:rPr lang="es-PY" sz="1600" dirty="0"/>
+              <a:t>realizada y revisada por el experto del área de </a:t>
+            </a:r>
+            <a:r>
+              <a:rPr lang="es-PY" sz="1600" dirty="0" smtClean="0"/>
+              <a:t>compras de la </a:t>
+            </a:r>
+            <a:r>
+              <a:rPr lang="es-PY" sz="1600" dirty="0" smtClean="0"/>
+              <a:t>empresa. </a:t>
+            </a:r>
+            <a:r>
+              <a:rPr lang="es-PY" sz="1600" dirty="0" smtClean="0"/>
+              <a:t>Para </a:t>
+            </a:r>
+            <a:r>
+              <a:rPr lang="es-PY" sz="1600" dirty="0"/>
+              <a:t>el presente trabajo el etiquetado fue realizado en forma empírica, sin la intervención de un experto por la dificultad de contar con una persona especializada en el </a:t>
+            </a:r>
+            <a:r>
+              <a:rPr lang="es-PY" sz="1600" dirty="0" smtClean="0"/>
+              <a:t>área.</a:t>
+            </a:r>
+            <a:endParaRPr lang="es-PY" sz="1600" dirty="0" smtClean="0"/>
+          </a:p>
+          <a:p>
+            <a:pPr algn="just"/>
+            <a:r>
+              <a:rPr lang="es-PY" sz="2100" b="1" dirty="0" smtClean="0"/>
+              <a:t>Periodo</a:t>
+            </a:r>
+            <a:r>
+              <a:rPr lang="es-PY" sz="1600" dirty="0" smtClean="0"/>
+              <a:t> : Semanal, quincenal o Mensual.</a:t>
+            </a:r>
+          </a:p>
+          <a:p>
+            <a:pPr algn="just"/>
+            <a:r>
+              <a:rPr lang="en-US" sz="2100" b="1" dirty="0" smtClean="0"/>
+              <a:t>Etiquetas</a:t>
+            </a:r>
+            <a:r>
+              <a:rPr lang="en-US" sz="2100" b="1" dirty="0" smtClean="0"/>
+              <a:t>:  [</a:t>
+            </a:r>
+            <a:r>
+              <a:rPr lang="en-US" dirty="0" smtClean="0"/>
+              <a:t>Nada, </a:t>
+            </a:r>
+            <a:r>
+              <a:rPr lang="en-US" dirty="0" smtClean="0"/>
+              <a:t>Poco</a:t>
+            </a:r>
+            <a:r>
+              <a:rPr lang="en-US" dirty="0" smtClean="0"/>
+              <a:t>, Medio, Mucho</a:t>
+            </a:r>
+            <a:r>
+              <a:rPr lang="en-US" dirty="0"/>
+              <a:t>]</a:t>
+            </a:r>
+          </a:p>
+          <a:p>
+            <a:pPr algn="just"/>
+            <a:endParaRPr lang="en-US" sz="2100" b="1" dirty="0" smtClean="0"/>
+          </a:p>
+          <a:p>
+            <a:pPr algn="just"/>
+            <a:endParaRPr lang="en-US" sz="2100" b="1" dirty="0"/>
+          </a:p>
+          <a:p>
+            <a:pPr algn="just"/>
+            <a:r>
+              <a:rPr lang="en-US" sz="2100" b="1" dirty="0" smtClean="0"/>
+              <a:t>Resultado</a:t>
+            </a:r>
+            <a:r>
+              <a:rPr lang="en-US" sz="2100" b="1" dirty="0" smtClean="0"/>
+              <a:t> de la </a:t>
+            </a:r>
+            <a:r>
+              <a:rPr lang="en-US" sz="2100" b="1" dirty="0" smtClean="0"/>
+              <a:t>asignación</a:t>
             </a:r>
             <a:r>
               <a:rPr lang="en-US" sz="2100" b="1" dirty="0" smtClean="0"/>
               <a:t> de </a:t>
             </a:r>
             <a:r>
-              <a:rPr lang="en-US" sz="2100" b="1" dirty="0" err="1" smtClean="0"/>
-              <a:t>etiquetas</a:t>
-            </a:r>
-            <a:endParaRPr lang="en-US" sz="2100" b="1" dirty="0" smtClean="0"/>
-          </a:p>
-          <a:p>
-            <a:pPr marL="180000" algn="just"/>
-            <a:r>
-              <a:rPr lang="es-PY" sz="1600" dirty="0"/>
-              <a:t>A cada </a:t>
-            </a:r>
-            <a:r>
-              <a:rPr lang="es-PY" sz="1600" dirty="0" smtClean="0"/>
-              <a:t>fila </a:t>
-            </a:r>
-            <a:r>
-              <a:rPr lang="es-PY" sz="1600" dirty="0"/>
-              <a:t>de valores KPI obtenidos para cada producto se </a:t>
-            </a:r>
-            <a:r>
-              <a:rPr lang="es-PY" sz="1600" dirty="0" smtClean="0"/>
-              <a:t>asigna </a:t>
-            </a:r>
-            <a:r>
-              <a:rPr lang="es-PY" sz="1600" dirty="0"/>
-              <a:t>una etiqueta </a:t>
-            </a:r>
-            <a:r>
-              <a:rPr lang="es-PY" sz="1600" dirty="0" smtClean="0"/>
-              <a:t>que debe ser </a:t>
-            </a:r>
-            <a:r>
-              <a:rPr lang="es-PY" sz="1600" dirty="0"/>
-              <a:t>realizada y revisada por el experto del área de </a:t>
-            </a:r>
-            <a:r>
-              <a:rPr lang="es-PY" sz="1600" dirty="0" smtClean="0"/>
-              <a:t>compras de la empresa.</a:t>
-            </a:r>
-          </a:p>
-          <a:p>
-            <a:pPr algn="just"/>
-            <a:r>
-              <a:rPr lang="es-PY" sz="2100" b="1" dirty="0" smtClean="0"/>
-              <a:t>Periodo</a:t>
-            </a:r>
-            <a:r>
-              <a:rPr lang="es-PY" sz="1600" dirty="0" smtClean="0"/>
-              <a:t> : Semanal, quincenal o Mensual.</a:t>
-            </a:r>
-          </a:p>
-          <a:p>
-            <a:pPr algn="just"/>
-            <a:r>
-              <a:rPr lang="en-US" sz="2100" b="1" dirty="0" err="1" smtClean="0"/>
-              <a:t>Etiquetas</a:t>
-            </a:r>
-            <a:r>
               <a:rPr lang="en-US" sz="2100" b="1" dirty="0" smtClean="0"/>
-              <a:t>:  [</a:t>
-            </a:r>
-            <a:r>
-              <a:rPr lang="en-US" dirty="0" smtClean="0"/>
-              <a:t>Nada, </a:t>
-            </a:r>
-            <a:r>
-              <a:rPr lang="en-US" dirty="0" err="1" smtClean="0"/>
-              <a:t>Poco</a:t>
-            </a:r>
-            <a:r>
-              <a:rPr lang="en-US" dirty="0" smtClean="0"/>
-              <a:t>, Medio, Mucho</a:t>
-            </a:r>
-            <a:r>
-              <a:rPr lang="en-US" dirty="0"/>
-              <a:t>]</a:t>
-            </a:r>
-          </a:p>
-          <a:p>
-            <a:pPr algn="just"/>
-            <a:endParaRPr lang="en-US" sz="2100" b="1" dirty="0" smtClean="0"/>
-          </a:p>
-          <a:p>
-            <a:pPr algn="just"/>
-            <a:endParaRPr lang="en-US" sz="2100" b="1" dirty="0"/>
-          </a:p>
-          <a:p>
-            <a:pPr algn="just"/>
-            <a:r>
-              <a:rPr lang="en-US" sz="2100" b="1" dirty="0" err="1" smtClean="0"/>
-              <a:t>Resultado</a:t>
-            </a:r>
-            <a:r>
-              <a:rPr lang="en-US" sz="2100" b="1" dirty="0" smtClean="0"/>
-              <a:t> de la </a:t>
-            </a:r>
-            <a:r>
-              <a:rPr lang="en-US" sz="2100" b="1" dirty="0" err="1" smtClean="0"/>
-              <a:t>asignación</a:t>
-            </a:r>
-            <a:r>
-              <a:rPr lang="en-US" sz="2100" b="1" dirty="0" smtClean="0"/>
-              <a:t> de </a:t>
-            </a:r>
-            <a:r>
-              <a:rPr lang="en-US" sz="2100" b="1" dirty="0" err="1" smtClean="0"/>
               <a:t>etiquetas</a:t>
             </a:r>
             <a:endParaRPr lang="en-US" sz="2100" b="1" dirty="0" smtClean="0"/>
@@ -17387,15 +17670,7 @@
           <a:p>
             <a:r>
               <a:rPr lang="es-ES" sz="5200" b="1" dirty="0"/>
-              <a:t>Business </a:t>
-            </a:r>
-            <a:r>
-              <a:rPr lang="es-ES" sz="5200" b="1" dirty="0" err="1"/>
-              <a:t>Intelligence</a:t>
-            </a:r>
-            <a:r>
-              <a:rPr lang="es-ES" sz="5200" b="1" dirty="0"/>
-              <a:t> </a:t>
+              <a:t>Business Intelligence </a:t>
             </a:r>
             <a:r>
               <a:rPr lang="es-PY" sz="5200" dirty="0" smtClean="0"/>
@@ -17427,7 +17702,7 @@
         </p:blipFill>
         <p:spPr>
           <a:xfrm>
-            <a:off x="1331640" y="4581127"/>
+            <a:off x="1331640" y="4941168"/>
             <a:ext cx="7028591" cy="1527045"/>
           </a:xfrm>
           <a:prstGeom prst="rect">
@@ -17451,7 +17726,7 @@
         </p:blipFill>
         <p:spPr>
           <a:xfrm>
-            <a:off x="1331640" y="3068960"/>
+            <a:off x="1331640" y="3536116"/>
             <a:ext cx="2232248" cy="924888"/>
           </a:xfrm>
           <a:prstGeom prst="rect">
@@ -17475,7 +17750,7 @@
         </p:blipFill>
         <p:spPr>
           <a:xfrm>
-            <a:off x="3635895" y="3068960"/>
+            <a:off x="3635895" y="3536116"/>
             <a:ext cx="2513595" cy="925200"/>
           </a:xfrm>
           <a:prstGeom prst="rect">
@@ -17499,7 +17774,7 @@
         </p:blipFill>
         <p:spPr>
           <a:xfrm>
-            <a:off x="6957841" y="3116764"/>
+            <a:off x="6957841" y="3583920"/>
             <a:ext cx="1859714" cy="925200"/>
           </a:xfrm>
           <a:prstGeom prst="rect">
@@ -17515,7 +17790,7 @@
         </p:nvSpPr>
         <p:spPr>
           <a:xfrm>
-            <a:off x="6300192" y="3531404"/>
+            <a:off x="6300192" y="3998560"/>
             <a:ext cx="504056" cy="246420"/>
           </a:xfrm>
           <a:prstGeom prst="rightArrow">
@@ -17543,7 +17818,7 @@
           <a:lstStyle/>
           <a:p>
             <a:pPr algn="ctr"/>
-            <a:endParaRPr lang="es-PY"/>
+            <a:endParaRPr lang="es-PY" dirty="0"/>
           </a:p>
         </p:txBody>
       </p:sp>
@@ -17688,7 +17963,7 @@
               <a:t>Machine </a:t>
             </a:r>
             <a:r>
-              <a:rPr lang="es-ES" b="1" dirty="0" err="1" smtClean="0"/>
+              <a:rPr lang="es-ES" b="1" dirty="0" smtClean="0"/>
               <a:t>Learning</a:t>
             </a:r>
             <a:r>
@@ -17978,7 +18253,7 @@
               <a:t>“Machine </a:t>
             </a:r>
             <a:r>
-              <a:rPr lang="es-ES" sz="2100" i="1" dirty="0" err="1">
+              <a:rPr lang="es-ES" sz="2100" i="1" dirty="0">
                 <a:solidFill>
                   <a:schemeClr val="tx1"/>
                 </a:solidFill>
@@ -18023,7 +18298,7 @@
               <a:buAutoNum type="arabicPeriod"/>
             </a:pPr>
             <a:r>
-              <a:rPr lang="en-US" sz="2100" b="1" dirty="0" err="1" smtClean="0"/>
+              <a:rPr lang="en-US" sz="2100" b="1" dirty="0" smtClean="0"/>
               <a:t>Categoría</a:t>
             </a:r>
             <a:r>
@@ -18035,7 +18310,7 @@
               <a:t>de </a:t>
             </a:r>
             <a:r>
-              <a:rPr lang="en-US" sz="2100" b="1" dirty="0" err="1"/>
+              <a:rPr lang="en-US" sz="2100" b="1" dirty="0"/>
               <a:t>los</a:t>
             </a:r>
             <a:r>
@@ -18043,7 +18318,7 @@
               <a:t> </a:t>
             </a:r>
             <a:r>
-              <a:rPr lang="en-US" sz="2100" b="1" dirty="0" err="1"/>
+              <a:rPr lang="en-US" sz="2100" b="1" dirty="0"/>
               <a:t>algoritmos</a:t>
             </a:r>
             <a:endParaRPr lang="en-US" sz="2100" b="1" dirty="0"/>
@@ -18101,7 +18376,7 @@
               <a:buAutoNum type="arabicPeriod"/>
             </a:pPr>
             <a:r>
-              <a:rPr lang="en-US" sz="2100" b="1" dirty="0" err="1"/>
+              <a:rPr lang="en-US" sz="2100" b="1" dirty="0"/>
               <a:t>Tipos</a:t>
             </a:r>
             <a:r>
@@ -18109,7 +18384,7 @@
               <a:t> de </a:t>
             </a:r>
             <a:r>
-              <a:rPr lang="en-US" sz="2100" b="1" dirty="0" err="1" smtClean="0"/>
+              <a:rPr lang="en-US" sz="2100" b="1" dirty="0" smtClean="0"/>
               <a:t>problemas</a:t>
             </a:r>
             <a:endParaRPr lang="en-US" sz="2100" b="1" dirty="0"/>
@@ -18231,7 +18506,7 @@
               <a:t>Clasificación </a:t>
             </a:r>
             <a:r>
-              <a:rPr lang="es-ES" sz="2100" dirty="0" err="1" smtClean="0">
+              <a:rPr lang="es-ES" sz="2100" dirty="0" smtClean="0">
                 <a:solidFill>
                   <a:schemeClr val="tx1"/>
                 </a:solidFill>
